--- a/pptx/workflow2.pptx
+++ b/pptx/workflow2.pptx
@@ -164,7 +164,7 @@
           </a:lstStyle>
           <a:p>
             <a:r>
-              <a:rPr lang="fr-FR" smtClean="0"/>
+              <a:rPr lang="fr-FR"/>
               <a:t>Modifiez le style du titre</a:t>
             </a:r>
             <a:endParaRPr lang="en-US"/>
@@ -229,7 +229,7 @@
           </a:lstStyle>
           <a:p>
             <a:r>
-              <a:rPr lang="fr-FR" smtClean="0"/>
+              <a:rPr lang="fr-FR"/>
               <a:t>Modifier le style des sous-titres du masque</a:t>
             </a:r>
             <a:endParaRPr lang="en-US"/>
@@ -253,7 +253,7 @@
           <a:p>
             <a:fld id="{E4CEAD9B-CE2F-4756-96AF-660726347DAB}" type="datetimeFigureOut">
               <a:rPr lang="en-US" smtClean="0"/>
-              <a:t>11/29/2022</a:t>
+              <a:t>11/30/22</a:t>
             </a:fld>
             <a:endParaRPr lang="en-US"/>
           </a:p>
@@ -347,7 +347,7 @@
           <a:lstStyle/>
           <a:p>
             <a:r>
-              <a:rPr lang="fr-FR" smtClean="0"/>
+              <a:rPr lang="fr-FR"/>
               <a:t>Modifiez le style du titre</a:t>
             </a:r>
             <a:endParaRPr lang="en-US"/>
@@ -371,35 +371,35 @@
           <a:p>
             <a:pPr lvl="0"/>
             <a:r>
-              <a:rPr lang="fr-FR" smtClean="0"/>
+              <a:rPr lang="fr-FR"/>
               <a:t>Modifier les styles du texte du masque</a:t>
             </a:r>
           </a:p>
           <a:p>
             <a:pPr lvl="1"/>
             <a:r>
-              <a:rPr lang="fr-FR" smtClean="0"/>
+              <a:rPr lang="fr-FR"/>
               <a:t>Deuxième niveau</a:t>
             </a:r>
           </a:p>
           <a:p>
             <a:pPr lvl="2"/>
             <a:r>
-              <a:rPr lang="fr-FR" smtClean="0"/>
+              <a:rPr lang="fr-FR"/>
               <a:t>Troisième niveau</a:t>
             </a:r>
           </a:p>
           <a:p>
             <a:pPr lvl="3"/>
             <a:r>
-              <a:rPr lang="fr-FR" smtClean="0"/>
+              <a:rPr lang="fr-FR"/>
               <a:t>Quatrième niveau</a:t>
             </a:r>
           </a:p>
           <a:p>
             <a:pPr lvl="4"/>
             <a:r>
-              <a:rPr lang="fr-FR" smtClean="0"/>
+              <a:rPr lang="fr-FR"/>
               <a:t>Cinquième niveau</a:t>
             </a:r>
             <a:endParaRPr lang="en-US"/>
@@ -423,7 +423,7 @@
           <a:p>
             <a:fld id="{E4CEAD9B-CE2F-4756-96AF-660726347DAB}" type="datetimeFigureOut">
               <a:rPr lang="en-US" smtClean="0"/>
-              <a:t>11/29/2022</a:t>
+              <a:t>11/30/22</a:t>
             </a:fld>
             <a:endParaRPr lang="en-US"/>
           </a:p>
@@ -522,7 +522,7 @@
           <a:lstStyle/>
           <a:p>
             <a:r>
-              <a:rPr lang="fr-FR" smtClean="0"/>
+              <a:rPr lang="fr-FR"/>
               <a:t>Modifiez le style du titre</a:t>
             </a:r>
             <a:endParaRPr lang="en-US"/>
@@ -551,35 +551,35 @@
           <a:p>
             <a:pPr lvl="0"/>
             <a:r>
-              <a:rPr lang="fr-FR" smtClean="0"/>
+              <a:rPr lang="fr-FR"/>
               <a:t>Modifier les styles du texte du masque</a:t>
             </a:r>
           </a:p>
           <a:p>
             <a:pPr lvl="1"/>
             <a:r>
-              <a:rPr lang="fr-FR" smtClean="0"/>
+              <a:rPr lang="fr-FR"/>
               <a:t>Deuxième niveau</a:t>
             </a:r>
           </a:p>
           <a:p>
             <a:pPr lvl="2"/>
             <a:r>
-              <a:rPr lang="fr-FR" smtClean="0"/>
+              <a:rPr lang="fr-FR"/>
               <a:t>Troisième niveau</a:t>
             </a:r>
           </a:p>
           <a:p>
             <a:pPr lvl="3"/>
             <a:r>
-              <a:rPr lang="fr-FR" smtClean="0"/>
+              <a:rPr lang="fr-FR"/>
               <a:t>Quatrième niveau</a:t>
             </a:r>
           </a:p>
           <a:p>
             <a:pPr lvl="4"/>
             <a:r>
-              <a:rPr lang="fr-FR" smtClean="0"/>
+              <a:rPr lang="fr-FR"/>
               <a:t>Cinquième niveau</a:t>
             </a:r>
             <a:endParaRPr lang="en-US"/>
@@ -603,7 +603,7 @@
           <a:p>
             <a:fld id="{E4CEAD9B-CE2F-4756-96AF-660726347DAB}" type="datetimeFigureOut">
               <a:rPr lang="en-US" smtClean="0"/>
-              <a:t>11/29/2022</a:t>
+              <a:t>11/30/22</a:t>
             </a:fld>
             <a:endParaRPr lang="en-US"/>
           </a:p>
@@ -697,7 +697,7 @@
           <a:lstStyle/>
           <a:p>
             <a:r>
-              <a:rPr lang="fr-FR" smtClean="0"/>
+              <a:rPr lang="fr-FR"/>
               <a:t>Modifiez le style du titre</a:t>
             </a:r>
             <a:endParaRPr lang="en-US"/>
@@ -721,35 +721,35 @@
           <a:p>
             <a:pPr lvl="0"/>
             <a:r>
-              <a:rPr lang="fr-FR" smtClean="0"/>
+              <a:rPr lang="fr-FR"/>
               <a:t>Modifier les styles du texte du masque</a:t>
             </a:r>
           </a:p>
           <a:p>
             <a:pPr lvl="1"/>
             <a:r>
-              <a:rPr lang="fr-FR" smtClean="0"/>
+              <a:rPr lang="fr-FR"/>
               <a:t>Deuxième niveau</a:t>
             </a:r>
           </a:p>
           <a:p>
             <a:pPr lvl="2"/>
             <a:r>
-              <a:rPr lang="fr-FR" smtClean="0"/>
+              <a:rPr lang="fr-FR"/>
               <a:t>Troisième niveau</a:t>
             </a:r>
           </a:p>
           <a:p>
             <a:pPr lvl="3"/>
             <a:r>
-              <a:rPr lang="fr-FR" smtClean="0"/>
+              <a:rPr lang="fr-FR"/>
               <a:t>Quatrième niveau</a:t>
             </a:r>
           </a:p>
           <a:p>
             <a:pPr lvl="4"/>
             <a:r>
-              <a:rPr lang="fr-FR" smtClean="0"/>
+              <a:rPr lang="fr-FR"/>
               <a:t>Cinquième niveau</a:t>
             </a:r>
             <a:endParaRPr lang="en-US"/>
@@ -773,7 +773,7 @@
           <a:p>
             <a:fld id="{E4CEAD9B-CE2F-4756-96AF-660726347DAB}" type="datetimeFigureOut">
               <a:rPr lang="en-US" smtClean="0"/>
-              <a:t>11/29/2022</a:t>
+              <a:t>11/30/22</a:t>
             </a:fld>
             <a:endParaRPr lang="en-US"/>
           </a:p>
@@ -876,7 +876,7 @@
           </a:lstStyle>
           <a:p>
             <a:r>
-              <a:rPr lang="fr-FR" smtClean="0"/>
+              <a:rPr lang="fr-FR"/>
               <a:t>Modifiez le style du titre</a:t>
             </a:r>
             <a:endParaRPr lang="en-US"/>
@@ -996,7 +996,7 @@
           <a:p>
             <a:pPr lvl="0"/>
             <a:r>
-              <a:rPr lang="fr-FR" smtClean="0"/>
+              <a:rPr lang="fr-FR"/>
               <a:t>Modifier les styles du texte du masque</a:t>
             </a:r>
           </a:p>
@@ -1019,7 +1019,7 @@
           <a:p>
             <a:fld id="{E4CEAD9B-CE2F-4756-96AF-660726347DAB}" type="datetimeFigureOut">
               <a:rPr lang="en-US" smtClean="0"/>
-              <a:t>11/29/2022</a:t>
+              <a:t>11/30/22</a:t>
             </a:fld>
             <a:endParaRPr lang="en-US"/>
           </a:p>
@@ -1113,7 +1113,7 @@
           <a:lstStyle/>
           <a:p>
             <a:r>
-              <a:rPr lang="fr-FR" smtClean="0"/>
+              <a:rPr lang="fr-FR"/>
               <a:t>Modifiez le style du titre</a:t>
             </a:r>
             <a:endParaRPr lang="en-US"/>
@@ -1142,35 +1142,35 @@
           <a:p>
             <a:pPr lvl="0"/>
             <a:r>
-              <a:rPr lang="fr-FR" smtClean="0"/>
+              <a:rPr lang="fr-FR"/>
               <a:t>Modifier les styles du texte du masque</a:t>
             </a:r>
           </a:p>
           <a:p>
             <a:pPr lvl="1"/>
             <a:r>
-              <a:rPr lang="fr-FR" smtClean="0"/>
+              <a:rPr lang="fr-FR"/>
               <a:t>Deuxième niveau</a:t>
             </a:r>
           </a:p>
           <a:p>
             <a:pPr lvl="2"/>
             <a:r>
-              <a:rPr lang="fr-FR" smtClean="0"/>
+              <a:rPr lang="fr-FR"/>
               <a:t>Troisième niveau</a:t>
             </a:r>
           </a:p>
           <a:p>
             <a:pPr lvl="3"/>
             <a:r>
-              <a:rPr lang="fr-FR" smtClean="0"/>
+              <a:rPr lang="fr-FR"/>
               <a:t>Quatrième niveau</a:t>
             </a:r>
           </a:p>
           <a:p>
             <a:pPr lvl="4"/>
             <a:r>
-              <a:rPr lang="fr-FR" smtClean="0"/>
+              <a:rPr lang="fr-FR"/>
               <a:t>Cinquième niveau</a:t>
             </a:r>
             <a:endParaRPr lang="en-US"/>
@@ -1199,35 +1199,35 @@
           <a:p>
             <a:pPr lvl="0"/>
             <a:r>
-              <a:rPr lang="fr-FR" smtClean="0"/>
+              <a:rPr lang="fr-FR"/>
               <a:t>Modifier les styles du texte du masque</a:t>
             </a:r>
           </a:p>
           <a:p>
             <a:pPr lvl="1"/>
             <a:r>
-              <a:rPr lang="fr-FR" smtClean="0"/>
+              <a:rPr lang="fr-FR"/>
               <a:t>Deuxième niveau</a:t>
             </a:r>
           </a:p>
           <a:p>
             <a:pPr lvl="2"/>
             <a:r>
-              <a:rPr lang="fr-FR" smtClean="0"/>
+              <a:rPr lang="fr-FR"/>
               <a:t>Troisième niveau</a:t>
             </a:r>
           </a:p>
           <a:p>
             <a:pPr lvl="3"/>
             <a:r>
-              <a:rPr lang="fr-FR" smtClean="0"/>
+              <a:rPr lang="fr-FR"/>
               <a:t>Quatrième niveau</a:t>
             </a:r>
           </a:p>
           <a:p>
             <a:pPr lvl="4"/>
             <a:r>
-              <a:rPr lang="fr-FR" smtClean="0"/>
+              <a:rPr lang="fr-FR"/>
               <a:t>Cinquième niveau</a:t>
             </a:r>
             <a:endParaRPr lang="en-US"/>
@@ -1251,7 +1251,7 @@
           <a:p>
             <a:fld id="{E4CEAD9B-CE2F-4756-96AF-660726347DAB}" type="datetimeFigureOut">
               <a:rPr lang="en-US" smtClean="0"/>
-              <a:t>11/29/2022</a:t>
+              <a:t>11/30/22</a:t>
             </a:fld>
             <a:endParaRPr lang="en-US"/>
           </a:p>
@@ -1350,7 +1350,7 @@
           <a:lstStyle/>
           <a:p>
             <a:r>
-              <a:rPr lang="fr-FR" smtClean="0"/>
+              <a:rPr lang="fr-FR"/>
               <a:t>Modifiez le style du titre</a:t>
             </a:r>
             <a:endParaRPr lang="en-US"/>
@@ -1416,7 +1416,7 @@
           <a:p>
             <a:pPr lvl="0"/>
             <a:r>
-              <a:rPr lang="fr-FR" smtClean="0"/>
+              <a:rPr lang="fr-FR"/>
               <a:t>Modifier les styles du texte du masque</a:t>
             </a:r>
           </a:p>
@@ -1444,35 +1444,35 @@
           <a:p>
             <a:pPr lvl="0"/>
             <a:r>
-              <a:rPr lang="fr-FR" smtClean="0"/>
+              <a:rPr lang="fr-FR"/>
               <a:t>Modifier les styles du texte du masque</a:t>
             </a:r>
           </a:p>
           <a:p>
             <a:pPr lvl="1"/>
             <a:r>
-              <a:rPr lang="fr-FR" smtClean="0"/>
+              <a:rPr lang="fr-FR"/>
               <a:t>Deuxième niveau</a:t>
             </a:r>
           </a:p>
           <a:p>
             <a:pPr lvl="2"/>
             <a:r>
-              <a:rPr lang="fr-FR" smtClean="0"/>
+              <a:rPr lang="fr-FR"/>
               <a:t>Troisième niveau</a:t>
             </a:r>
           </a:p>
           <a:p>
             <a:pPr lvl="3"/>
             <a:r>
-              <a:rPr lang="fr-FR" smtClean="0"/>
+              <a:rPr lang="fr-FR"/>
               <a:t>Quatrième niveau</a:t>
             </a:r>
           </a:p>
           <a:p>
             <a:pPr lvl="4"/>
             <a:r>
-              <a:rPr lang="fr-FR" smtClean="0"/>
+              <a:rPr lang="fr-FR"/>
               <a:t>Cinquième niveau</a:t>
             </a:r>
             <a:endParaRPr lang="en-US"/>
@@ -1538,7 +1538,7 @@
           <a:p>
             <a:pPr lvl="0"/>
             <a:r>
-              <a:rPr lang="fr-FR" smtClean="0"/>
+              <a:rPr lang="fr-FR"/>
               <a:t>Modifier les styles du texte du masque</a:t>
             </a:r>
           </a:p>
@@ -1566,35 +1566,35 @@
           <a:p>
             <a:pPr lvl="0"/>
             <a:r>
-              <a:rPr lang="fr-FR" smtClean="0"/>
+              <a:rPr lang="fr-FR"/>
               <a:t>Modifier les styles du texte du masque</a:t>
             </a:r>
           </a:p>
           <a:p>
             <a:pPr lvl="1"/>
             <a:r>
-              <a:rPr lang="fr-FR" smtClean="0"/>
+              <a:rPr lang="fr-FR"/>
               <a:t>Deuxième niveau</a:t>
             </a:r>
           </a:p>
           <a:p>
             <a:pPr lvl="2"/>
             <a:r>
-              <a:rPr lang="fr-FR" smtClean="0"/>
+              <a:rPr lang="fr-FR"/>
               <a:t>Troisième niveau</a:t>
             </a:r>
           </a:p>
           <a:p>
             <a:pPr lvl="3"/>
             <a:r>
-              <a:rPr lang="fr-FR" smtClean="0"/>
+              <a:rPr lang="fr-FR"/>
               <a:t>Quatrième niveau</a:t>
             </a:r>
           </a:p>
           <a:p>
             <a:pPr lvl="4"/>
             <a:r>
-              <a:rPr lang="fr-FR" smtClean="0"/>
+              <a:rPr lang="fr-FR"/>
               <a:t>Cinquième niveau</a:t>
             </a:r>
             <a:endParaRPr lang="en-US"/>
@@ -1618,7 +1618,7 @@
           <a:p>
             <a:fld id="{E4CEAD9B-CE2F-4756-96AF-660726347DAB}" type="datetimeFigureOut">
               <a:rPr lang="en-US" smtClean="0"/>
-              <a:t>11/29/2022</a:t>
+              <a:t>11/30/22</a:t>
             </a:fld>
             <a:endParaRPr lang="en-US"/>
           </a:p>
@@ -1712,7 +1712,7 @@
           <a:lstStyle/>
           <a:p>
             <a:r>
-              <a:rPr lang="fr-FR" smtClean="0"/>
+              <a:rPr lang="fr-FR"/>
               <a:t>Modifiez le style du titre</a:t>
             </a:r>
             <a:endParaRPr lang="en-US"/>
@@ -1736,7 +1736,7 @@
           <a:p>
             <a:fld id="{E4CEAD9B-CE2F-4756-96AF-660726347DAB}" type="datetimeFigureOut">
               <a:rPr lang="en-US" smtClean="0"/>
-              <a:t>11/29/2022</a:t>
+              <a:t>11/30/22</a:t>
             </a:fld>
             <a:endParaRPr lang="en-US"/>
           </a:p>
@@ -1831,7 +1831,7 @@
           <a:p>
             <a:fld id="{E4CEAD9B-CE2F-4756-96AF-660726347DAB}" type="datetimeFigureOut">
               <a:rPr lang="en-US" smtClean="0"/>
-              <a:t>11/29/2022</a:t>
+              <a:t>11/30/22</a:t>
             </a:fld>
             <a:endParaRPr lang="en-US"/>
           </a:p>
@@ -1934,7 +1934,7 @@
           </a:lstStyle>
           <a:p>
             <a:r>
-              <a:rPr lang="fr-FR" smtClean="0"/>
+              <a:rPr lang="fr-FR"/>
               <a:t>Modifiez le style du titre</a:t>
             </a:r>
             <a:endParaRPr lang="en-US"/>
@@ -1991,35 +1991,35 @@
           <a:p>
             <a:pPr lvl="0"/>
             <a:r>
-              <a:rPr lang="fr-FR" smtClean="0"/>
+              <a:rPr lang="fr-FR"/>
               <a:t>Modifier les styles du texte du masque</a:t>
             </a:r>
           </a:p>
           <a:p>
             <a:pPr lvl="1"/>
             <a:r>
-              <a:rPr lang="fr-FR" smtClean="0"/>
+              <a:rPr lang="fr-FR"/>
               <a:t>Deuxième niveau</a:t>
             </a:r>
           </a:p>
           <a:p>
             <a:pPr lvl="2"/>
             <a:r>
-              <a:rPr lang="fr-FR" smtClean="0"/>
+              <a:rPr lang="fr-FR"/>
               <a:t>Troisième niveau</a:t>
             </a:r>
           </a:p>
           <a:p>
             <a:pPr lvl="3"/>
             <a:r>
-              <a:rPr lang="fr-FR" smtClean="0"/>
+              <a:rPr lang="fr-FR"/>
               <a:t>Quatrième niveau</a:t>
             </a:r>
           </a:p>
           <a:p>
             <a:pPr lvl="4"/>
             <a:r>
-              <a:rPr lang="fr-FR" smtClean="0"/>
+              <a:rPr lang="fr-FR"/>
               <a:t>Cinquième niveau</a:t>
             </a:r>
             <a:endParaRPr lang="en-US"/>
@@ -2085,7 +2085,7 @@
           <a:p>
             <a:pPr lvl="0"/>
             <a:r>
-              <a:rPr lang="fr-FR" smtClean="0"/>
+              <a:rPr lang="fr-FR"/>
               <a:t>Modifier les styles du texte du masque</a:t>
             </a:r>
           </a:p>
@@ -2108,7 +2108,7 @@
           <a:p>
             <a:fld id="{E4CEAD9B-CE2F-4756-96AF-660726347DAB}" type="datetimeFigureOut">
               <a:rPr lang="en-US" smtClean="0"/>
-              <a:t>11/29/2022</a:t>
+              <a:t>11/30/22</a:t>
             </a:fld>
             <a:endParaRPr lang="en-US"/>
           </a:p>
@@ -2211,7 +2211,7 @@
           </a:lstStyle>
           <a:p>
             <a:r>
-              <a:rPr lang="fr-FR" smtClean="0"/>
+              <a:rPr lang="fr-FR"/>
               <a:t>Modifiez le style du titre</a:t>
             </a:r>
             <a:endParaRPr lang="en-US"/>
@@ -2338,7 +2338,7 @@
           <a:p>
             <a:pPr lvl="0"/>
             <a:r>
-              <a:rPr lang="fr-FR" smtClean="0"/>
+              <a:rPr lang="fr-FR"/>
               <a:t>Modifier les styles du texte du masque</a:t>
             </a:r>
           </a:p>
@@ -2361,7 +2361,7 @@
           <a:p>
             <a:fld id="{E4CEAD9B-CE2F-4756-96AF-660726347DAB}" type="datetimeFigureOut">
               <a:rPr lang="en-US" smtClean="0"/>
-              <a:t>11/29/2022</a:t>
+              <a:t>11/30/22</a:t>
             </a:fld>
             <a:endParaRPr lang="en-US"/>
           </a:p>
@@ -2470,7 +2470,7 @@
           <a:lstStyle/>
           <a:p>
             <a:r>
-              <a:rPr lang="fr-FR" smtClean="0"/>
+              <a:rPr lang="fr-FR"/>
               <a:t>Modifiez le style du titre</a:t>
             </a:r>
             <a:endParaRPr lang="en-US"/>
@@ -2504,35 +2504,35 @@
           <a:p>
             <a:pPr lvl="0"/>
             <a:r>
-              <a:rPr lang="fr-FR" smtClean="0"/>
+              <a:rPr lang="fr-FR"/>
               <a:t>Modifier les styles du texte du masque</a:t>
             </a:r>
           </a:p>
           <a:p>
             <a:pPr lvl="1"/>
             <a:r>
-              <a:rPr lang="fr-FR" smtClean="0"/>
+              <a:rPr lang="fr-FR"/>
               <a:t>Deuxième niveau</a:t>
             </a:r>
           </a:p>
           <a:p>
             <a:pPr lvl="2"/>
             <a:r>
-              <a:rPr lang="fr-FR" smtClean="0"/>
+              <a:rPr lang="fr-FR"/>
               <a:t>Troisième niveau</a:t>
             </a:r>
           </a:p>
           <a:p>
             <a:pPr lvl="3"/>
             <a:r>
-              <a:rPr lang="fr-FR" smtClean="0"/>
+              <a:rPr lang="fr-FR"/>
               <a:t>Quatrième niveau</a:t>
             </a:r>
           </a:p>
           <a:p>
             <a:pPr lvl="4"/>
             <a:r>
-              <a:rPr lang="fr-FR" smtClean="0"/>
+              <a:rPr lang="fr-FR"/>
               <a:t>Cinquième niveau</a:t>
             </a:r>
             <a:endParaRPr lang="en-US"/>
@@ -2574,7 +2574,7 @@
           <a:p>
             <a:fld id="{E4CEAD9B-CE2F-4756-96AF-660726347DAB}" type="datetimeFigureOut">
               <a:rPr lang="en-US" smtClean="0"/>
-              <a:t>11/29/2022</a:t>
+              <a:t>11/30/22</a:t>
             </a:fld>
             <a:endParaRPr lang="en-US"/>
           </a:p>
@@ -3057,10 +3057,9 @@
           <a:p>
             <a:pPr algn="ctr"/>
             <a:r>
-              <a:rPr lang="en-US" sz="4000" dirty="0" smtClean="0"/>
+              <a:rPr lang="en-US" sz="4000" dirty="0"/>
               <a:t>Data</a:t>
             </a:r>
-            <a:endParaRPr lang="en-US" sz="4000" dirty="0"/>
           </a:p>
         </p:txBody>
       </p:sp>
@@ -3101,10 +3100,9 @@
           <a:p>
             <a:pPr algn="ctr"/>
             <a:r>
-              <a:rPr lang="en-US" sz="4000" dirty="0" smtClean="0"/>
+              <a:rPr lang="en-US" sz="4000" dirty="0"/>
               <a:t>Model</a:t>
             </a:r>
-            <a:endParaRPr lang="en-US" sz="4000" dirty="0"/>
           </a:p>
         </p:txBody>
       </p:sp>
@@ -3175,15 +3173,15 @@
               <a:buChar char="-"/>
             </a:pPr>
             <a:r>
-              <a:rPr lang="en-US" sz="2000" dirty="0" smtClean="0"/>
+              <a:rPr lang="en-US" sz="2000" dirty="0"/>
               <a:t>Dose, Temps </a:t>
             </a:r>
             <a:r>
-              <a:rPr lang="en-US" sz="2000" dirty="0" err="1" smtClean="0"/>
+              <a:rPr lang="en-US" sz="2000" dirty="0" err="1"/>
               <a:t>Prise</a:t>
             </a:r>
             <a:r>
-              <a:rPr lang="en-US" sz="2000" dirty="0" smtClean="0"/>
+              <a:rPr lang="en-US" sz="2000" dirty="0"/>
               <a:t>, </a:t>
             </a:r>
           </a:p>
@@ -3193,18 +3191,14 @@
               <a:buChar char="-"/>
             </a:pPr>
             <a:r>
-              <a:rPr lang="en-US" sz="2000" dirty="0" smtClean="0"/>
+              <a:rPr lang="en-US" sz="2000" dirty="0"/>
               <a:t>Concentration, </a:t>
             </a:r>
           </a:p>
           <a:p>
             <a:r>
               <a:rPr lang="en-US" sz="2000" dirty="0"/>
-              <a:t>T</a:t>
-            </a:r>
-            <a:r>
-              <a:rPr lang="en-US" sz="2000" dirty="0" smtClean="0"/>
-              <a:t>emps Concentration</a:t>
+              <a:t>Temps Concentration</a:t>
             </a:r>
           </a:p>
           <a:p>
@@ -3213,10 +3207,10 @@
               <a:buChar char="-"/>
             </a:pPr>
             <a:r>
-              <a:rPr lang="en-US" sz="2000" dirty="0" err="1" smtClean="0"/>
+              <a:rPr lang="en-US" sz="2000" dirty="0" err="1"/>
               <a:t>Covariable</a:t>
             </a:r>
-            <a:endParaRPr lang="en-US" sz="2000" dirty="0" smtClean="0"/>
+            <a:endParaRPr lang="en-US" sz="2000" dirty="0"/>
           </a:p>
         </p:txBody>
       </p:sp>
@@ -3337,24 +3331,23 @@
           <a:p>
             <a:pPr algn="ctr"/>
             <a:r>
-              <a:rPr lang="en-US" sz="2800" dirty="0" smtClean="0"/>
+              <a:rPr lang="en-US" sz="2800" dirty="0"/>
               <a:t>Parameter</a:t>
             </a:r>
           </a:p>
           <a:p>
             <a:pPr algn="ctr"/>
             <a:r>
-              <a:rPr lang="en-US" sz="2800" dirty="0" smtClean="0"/>
+              <a:rPr lang="en-US" sz="2800" dirty="0"/>
               <a:t>Estimation: </a:t>
             </a:r>
           </a:p>
           <a:p>
             <a:pPr algn="ctr"/>
             <a:r>
-              <a:rPr lang="en-US" sz="2800" dirty="0" smtClean="0"/>
+              <a:rPr lang="en-US" sz="2800" dirty="0"/>
               <a:t>ETAs, IPRED</a:t>
             </a:r>
-            <a:endParaRPr lang="en-US" sz="2800" dirty="0"/>
           </a:p>
         </p:txBody>
       </p:sp>
@@ -3395,17 +3388,16 @@
           <a:p>
             <a:pPr algn="ctr"/>
             <a:r>
-              <a:rPr lang="en-US" sz="2800" dirty="0" smtClean="0"/>
+              <a:rPr lang="en-US" sz="2800" dirty="0"/>
               <a:t>New dose, </a:t>
             </a:r>
           </a:p>
           <a:p>
             <a:pPr algn="ctr"/>
             <a:r>
-              <a:rPr lang="en-US" sz="2800" dirty="0" smtClean="0"/>
+              <a:rPr lang="en-US" sz="2800" dirty="0"/>
               <a:t>Post-hoc output…</a:t>
             </a:r>
-            <a:endParaRPr lang="en-US" sz="2800" dirty="0"/>
           </a:p>
         </p:txBody>
       </p:sp>
@@ -3436,19 +3428,19 @@
               <a:buChar char="-"/>
             </a:pPr>
             <a:r>
-              <a:rPr lang="en-US" sz="2000" dirty="0" err="1" smtClean="0"/>
+              <a:rPr lang="en-US" sz="2000" dirty="0" err="1"/>
               <a:t>Schémas</a:t>
             </a:r>
             <a:r>
-              <a:rPr lang="en-US" sz="2000" dirty="0" smtClean="0"/>
+              <a:rPr lang="en-US" sz="2000" dirty="0"/>
               <a:t> </a:t>
             </a:r>
             <a:r>
-              <a:rPr lang="en-US" sz="2000" dirty="0" err="1" smtClean="0"/>
+              <a:rPr lang="en-US" sz="2000" dirty="0" err="1"/>
               <a:t>posologiques</a:t>
             </a:r>
             <a:r>
-              <a:rPr lang="en-US" sz="2000" dirty="0" smtClean="0"/>
+              <a:rPr lang="en-US" sz="2000" dirty="0"/>
               <a:t>, </a:t>
             </a:r>
           </a:p>
@@ -3458,15 +3450,15 @@
               <a:buChar char="-"/>
             </a:pPr>
             <a:r>
-              <a:rPr lang="en-US" sz="2000" dirty="0" smtClean="0"/>
+              <a:rPr lang="en-US" sz="2000" dirty="0"/>
               <a:t>Concentration </a:t>
             </a:r>
             <a:r>
-              <a:rPr lang="en-US" sz="2000" dirty="0" err="1" smtClean="0"/>
+              <a:rPr lang="en-US" sz="2000" dirty="0" err="1"/>
               <a:t>cible</a:t>
             </a:r>
             <a:r>
-              <a:rPr lang="en-US" sz="2000" dirty="0" smtClean="0"/>
+              <a:rPr lang="en-US" sz="2000" dirty="0"/>
               <a:t>, </a:t>
             </a:r>
           </a:p>
@@ -3476,7 +3468,7 @@
               <a:buChar char="-"/>
             </a:pPr>
             <a:r>
-              <a:rPr lang="en-US" sz="2000" dirty="0" smtClean="0"/>
+              <a:rPr lang="en-US" sz="2000" dirty="0"/>
               <a:t>Outcome PK/PD…</a:t>
             </a:r>
           </a:p>
@@ -3486,11 +3478,11 @@
               <a:buChar char="-"/>
             </a:pPr>
             <a:r>
-              <a:rPr lang="en-US" sz="2000" dirty="0" err="1" smtClean="0"/>
+              <a:rPr lang="en-US" sz="2000" dirty="0" err="1"/>
               <a:t>Stratégie</a:t>
             </a:r>
             <a:r>
-              <a:rPr lang="en-US" sz="2000" dirty="0" smtClean="0"/>
+              <a:rPr lang="en-US" sz="2000" dirty="0"/>
               <a:t> simulations?</a:t>
             </a:r>
           </a:p>
@@ -3500,7 +3492,7 @@
               <a:buChar char="-"/>
             </a:pPr>
             <a:r>
-              <a:rPr lang="en-US" sz="2000" dirty="0" smtClean="0"/>
+              <a:rPr lang="en-US" sz="2000" dirty="0"/>
               <a:t>AUC ? </a:t>
             </a:r>
           </a:p>
@@ -3637,13 +3629,6 @@
   <p:clrMapOvr>
     <a:masterClrMapping/>
   </p:clrMapOvr>
-  <p:timing>
-    <p:tnLst>
-      <p:par>
-        <p:cTn id="1" dur="indefinite" restart="never" nodeType="tmRoot"/>
-      </p:par>
-    </p:tnLst>
-  </p:timing>
 </p:sld>
 </file>
 
@@ -3785,7 +3770,7 @@
           <a:lstStyle/>
           <a:p>
             <a:r>
-              <a:rPr lang="en-US" sz="2800" b="1" dirty="0" smtClean="0">
+              <a:rPr lang="en-US" sz="2800" b="1" dirty="0">
                 <a:solidFill>
                   <a:schemeClr val="bg1"/>
                 </a:solidFill>
@@ -3793,18 +3778,13 @@
               <a:t>DOSE</a:t>
             </a:r>
             <a:r>
-              <a:rPr lang="en-US" sz="2800" dirty="0" smtClean="0">
+              <a:rPr lang="en-US" sz="2800" dirty="0">
                 <a:solidFill>
                   <a:schemeClr val="bg1"/>
                 </a:solidFill>
               </a:rPr>
               <a:t>: 10</a:t>
             </a:r>
-            <a:endParaRPr lang="en-US" sz="2800" dirty="0">
-              <a:solidFill>
-                <a:schemeClr val="bg1"/>
-              </a:solidFill>
-            </a:endParaRPr>
           </a:p>
         </p:txBody>
       </p:sp>
@@ -3833,7 +3813,7 @@
           <a:lstStyle/>
           <a:p>
             <a:r>
-              <a:rPr lang="en-US" sz="2800" b="1" dirty="0" smtClean="0">
+              <a:rPr lang="en-US" sz="2800" b="1" dirty="0">
                 <a:solidFill>
                   <a:schemeClr val="bg1"/>
                 </a:solidFill>
@@ -3841,18 +3821,13 @@
               <a:t>II</a:t>
             </a:r>
             <a:r>
-              <a:rPr lang="en-US" sz="2800" dirty="0" smtClean="0">
+              <a:rPr lang="en-US" sz="2800" dirty="0">
                 <a:solidFill>
                   <a:schemeClr val="bg1"/>
                 </a:solidFill>
               </a:rPr>
               <a:t> : 24</a:t>
             </a:r>
-            <a:endParaRPr lang="en-US" sz="2800" dirty="0">
-              <a:solidFill>
-                <a:schemeClr val="bg1"/>
-              </a:solidFill>
-            </a:endParaRPr>
           </a:p>
         </p:txBody>
       </p:sp>
@@ -3881,7 +3856,7 @@
           <a:lstStyle/>
           <a:p>
             <a:r>
-              <a:rPr lang="en-US" sz="2800" b="1" dirty="0" smtClean="0">
+              <a:rPr lang="en-US" sz="2800" b="1" dirty="0">
                 <a:solidFill>
                   <a:schemeClr val="bg1"/>
                 </a:solidFill>
@@ -3889,18 +3864,13 @@
               <a:t>TIME ECH 1</a:t>
             </a:r>
             <a:r>
-              <a:rPr lang="en-US" sz="2800" dirty="0" smtClean="0">
+              <a:rPr lang="en-US" sz="2800" dirty="0">
                 <a:solidFill>
                   <a:schemeClr val="bg1"/>
                 </a:solidFill>
               </a:rPr>
               <a:t>: 2.5</a:t>
             </a:r>
-            <a:endParaRPr lang="en-US" sz="2800" dirty="0">
-              <a:solidFill>
-                <a:schemeClr val="bg1"/>
-              </a:solidFill>
-            </a:endParaRPr>
           </a:p>
         </p:txBody>
       </p:sp>
@@ -3929,7 +3899,7 @@
           <a:lstStyle/>
           <a:p>
             <a:r>
-              <a:rPr lang="en-US" sz="2800" b="1" dirty="0" smtClean="0">
+              <a:rPr lang="en-US" sz="2800" b="1" dirty="0">
                 <a:solidFill>
                   <a:schemeClr val="bg1"/>
                 </a:solidFill>
@@ -3937,18 +3907,13 @@
               <a:t>CONC ECH 1</a:t>
             </a:r>
             <a:r>
-              <a:rPr lang="en-US" sz="2800" dirty="0" smtClean="0">
+              <a:rPr lang="en-US" sz="2800" dirty="0">
                 <a:solidFill>
                   <a:schemeClr val="bg1"/>
                 </a:solidFill>
               </a:rPr>
               <a:t>: 154.1</a:t>
             </a:r>
-            <a:endParaRPr lang="en-US" sz="2800" dirty="0">
-              <a:solidFill>
-                <a:schemeClr val="bg1"/>
-              </a:solidFill>
-            </a:endParaRPr>
           </a:p>
         </p:txBody>
       </p:sp>
@@ -3977,7 +3942,7 @@
           <a:lstStyle/>
           <a:p>
             <a:r>
-              <a:rPr lang="en-US" sz="2800" b="1" dirty="0" smtClean="0">
+              <a:rPr lang="en-US" sz="2800" b="1" dirty="0">
                 <a:solidFill>
                   <a:schemeClr val="bg1"/>
                 </a:solidFill>
@@ -3985,18 +3950,13 @@
               <a:t>TIME ECH 2</a:t>
             </a:r>
             <a:r>
-              <a:rPr lang="en-US" sz="2800" dirty="0" smtClean="0">
+              <a:rPr lang="en-US" sz="2800" dirty="0">
                 <a:solidFill>
                   <a:schemeClr val="bg1"/>
                 </a:solidFill>
               </a:rPr>
               <a:t>: 11.9</a:t>
             </a:r>
-            <a:endParaRPr lang="en-US" sz="2800" dirty="0">
-              <a:solidFill>
-                <a:schemeClr val="bg1"/>
-              </a:solidFill>
-            </a:endParaRPr>
           </a:p>
         </p:txBody>
       </p:sp>
@@ -4025,7 +3985,7 @@
           <a:lstStyle/>
           <a:p>
             <a:r>
-              <a:rPr lang="en-US" sz="2800" b="1" dirty="0" smtClean="0">
+              <a:rPr lang="en-US" sz="2800" b="1" dirty="0">
                 <a:solidFill>
                   <a:schemeClr val="bg1"/>
                 </a:solidFill>
@@ -4033,18 +3993,13 @@
               <a:t>CONC ECH 2</a:t>
             </a:r>
             <a:r>
-              <a:rPr lang="en-US" sz="2800" dirty="0" smtClean="0">
+              <a:rPr lang="en-US" sz="2800" dirty="0">
                 <a:solidFill>
                   <a:schemeClr val="bg1"/>
                 </a:solidFill>
               </a:rPr>
               <a:t>: 12.4</a:t>
             </a:r>
-            <a:endParaRPr lang="en-US" sz="2800" dirty="0">
-              <a:solidFill>
-                <a:schemeClr val="bg1"/>
-              </a:solidFill>
-            </a:endParaRPr>
           </a:p>
         </p:txBody>
       </p:sp>
@@ -4073,7 +4028,7 @@
           <a:lstStyle/>
           <a:p>
             <a:r>
-              <a:rPr lang="en-US" sz="2800" b="1" dirty="0" smtClean="0">
+              <a:rPr lang="en-US" sz="2800" b="1" dirty="0">
                 <a:solidFill>
                   <a:schemeClr val="bg1"/>
                 </a:solidFill>
@@ -4081,18 +4036,13 @@
               <a:t>POIDS: </a:t>
             </a:r>
             <a:r>
-              <a:rPr lang="en-US" sz="2800" dirty="0" smtClean="0">
+              <a:rPr lang="en-US" sz="2800" dirty="0">
                 <a:solidFill>
                   <a:schemeClr val="bg1"/>
                 </a:solidFill>
               </a:rPr>
               <a:t>40</a:t>
             </a:r>
-            <a:endParaRPr lang="en-US" sz="2800" dirty="0">
-              <a:solidFill>
-                <a:schemeClr val="bg1"/>
-              </a:solidFill>
-            </a:endParaRPr>
           </a:p>
         </p:txBody>
       </p:sp>
@@ -4121,7 +4071,7 @@
           <a:lstStyle/>
           <a:p>
             <a:r>
-              <a:rPr lang="en-US" sz="2800" b="1" dirty="0" smtClean="0">
+              <a:rPr lang="en-US" sz="2800" b="1" dirty="0">
                 <a:solidFill>
                   <a:schemeClr val="bg1"/>
                 </a:solidFill>
@@ -4129,18 +4079,13 @@
               <a:t>SEXE</a:t>
             </a:r>
             <a:r>
-              <a:rPr lang="en-US" sz="2800" dirty="0" smtClean="0">
+              <a:rPr lang="en-US" sz="2800" dirty="0">
                 <a:solidFill>
                   <a:schemeClr val="bg1"/>
                 </a:solidFill>
               </a:rPr>
               <a:t>: 0</a:t>
             </a:r>
-            <a:endParaRPr lang="en-US" sz="2800" dirty="0">
-              <a:solidFill>
-                <a:schemeClr val="bg1"/>
-              </a:solidFill>
-            </a:endParaRPr>
           </a:p>
         </p:txBody>
       </p:sp>
@@ -4206,10 +4151,9 @@
                     <a:p>
                       <a:pPr algn="ctr"/>
                       <a:r>
-                        <a:rPr lang="en-US" dirty="0" smtClean="0"/>
+                        <a:rPr lang="en-US" dirty="0"/>
                         <a:t>TIME</a:t>
                       </a:r>
-                      <a:endParaRPr lang="en-US" dirty="0"/>
                     </a:p>
                   </a:txBody>
                   <a:tcPr/>
@@ -4221,10 +4165,9 @@
                     <a:p>
                       <a:pPr algn="ctr"/>
                       <a:r>
-                        <a:rPr lang="en-US" dirty="0" smtClean="0"/>
+                        <a:rPr lang="en-US" dirty="0"/>
                         <a:t>DV</a:t>
                       </a:r>
-                      <a:endParaRPr lang="en-US" dirty="0"/>
                     </a:p>
                   </a:txBody>
                   <a:tcPr/>
@@ -4236,10 +4179,9 @@
                     <a:p>
                       <a:pPr algn="ctr"/>
                       <a:r>
-                        <a:rPr lang="en-US" dirty="0" smtClean="0"/>
+                        <a:rPr lang="en-US" dirty="0"/>
                         <a:t>PRED</a:t>
                       </a:r>
-                      <a:endParaRPr lang="en-US" dirty="0"/>
                     </a:p>
                   </a:txBody>
                   <a:tcPr/>
@@ -4251,10 +4193,9 @@
                     <a:p>
                       <a:pPr algn="ctr"/>
                       <a:r>
-                        <a:rPr lang="en-US" dirty="0" smtClean="0"/>
+                        <a:rPr lang="en-US" dirty="0"/>
                         <a:t>IPRED</a:t>
                       </a:r>
-                      <a:endParaRPr lang="en-US" dirty="0"/>
                     </a:p>
                   </a:txBody>
                   <a:tcPr/>
@@ -4682,10 +4623,9 @@
                     <a:p>
                       <a:pPr algn="ctr"/>
                       <a:r>
-                        <a:rPr lang="en-US" dirty="0" smtClean="0"/>
+                        <a:rPr lang="en-US" dirty="0"/>
                         <a:t>POSO</a:t>
                       </a:r>
-                      <a:endParaRPr lang="en-US" dirty="0"/>
                     </a:p>
                   </a:txBody>
                   <a:tcPr anchor="ctr"/>
@@ -4697,10 +4637,9 @@
                     <a:p>
                       <a:pPr algn="ctr"/>
                       <a:r>
-                        <a:rPr lang="en-US" dirty="0" smtClean="0"/>
+                        <a:rPr lang="en-US" dirty="0"/>
                         <a:t>CMIN</a:t>
                       </a:r>
-                      <a:endParaRPr lang="en-US" dirty="0"/>
                     </a:p>
                   </a:txBody>
                   <a:tcPr anchor="ctr"/>
@@ -4712,10 +4651,9 @@
                     <a:p>
                       <a:pPr algn="ctr"/>
                       <a:r>
-                        <a:rPr lang="en-US" dirty="0" smtClean="0"/>
+                        <a:rPr lang="en-US" dirty="0"/>
                         <a:t>CMAX</a:t>
                       </a:r>
-                      <a:endParaRPr lang="en-US" dirty="0"/>
                     </a:p>
                   </a:txBody>
                   <a:tcPr anchor="ctr"/>
@@ -4733,11 +4671,11 @@
                     <a:lstStyle/>
                     <a:p>
                       <a:r>
-                        <a:rPr lang="en-US" dirty="0" smtClean="0"/>
+                        <a:rPr lang="en-US" dirty="0"/>
                         <a:t>10</a:t>
                       </a:r>
                       <a:r>
-                        <a:rPr lang="en-US" baseline="0" dirty="0" smtClean="0"/>
+                        <a:rPr lang="en-US" baseline="0" dirty="0"/>
                         <a:t>mg / 24h</a:t>
                       </a:r>
                       <a:endParaRPr lang="en-US" dirty="0"/>
@@ -4778,10 +4716,9 @@
                     <a:lstStyle/>
                     <a:p>
                       <a:r>
-                        <a:rPr lang="en-US" dirty="0" smtClean="0"/>
+                        <a:rPr lang="en-US" dirty="0"/>
                         <a:t>10mg / 12h</a:t>
                       </a:r>
-                      <a:endParaRPr lang="en-US" dirty="0"/>
                     </a:p>
                   </a:txBody>
                   <a:tcPr/>
@@ -4819,11 +4756,11 @@
                     <a:lstStyle/>
                     <a:p>
                       <a:r>
-                        <a:rPr lang="en-US" dirty="0" smtClean="0"/>
+                        <a:rPr lang="en-US" dirty="0"/>
                         <a:t>20mg</a:t>
                       </a:r>
                       <a:r>
-                        <a:rPr lang="en-US" baseline="0" dirty="0" smtClean="0"/>
+                        <a:rPr lang="en-US" baseline="0" dirty="0"/>
                         <a:t> / 24h</a:t>
                       </a:r>
                       <a:endParaRPr lang="en-US" dirty="0"/>
@@ -4864,10 +4801,9 @@
                     <a:lstStyle/>
                     <a:p>
                       <a:r>
-                        <a:rPr lang="en-US" dirty="0" smtClean="0"/>
+                        <a:rPr lang="en-US" dirty="0"/>
                         <a:t>20mg / 12h</a:t>
                       </a:r>
-                      <a:endParaRPr lang="en-US" dirty="0"/>
                     </a:p>
                   </a:txBody>
                   <a:tcPr/>
@@ -4939,39 +4875,39 @@
           <a:lstStyle/>
           <a:p>
             <a:r>
-              <a:rPr lang="en-US" sz="2000" dirty="0" err="1" smtClean="0"/>
+              <a:rPr lang="en-US" sz="2000" dirty="0" err="1"/>
               <a:t>Clairance</a:t>
             </a:r>
             <a:r>
-              <a:rPr lang="en-US" sz="2000" dirty="0" smtClean="0"/>
+              <a:rPr lang="en-US" sz="2000" dirty="0"/>
               <a:t> </a:t>
             </a:r>
             <a:r>
-              <a:rPr lang="en-US" sz="2000" dirty="0" err="1" smtClean="0"/>
+              <a:rPr lang="en-US" sz="2000" dirty="0" err="1"/>
               <a:t>orale</a:t>
             </a:r>
             <a:r>
-              <a:rPr lang="en-US" sz="2000" dirty="0" smtClean="0"/>
+              <a:rPr lang="en-US" sz="2000" dirty="0"/>
               <a:t> </a:t>
             </a:r>
             <a:r>
-              <a:rPr lang="en-US" sz="2000" dirty="0" err="1" smtClean="0"/>
+              <a:rPr lang="en-US" sz="2000" dirty="0" err="1"/>
               <a:t>observée</a:t>
             </a:r>
             <a:r>
-              <a:rPr lang="en-US" sz="2000" dirty="0" smtClean="0"/>
+              <a:rPr lang="en-US" sz="2000" dirty="0"/>
               <a:t> de 15.2 L/h. AUC </a:t>
             </a:r>
             <a:r>
-              <a:rPr lang="en-US" sz="2000" dirty="0" err="1" smtClean="0"/>
+              <a:rPr lang="en-US" sz="2000" dirty="0" err="1"/>
               <a:t>observée</a:t>
             </a:r>
             <a:r>
-              <a:rPr lang="en-US" sz="2000" dirty="0" smtClean="0"/>
+              <a:rPr lang="en-US" sz="2000" dirty="0"/>
               <a:t> de 987 ng/</a:t>
             </a:r>
             <a:r>
-              <a:rPr lang="en-US" sz="2000" dirty="0" err="1" smtClean="0"/>
+              <a:rPr lang="en-US" sz="2000" dirty="0" err="1"/>
               <a:t>mL.h</a:t>
             </a:r>
             <a:endParaRPr lang="en-US" sz="2000" dirty="0"/>
@@ -5004,7 +4940,7 @@
           <a:p>
             <a:pPr algn="ctr"/>
             <a:r>
-              <a:rPr lang="en-US" sz="2800" b="1" dirty="0" smtClean="0">
+              <a:rPr lang="en-US" sz="2800" b="1" dirty="0">
                 <a:solidFill>
                   <a:schemeClr val="bg1"/>
                 </a:solidFill>
@@ -5086,7 +5022,7 @@
           <a:p>
             <a:pPr algn="ctr"/>
             <a:r>
-              <a:rPr lang="en-US" sz="2000" dirty="0" err="1" smtClean="0">
+              <a:rPr lang="en-US" sz="2000" dirty="0" err="1">
                 <a:latin typeface="Lucida Console" panose="020B0609040504020204" pitchFamily="49" charset="0"/>
               </a:rPr>
               <a:t>input$dose</a:t>
@@ -5134,7 +5070,7 @@
           <a:p>
             <a:pPr algn="ctr"/>
             <a:r>
-              <a:rPr lang="en-US" sz="2000" dirty="0" err="1" smtClean="0">
+              <a:rPr lang="en-US" sz="2000" dirty="0" err="1">
                 <a:latin typeface="Lucida Console" panose="020B0609040504020204" pitchFamily="49" charset="0"/>
               </a:rPr>
               <a:t>input$ii</a:t>
@@ -5182,14 +5118,11 @@
           <a:p>
             <a:pPr algn="ctr"/>
             <a:r>
-              <a:rPr lang="en-US" sz="2000" dirty="0" smtClean="0">
+              <a:rPr lang="en-US" sz="2000" dirty="0">
                 <a:latin typeface="Lucida Console" panose="020B0609040504020204" pitchFamily="49" charset="0"/>
               </a:rPr>
               <a:t>input$timeech1</a:t>
             </a:r>
-            <a:endParaRPr lang="en-US" sz="2000" dirty="0">
-              <a:latin typeface="Lucida Console" panose="020B0609040504020204" pitchFamily="49" charset="0"/>
-            </a:endParaRPr>
           </a:p>
         </p:txBody>
       </p:sp>
@@ -5230,14 +5163,11 @@
           <a:p>
             <a:pPr algn="ctr"/>
             <a:r>
-              <a:rPr lang="en-US" sz="2000" dirty="0" smtClean="0">
+              <a:rPr lang="en-US" sz="2000" dirty="0">
                 <a:latin typeface="Lucida Console" panose="020B0609040504020204" pitchFamily="49" charset="0"/>
               </a:rPr>
               <a:t>input$conc1</a:t>
             </a:r>
-            <a:endParaRPr lang="en-US" sz="2000" dirty="0">
-              <a:latin typeface="Lucida Console" panose="020B0609040504020204" pitchFamily="49" charset="0"/>
-            </a:endParaRPr>
           </a:p>
         </p:txBody>
       </p:sp>
@@ -5278,14 +5208,11 @@
           <a:p>
             <a:pPr algn="ctr"/>
             <a:r>
-              <a:rPr lang="en-US" sz="2000" dirty="0" smtClean="0">
+              <a:rPr lang="en-US" sz="2000" dirty="0">
                 <a:latin typeface="Lucida Console" panose="020B0609040504020204" pitchFamily="49" charset="0"/>
               </a:rPr>
               <a:t>input$timeech2</a:t>
             </a:r>
-            <a:endParaRPr lang="en-US" sz="2000" dirty="0">
-              <a:latin typeface="Lucida Console" panose="020B0609040504020204" pitchFamily="49" charset="0"/>
-            </a:endParaRPr>
           </a:p>
         </p:txBody>
       </p:sp>
@@ -5326,14 +5253,11 @@
           <a:p>
             <a:pPr algn="ctr"/>
             <a:r>
-              <a:rPr lang="en-US" sz="2000" dirty="0" smtClean="0">
+              <a:rPr lang="en-US" sz="2000" dirty="0">
                 <a:latin typeface="Lucida Console" panose="020B0609040504020204" pitchFamily="49" charset="0"/>
               </a:rPr>
               <a:t>input$conc2</a:t>
             </a:r>
-            <a:endParaRPr lang="en-US" sz="2000" dirty="0">
-              <a:latin typeface="Lucida Console" panose="020B0609040504020204" pitchFamily="49" charset="0"/>
-            </a:endParaRPr>
           </a:p>
         </p:txBody>
       </p:sp>
@@ -5374,7 +5298,7 @@
           <a:p>
             <a:pPr algn="ctr"/>
             <a:r>
-              <a:rPr lang="en-US" sz="2000" dirty="0" err="1" smtClean="0">
+              <a:rPr lang="en-US" sz="2000" dirty="0" err="1">
                 <a:latin typeface="Lucida Console" panose="020B0609040504020204" pitchFamily="49" charset="0"/>
               </a:rPr>
               <a:t>input$poids</a:t>
@@ -5422,7 +5346,7 @@
           <a:p>
             <a:pPr algn="ctr"/>
             <a:r>
-              <a:rPr lang="en-US" sz="2000" dirty="0" err="1" smtClean="0">
+              <a:rPr lang="en-US" sz="2000" dirty="0" err="1">
                 <a:latin typeface="Lucida Console" panose="020B0609040504020204" pitchFamily="49" charset="0"/>
               </a:rPr>
               <a:t>input$sexe</a:t>
@@ -5534,7 +5458,7 @@
             <a:p>
               <a:pPr algn="ctr"/>
               <a:r>
-                <a:rPr lang="en-US" dirty="0" smtClean="0">
+                <a:rPr lang="en-US" dirty="0">
                   <a:solidFill>
                     <a:schemeClr val="bg1"/>
                   </a:solidFill>
@@ -5546,7 +5470,7 @@
             <a:p>
               <a:pPr algn="ctr"/>
               <a:r>
-                <a:rPr lang="en-US" dirty="0" err="1" smtClean="0">
+                <a:rPr lang="en-US" dirty="0" err="1">
                   <a:solidFill>
                     <a:schemeClr val="bg1"/>
                   </a:solidFill>
@@ -5665,7 +5589,7 @@
             <a:p>
               <a:pPr algn="ctr"/>
               <a:r>
-                <a:rPr lang="en-US" dirty="0" smtClean="0">
+                <a:rPr lang="en-US" dirty="0">
                   <a:solidFill>
                     <a:schemeClr val="bg1"/>
                   </a:solidFill>
@@ -5677,7 +5601,7 @@
             <a:p>
               <a:pPr algn="ctr"/>
               <a:r>
-                <a:rPr lang="en-US" dirty="0" err="1" smtClean="0">
+                <a:rPr lang="en-US" dirty="0" err="1">
                   <a:solidFill>
                     <a:schemeClr val="bg1"/>
                   </a:solidFill>
@@ -5796,7 +5720,7 @@
             <a:p>
               <a:pPr algn="ctr"/>
               <a:r>
-                <a:rPr lang="en-US" dirty="0" smtClean="0">
+                <a:rPr lang="en-US" dirty="0">
                   <a:solidFill>
                     <a:schemeClr val="bg1"/>
                   </a:solidFill>
@@ -5808,7 +5732,7 @@
             <a:p>
               <a:pPr algn="ctr"/>
               <a:r>
-                <a:rPr lang="en-US" dirty="0" err="1" smtClean="0">
+                <a:rPr lang="en-US" dirty="0" err="1">
                   <a:solidFill>
                     <a:schemeClr val="bg1"/>
                   </a:solidFill>
@@ -5927,7 +5851,7 @@
             <a:p>
               <a:pPr algn="ctr"/>
               <a:r>
-                <a:rPr lang="en-US" dirty="0" smtClean="0">
+                <a:rPr lang="en-US" dirty="0">
                   <a:solidFill>
                     <a:schemeClr val="bg1"/>
                   </a:solidFill>
@@ -5939,7 +5863,7 @@
             <a:p>
               <a:pPr algn="ctr"/>
               <a:r>
-                <a:rPr lang="en-US" dirty="0" err="1" smtClean="0">
+                <a:rPr lang="en-US" dirty="0" err="1">
                   <a:solidFill>
                     <a:schemeClr val="bg1"/>
                   </a:solidFill>
@@ -5999,7 +5923,7 @@
           <a:p>
             <a:pPr algn="ctr"/>
             <a:r>
-              <a:rPr lang="en-US" sz="2000" dirty="0" err="1" smtClean="0">
+              <a:rPr lang="en-US" sz="2000" dirty="0" err="1">
                 <a:solidFill>
                   <a:schemeClr val="bg1"/>
                 </a:solidFill>
@@ -6008,7 +5932,7 @@
               <a:t>re_data</a:t>
             </a:r>
             <a:r>
-              <a:rPr lang="en-US" sz="2000" dirty="0" smtClean="0">
+              <a:rPr lang="en-US" sz="2000" dirty="0">
                 <a:solidFill>
                   <a:schemeClr val="bg1"/>
                 </a:solidFill>
@@ -6016,12 +5940,6 @@
               </a:rPr>
               <a:t>()</a:t>
             </a:r>
-            <a:endParaRPr lang="en-US" sz="2000" dirty="0">
-              <a:solidFill>
-                <a:schemeClr val="bg1"/>
-              </a:solidFill>
-              <a:latin typeface="Lucida Console" panose="020B0609040504020204" pitchFamily="49" charset="0"/>
-            </a:endParaRPr>
           </a:p>
         </p:txBody>
       </p:sp>
@@ -6062,7 +5980,7 @@
           <a:p>
             <a:pPr algn="ctr"/>
             <a:r>
-              <a:rPr lang="en-US" sz="2000" dirty="0" err="1" smtClean="0">
+              <a:rPr lang="en-US" sz="2000" dirty="0" err="1">
                 <a:solidFill>
                   <a:schemeClr val="bg1"/>
                 </a:solidFill>
@@ -6071,7 +5989,7 @@
               <a:t>re_est</a:t>
             </a:r>
             <a:r>
-              <a:rPr lang="en-US" sz="2000" dirty="0" smtClean="0">
+              <a:rPr lang="en-US" sz="2000" dirty="0">
                 <a:solidFill>
                   <a:schemeClr val="bg1"/>
                 </a:solidFill>
@@ -6079,12 +5997,6 @@
               </a:rPr>
               <a:t>()</a:t>
             </a:r>
-            <a:endParaRPr lang="en-US" sz="2000" dirty="0">
-              <a:solidFill>
-                <a:schemeClr val="bg1"/>
-              </a:solidFill>
-              <a:latin typeface="Lucida Console" panose="020B0609040504020204" pitchFamily="49" charset="0"/>
-            </a:endParaRPr>
           </a:p>
         </p:txBody>
       </p:sp>
@@ -6469,43 +6381,6 @@
               <a:schemeClr val="tx1"/>
             </a:solidFill>
             <a:tailEnd type="triangle"/>
-          </a:ln>
-        </p:spPr>
-        <p:style>
-          <a:lnRef idx="1">
-            <a:schemeClr val="accent1"/>
-          </a:lnRef>
-          <a:fillRef idx="0">
-            <a:schemeClr val="accent1"/>
-          </a:fillRef>
-          <a:effectRef idx="0">
-            <a:schemeClr val="accent1"/>
-          </a:effectRef>
-          <a:fontRef idx="minor">
-            <a:schemeClr val="tx1"/>
-          </a:fontRef>
-        </p:style>
-      </p:cxnSp>
-      <p:cxnSp>
-        <p:nvCxnSpPr>
-          <p:cNvPr id="74" name="Connecteur droit avec flèche 73"/>
-          <p:cNvCxnSpPr/>
-          <p:nvPr/>
-        </p:nvCxnSpPr>
-        <p:spPr>
-          <a:xfrm>
-            <a:off x="2603983" y="529983"/>
-            <a:ext cx="2888533" cy="349647"/>
-          </a:xfrm>
-          <a:prstGeom prst="straightConnector1">
-            <a:avLst/>
-          </a:prstGeom>
-          <a:ln w="28575">
-            <a:solidFill>
-              <a:schemeClr val="tx1"/>
-            </a:solidFill>
-            <a:headEnd type="none" w="med" len="med"/>
-            <a:tailEnd type="none" w="med" len="med"/>
           </a:ln>
         </p:spPr>
         <p:style>
@@ -6598,7 +6473,7 @@
           <a:p>
             <a:pPr algn="ctr"/>
             <a:r>
-              <a:rPr lang="en-US" sz="2000" dirty="0" err="1" smtClean="0">
+              <a:rPr lang="en-US" sz="2000" dirty="0" err="1">
                 <a:solidFill>
                   <a:schemeClr val="bg1"/>
                 </a:solidFill>
@@ -6607,7 +6482,7 @@
               <a:t>re_posthoc</a:t>
             </a:r>
             <a:r>
-              <a:rPr lang="en-US" sz="2000" dirty="0" smtClean="0">
+              <a:rPr lang="en-US" sz="2000" dirty="0">
                 <a:solidFill>
                   <a:schemeClr val="bg1"/>
                 </a:solidFill>
@@ -6615,12 +6490,6 @@
               </a:rPr>
               <a:t>()</a:t>
             </a:r>
-            <a:endParaRPr lang="en-US" sz="2000" dirty="0">
-              <a:solidFill>
-                <a:schemeClr val="bg1"/>
-              </a:solidFill>
-              <a:latin typeface="Lucida Console" panose="020B0609040504020204" pitchFamily="49" charset="0"/>
-            </a:endParaRPr>
           </a:p>
         </p:txBody>
       </p:sp>
@@ -6890,116 +6759,6 @@
           </a:p>
         </p:txBody>
       </p:sp>
-      <p:cxnSp>
-        <p:nvCxnSpPr>
-          <p:cNvPr id="121" name="Connecteur droit avec flèche 120"/>
-          <p:cNvCxnSpPr/>
-          <p:nvPr/>
-        </p:nvCxnSpPr>
-        <p:spPr>
-          <a:xfrm>
-            <a:off x="5600043" y="879630"/>
-            <a:ext cx="3958722" cy="476251"/>
-          </a:xfrm>
-          <a:prstGeom prst="straightConnector1">
-            <a:avLst/>
-          </a:prstGeom>
-          <a:ln w="28575">
-            <a:solidFill>
-              <a:schemeClr val="tx1"/>
-            </a:solidFill>
-            <a:tailEnd type="triangle"/>
-          </a:ln>
-        </p:spPr>
-        <p:style>
-          <a:lnRef idx="1">
-            <a:schemeClr val="accent1"/>
-          </a:lnRef>
-          <a:fillRef idx="0">
-            <a:schemeClr val="accent1"/>
-          </a:fillRef>
-          <a:effectRef idx="0">
-            <a:schemeClr val="accent1"/>
-          </a:effectRef>
-          <a:fontRef idx="minor">
-            <a:schemeClr val="tx1"/>
-          </a:fontRef>
-        </p:style>
-      </p:cxnSp>
-      <p:cxnSp>
-        <p:nvCxnSpPr>
-          <p:cNvPr id="126" name="Connecteur droit avec flèche 125"/>
-          <p:cNvCxnSpPr/>
-          <p:nvPr/>
-        </p:nvCxnSpPr>
-        <p:spPr>
-          <a:xfrm flipV="1">
-            <a:off x="5427490" y="691990"/>
-            <a:ext cx="130052" cy="386656"/>
-          </a:xfrm>
-          <a:prstGeom prst="straightConnector1">
-            <a:avLst/>
-          </a:prstGeom>
-          <a:ln w="28575">
-            <a:solidFill>
-              <a:schemeClr val="tx1"/>
-            </a:solidFill>
-            <a:headEnd type="none" w="med" len="med"/>
-            <a:tailEnd type="none" w="med" len="med"/>
-          </a:ln>
-        </p:spPr>
-        <p:style>
-          <a:lnRef idx="1">
-            <a:schemeClr val="accent1"/>
-          </a:lnRef>
-          <a:fillRef idx="0">
-            <a:schemeClr val="accent1"/>
-          </a:fillRef>
-          <a:effectRef idx="0">
-            <a:schemeClr val="accent1"/>
-          </a:effectRef>
-          <a:fontRef idx="minor">
-            <a:schemeClr val="tx1"/>
-          </a:fontRef>
-        </p:style>
-      </p:cxnSp>
-      <p:cxnSp>
-        <p:nvCxnSpPr>
-          <p:cNvPr id="129" name="Connecteur droit avec flèche 128"/>
-          <p:cNvCxnSpPr/>
-          <p:nvPr/>
-        </p:nvCxnSpPr>
-        <p:spPr>
-          <a:xfrm flipV="1">
-            <a:off x="5537665" y="708623"/>
-            <a:ext cx="130052" cy="386656"/>
-          </a:xfrm>
-          <a:prstGeom prst="straightConnector1">
-            <a:avLst/>
-          </a:prstGeom>
-          <a:ln w="28575">
-            <a:solidFill>
-              <a:schemeClr val="tx1"/>
-            </a:solidFill>
-            <a:headEnd type="none" w="med" len="med"/>
-            <a:tailEnd type="none" w="med" len="med"/>
-          </a:ln>
-        </p:spPr>
-        <p:style>
-          <a:lnRef idx="1">
-            <a:schemeClr val="accent1"/>
-          </a:lnRef>
-          <a:fillRef idx="0">
-            <a:schemeClr val="accent1"/>
-          </a:fillRef>
-          <a:effectRef idx="0">
-            <a:schemeClr val="accent1"/>
-          </a:effectRef>
-          <a:fontRef idx="minor">
-            <a:schemeClr val="tx1"/>
-          </a:fontRef>
-        </p:style>
-      </p:cxnSp>
       <p:sp>
         <p:nvSpPr>
           <p:cNvPr id="131" name="Pentagone 130"/>
@@ -7037,7 +6796,7 @@
           <a:p>
             <a:pPr algn="ctr"/>
             <a:r>
-              <a:rPr lang="en-US" sz="2000" dirty="0" err="1" smtClean="0">
+              <a:rPr lang="en-US" sz="2000" dirty="0" err="1">
                 <a:latin typeface="Lucida Console" panose="020B0609040504020204" pitchFamily="49" charset="0"/>
               </a:rPr>
               <a:t>input$go</a:t>
@@ -7086,14 +6845,14 @@
       </p:cxnSp>
       <p:sp>
         <p:nvSpPr>
-          <p:cNvPr id="135" name="ZoneTexte 134"/>
+          <p:cNvPr id="136" name="ZoneTexte 135"/>
           <p:cNvSpPr txBox="1"/>
           <p:nvPr/>
         </p:nvSpPr>
         <p:spPr>
           <a:xfrm>
-            <a:off x="5741081" y="633968"/>
-            <a:ext cx="775790" cy="307777"/>
+            <a:off x="3902410" y="1678312"/>
+            <a:ext cx="1324850" cy="307777"/>
           </a:xfrm>
           <a:prstGeom prst="rect">
             <a:avLst/>
@@ -7107,23 +6866,26 @@
           <a:lstStyle/>
           <a:p>
             <a:r>
-              <a:rPr lang="en-US" sz="1400" dirty="0" smtClean="0"/>
-              <a:t>isolate()</a:t>
-            </a:r>
-            <a:endParaRPr lang="en-US" sz="1400" dirty="0"/>
-          </a:p>
-        </p:txBody>
-      </p:sp>
-      <p:sp>
-        <p:nvSpPr>
-          <p:cNvPr id="136" name="ZoneTexte 135"/>
+              <a:rPr lang="en-US" sz="1400" dirty="0" err="1"/>
+              <a:t>eventReactive</a:t>
+            </a:r>
+            <a:r>
+              <a:rPr lang="en-US" sz="1400" dirty="0"/>
+              <a:t>()</a:t>
+            </a:r>
+          </a:p>
+        </p:txBody>
+      </p:sp>
+      <p:sp>
+        <p:nvSpPr>
+          <p:cNvPr id="137" name="ZoneTexte 136"/>
           <p:cNvSpPr txBox="1"/>
           <p:nvPr/>
         </p:nvSpPr>
         <p:spPr>
           <a:xfrm>
-            <a:off x="3902410" y="1678312"/>
-            <a:ext cx="1324850" cy="307777"/>
+            <a:off x="6251623" y="2753278"/>
+            <a:ext cx="877869" cy="307777"/>
           </a:xfrm>
           <a:prstGeom prst="rect">
             <a:avLst/>
@@ -7137,26 +6899,21 @@
           <a:lstStyle/>
           <a:p>
             <a:r>
-              <a:rPr lang="en-US" sz="1400" dirty="0" err="1" smtClean="0"/>
-              <a:t>eventReactive</a:t>
-            </a:r>
-            <a:r>
-              <a:rPr lang="en-US" sz="1400" dirty="0" smtClean="0"/>
-              <a:t>()</a:t>
-            </a:r>
-            <a:endParaRPr lang="en-US" sz="1400" dirty="0"/>
-          </a:p>
-        </p:txBody>
-      </p:sp>
-      <p:sp>
-        <p:nvSpPr>
-          <p:cNvPr id="137" name="ZoneTexte 136"/>
+              <a:rPr lang="en-US" sz="1400" dirty="0"/>
+              <a:t>reactive()</a:t>
+            </a:r>
+          </a:p>
+        </p:txBody>
+      </p:sp>
+      <p:sp>
+        <p:nvSpPr>
+          <p:cNvPr id="138" name="ZoneTexte 137"/>
           <p:cNvSpPr txBox="1"/>
           <p:nvPr/>
         </p:nvSpPr>
         <p:spPr>
           <a:xfrm>
-            <a:off x="6251623" y="2753278"/>
+            <a:off x="7655605" y="4060978"/>
             <a:ext cx="877869" cy="307777"/>
           </a:xfrm>
           <a:prstGeom prst="rect">
@@ -7171,40 +6928,9 @@
           <a:lstStyle/>
           <a:p>
             <a:r>
-              <a:rPr lang="en-US" sz="1400" dirty="0" smtClean="0"/>
+              <a:rPr lang="en-US" sz="1400" dirty="0"/>
               <a:t>reactive()</a:t>
             </a:r>
-            <a:endParaRPr lang="en-US" sz="1400" dirty="0"/>
-          </a:p>
-        </p:txBody>
-      </p:sp>
-      <p:sp>
-        <p:nvSpPr>
-          <p:cNvPr id="138" name="ZoneTexte 137"/>
-          <p:cNvSpPr txBox="1"/>
-          <p:nvPr/>
-        </p:nvSpPr>
-        <p:spPr>
-          <a:xfrm>
-            <a:off x="7655605" y="4060978"/>
-            <a:ext cx="877869" cy="307777"/>
-          </a:xfrm>
-          <a:prstGeom prst="rect">
-            <a:avLst/>
-          </a:prstGeom>
-          <a:noFill/>
-        </p:spPr>
-        <p:txBody>
-          <a:bodyPr wrap="none" rtlCol="0">
-            <a:spAutoFit/>
-          </a:bodyPr>
-          <a:lstStyle/>
-          <a:p>
-            <a:r>
-              <a:rPr lang="en-US" sz="1400" dirty="0" smtClean="0"/>
-              <a:t>reactive()</a:t>
-            </a:r>
-            <a:endParaRPr lang="en-US" sz="1400" dirty="0"/>
           </a:p>
         </p:txBody>
       </p:sp>
@@ -7774,10 +7500,9 @@
           <a:p>
             <a:pPr algn="ctr"/>
             <a:r>
-              <a:rPr lang="en-US" sz="4800" b="1" dirty="0" smtClean="0"/>
+              <a:rPr lang="en-US" sz="4800" b="1" dirty="0"/>
               <a:t>input</a:t>
             </a:r>
-            <a:endParaRPr lang="en-US" sz="4800" b="1" dirty="0"/>
           </a:p>
         </p:txBody>
       </p:sp>
@@ -7826,7 +7551,7 @@
           <a:p>
             <a:pPr algn="ctr"/>
             <a:r>
-              <a:rPr lang="en-US" sz="4800" b="1" dirty="0" smtClean="0"/>
+              <a:rPr lang="en-US" sz="4800" b="1" dirty="0"/>
               <a:t>output</a:t>
             </a:r>
             <a:endParaRPr lang="en-US" b="1" dirty="0"/>
@@ -7985,10 +7710,9 @@
           <a:lstStyle/>
           <a:p>
             <a:r>
-              <a:rPr lang="en-US" sz="4800" b="1" dirty="0" smtClean="0"/>
+              <a:rPr lang="en-US" sz="4800" b="1" dirty="0"/>
               <a:t>UI: User Interface</a:t>
             </a:r>
-            <a:endParaRPr lang="en-US" sz="4800" b="1" dirty="0"/>
           </a:p>
         </p:txBody>
       </p:sp>
@@ -8015,10 +7739,9 @@
           <a:lstStyle/>
           <a:p>
             <a:r>
-              <a:rPr lang="en-US" sz="4800" b="1" dirty="0" smtClean="0"/>
+              <a:rPr lang="en-US" sz="4800" b="1" dirty="0"/>
               <a:t>Server</a:t>
             </a:r>
-            <a:endParaRPr lang="en-US" sz="4800" b="1" dirty="0"/>
           </a:p>
         </p:txBody>
       </p:sp>
@@ -8032,13 +7755,6 @@
   <p:clrMapOvr>
     <a:masterClrMapping/>
   </p:clrMapOvr>
-  <p:timing>
-    <p:tnLst>
-      <p:par>
-        <p:cTn id="1" dur="indefinite" restart="never" nodeType="tmRoot"/>
-      </p:par>
-    </p:tnLst>
-  </p:timing>
 </p:sld>
 </file>
 
@@ -8260,10 +7976,9 @@
           <a:p>
             <a:pPr algn="ctr"/>
             <a:r>
-              <a:rPr lang="en-US" sz="2800" b="1" dirty="0" smtClean="0"/>
+              <a:rPr lang="en-US" sz="2800" b="1" dirty="0"/>
               <a:t>input</a:t>
             </a:r>
-            <a:endParaRPr lang="en-US" sz="2800" b="1" dirty="0"/>
           </a:p>
         </p:txBody>
       </p:sp>
@@ -8290,7 +8005,7 @@
           <a:lstStyle/>
           <a:p>
             <a:r>
-              <a:rPr lang="en-US" dirty="0" smtClean="0">
+              <a:rPr lang="en-US" dirty="0">
                 <a:solidFill>
                   <a:schemeClr val="accent2"/>
                 </a:solidFill>
@@ -8298,12 +8013,6 @@
               </a:rPr>
               <a:t>input$nsample</a:t>
             </a:r>
-            <a:endParaRPr lang="en-US" dirty="0">
-              <a:solidFill>
-                <a:schemeClr val="accent2"/>
-              </a:solidFill>
-              <a:latin typeface="Lucida Console" panose="020B0609040504020204" pitchFamily="49" charset="0"/>
-            </a:endParaRPr>
           </a:p>
         </p:txBody>
       </p:sp>
@@ -8377,31 +8086,31 @@
               <a:buChar char="-"/>
             </a:pPr>
             <a:r>
-              <a:rPr lang="en-US" dirty="0" err="1" smtClean="0"/>
+              <a:rPr lang="en-US" dirty="0" err="1"/>
               <a:t>Creer</a:t>
             </a:r>
             <a:r>
-              <a:rPr lang="en-US" dirty="0" smtClean="0"/>
+              <a:rPr lang="en-US" dirty="0"/>
               <a:t> un </a:t>
             </a:r>
             <a:r>
-              <a:rPr lang="en-US" dirty="0" err="1" smtClean="0"/>
+              <a:rPr lang="en-US" dirty="0" err="1"/>
               <a:t>vecteur</a:t>
             </a:r>
             <a:r>
-              <a:rPr lang="en-US" dirty="0" smtClean="0"/>
+              <a:rPr lang="en-US" dirty="0"/>
               <a:t> à </a:t>
             </a:r>
             <a:r>
-              <a:rPr lang="en-US" dirty="0" err="1" smtClean="0"/>
+              <a:rPr lang="en-US" dirty="0" err="1"/>
               <a:t>partir</a:t>
             </a:r>
             <a:r>
-              <a:rPr lang="en-US" dirty="0" smtClean="0"/>
+              <a:rPr lang="en-US" dirty="0"/>
               <a:t> de </a:t>
             </a:r>
             <a:r>
-              <a:rPr lang="en-US" b="1" dirty="0" smtClean="0">
+              <a:rPr lang="en-US" b="1" dirty="0">
                 <a:solidFill>
                   <a:schemeClr val="accent2"/>
                 </a:solidFill>
@@ -8415,7 +8124,7 @@
               <a:buFontTx/>
               <a:buChar char="-"/>
             </a:pPr>
-            <a:endParaRPr lang="en-US" dirty="0" smtClean="0"/>
+            <a:endParaRPr lang="en-US" dirty="0"/>
           </a:p>
           <a:p>
             <a:pPr marL="285750" indent="-285750">
@@ -8423,49 +8132,49 @@
               <a:buChar char="-"/>
             </a:pPr>
             <a:r>
-              <a:rPr lang="en-US" dirty="0" err="1" smtClean="0"/>
+              <a:rPr lang="en-US" dirty="0" err="1"/>
               <a:t>Creer</a:t>
             </a:r>
             <a:r>
-              <a:rPr lang="en-US" dirty="0" smtClean="0"/>
+              <a:rPr lang="en-US" dirty="0"/>
               <a:t> un </a:t>
             </a:r>
             <a:r>
-              <a:rPr lang="en-US" dirty="0" err="1" smtClean="0"/>
+              <a:rPr lang="en-US" dirty="0" err="1"/>
               <a:t>histogramme</a:t>
             </a:r>
             <a:r>
-              <a:rPr lang="en-US" dirty="0" smtClean="0"/>
+              <a:rPr lang="en-US" dirty="0"/>
               <a:t> à </a:t>
             </a:r>
             <a:r>
-              <a:rPr lang="en-US" dirty="0" err="1" smtClean="0"/>
+              <a:rPr lang="en-US" dirty="0" err="1"/>
               <a:t>partir</a:t>
             </a:r>
             <a:r>
-              <a:rPr lang="en-US" dirty="0" smtClean="0"/>
+              <a:rPr lang="en-US" dirty="0"/>
               <a:t> du </a:t>
             </a:r>
             <a:r>
-              <a:rPr lang="en-US" dirty="0" err="1" smtClean="0"/>
+              <a:rPr lang="en-US" dirty="0" err="1"/>
               <a:t>vecteur</a:t>
             </a:r>
             <a:r>
-              <a:rPr lang="en-US" dirty="0" smtClean="0"/>
+              <a:rPr lang="en-US" dirty="0"/>
               <a:t> </a:t>
             </a:r>
             <a:r>
-              <a:rPr lang="en-US" dirty="0" err="1" smtClean="0"/>
+              <a:rPr lang="en-US" dirty="0" err="1"/>
               <a:t>créé</a:t>
             </a:r>
-            <a:endParaRPr lang="en-US" dirty="0" smtClean="0"/>
+            <a:endParaRPr lang="en-US" dirty="0"/>
           </a:p>
           <a:p>
             <a:pPr marL="285750" indent="-285750">
               <a:buFontTx/>
               <a:buChar char="-"/>
             </a:pPr>
-            <a:endParaRPr lang="en-US" dirty="0" smtClean="0"/>
+            <a:endParaRPr lang="en-US" dirty="0"/>
           </a:p>
           <a:p>
             <a:pPr marL="285750" indent="-285750">
@@ -8473,37 +8182,37 @@
               <a:buChar char="-"/>
             </a:pPr>
             <a:r>
-              <a:rPr lang="en-US" dirty="0" err="1" smtClean="0"/>
+              <a:rPr lang="en-US" dirty="0" err="1"/>
               <a:t>Rendre</a:t>
             </a:r>
             <a:r>
-              <a:rPr lang="en-US" dirty="0" smtClean="0"/>
+              <a:rPr lang="en-US" dirty="0"/>
               <a:t> </a:t>
             </a:r>
             <a:r>
-              <a:rPr lang="en-US" dirty="0" err="1" smtClean="0"/>
+              <a:rPr lang="en-US" dirty="0" err="1"/>
               <a:t>cette</a:t>
             </a:r>
             <a:r>
-              <a:rPr lang="en-US" dirty="0" smtClean="0"/>
+              <a:rPr lang="en-US" dirty="0"/>
               <a:t> figure </a:t>
             </a:r>
             <a:r>
-              <a:rPr lang="en-US" dirty="0" err="1" smtClean="0"/>
+              <a:rPr lang="en-US" dirty="0" err="1"/>
               <a:t>comme</a:t>
             </a:r>
             <a:r>
-              <a:rPr lang="en-US" dirty="0" smtClean="0"/>
+              <a:rPr lang="en-US" dirty="0"/>
               <a:t> </a:t>
             </a:r>
             <a:r>
-              <a:rPr lang="en-US" b="1" dirty="0" err="1" smtClean="0">
+              <a:rPr lang="en-US" b="1" dirty="0" err="1">
                 <a:solidFill>
                   <a:srgbClr val="00B050"/>
                 </a:solidFill>
                 <a:latin typeface="Lucida Console" panose="020B0609040504020204" pitchFamily="49" charset="0"/>
               </a:rPr>
-              <a:t>output$distributionplot</a:t>
+              <a:t>output$distrib</a:t>
             </a:r>
             <a:endParaRPr lang="en-US" b="1" dirty="0">
               <a:solidFill>
@@ -8559,7 +8268,7 @@
           <a:p>
             <a:pPr algn="ctr"/>
             <a:r>
-              <a:rPr lang="en-US" sz="2800" b="1" dirty="0" smtClean="0"/>
+              <a:rPr lang="en-US" sz="2800" b="1" dirty="0"/>
               <a:t>output</a:t>
             </a:r>
             <a:endParaRPr lang="en-US" sz="1050" b="1" dirty="0"/>
@@ -8575,7 +8284,7 @@
         <p:spPr>
           <a:xfrm>
             <a:off x="6260282" y="5025891"/>
-            <a:ext cx="3392275" cy="369332"/>
+            <a:ext cx="2137124" cy="369332"/>
           </a:xfrm>
           <a:prstGeom prst="rect">
             <a:avLst/>
@@ -8588,15 +8297,20 @@
           <a:lstStyle/>
           <a:p>
             <a:r>
-              <a:rPr lang="en-US" dirty="0" err="1" smtClean="0">
+              <a:rPr lang="en-US" dirty="0" err="1">
                 <a:solidFill>
                   <a:srgbClr val="00B050"/>
                 </a:solidFill>
                 <a:latin typeface="Lucida Console" panose="020B0609040504020204" pitchFamily="49" charset="0"/>
               </a:rPr>
-              <a:t>output$distributionplot</a:t>
-            </a:r>
-            <a:endParaRPr lang="en-US" dirty="0"/>
+              <a:t>output$distrib</a:t>
+            </a:r>
+            <a:endParaRPr lang="en-US" dirty="0">
+              <a:solidFill>
+                <a:srgbClr val="00B050"/>
+              </a:solidFill>
+              <a:latin typeface="Lucida Console" panose="020B0609040504020204" pitchFamily="49" charset="0"/>
+            </a:endParaRPr>
           </a:p>
         </p:txBody>
       </p:sp>
@@ -8656,13 +8370,6 @@
   <p:clrMapOvr>
     <a:masterClrMapping/>
   </p:clrMapOvr>
-  <p:timing>
-    <p:tnLst>
-      <p:par>
-        <p:cTn id="1" dur="indefinite" restart="never" nodeType="tmRoot"/>
-      </p:par>
-    </p:tnLst>
-  </p:timing>
 </p:sld>
 </file>
 
@@ -8884,10 +8591,9 @@
           <a:p>
             <a:pPr algn="ctr"/>
             <a:r>
-              <a:rPr lang="en-US" sz="2800" b="1" dirty="0" smtClean="0"/>
+              <a:rPr lang="en-US" sz="2800" b="1" dirty="0"/>
               <a:t>input</a:t>
             </a:r>
-            <a:endParaRPr lang="en-US" sz="2800" b="1" dirty="0"/>
           </a:p>
         </p:txBody>
       </p:sp>
@@ -8914,7 +8620,7 @@
           <a:lstStyle/>
           <a:p>
             <a:r>
-              <a:rPr lang="en-US" dirty="0" smtClean="0">
+              <a:rPr lang="en-US" dirty="0">
                 <a:solidFill>
                   <a:schemeClr val="accent2"/>
                 </a:solidFill>
@@ -8922,12 +8628,6 @@
               </a:rPr>
               <a:t>input$nsample</a:t>
             </a:r>
-            <a:endParaRPr lang="en-US" dirty="0">
-              <a:solidFill>
-                <a:schemeClr val="accent2"/>
-              </a:solidFill>
-              <a:latin typeface="Lucida Console" panose="020B0609040504020204" pitchFamily="49" charset="0"/>
-            </a:endParaRPr>
           </a:p>
         </p:txBody>
       </p:sp>
@@ -9001,31 +8701,31 @@
               <a:buChar char="-"/>
             </a:pPr>
             <a:r>
-              <a:rPr lang="en-US" dirty="0" err="1" smtClean="0"/>
+              <a:rPr lang="en-US" dirty="0" err="1"/>
               <a:t>Creer</a:t>
             </a:r>
             <a:r>
-              <a:rPr lang="en-US" dirty="0" smtClean="0"/>
+              <a:rPr lang="en-US" dirty="0"/>
               <a:t> un </a:t>
             </a:r>
             <a:r>
-              <a:rPr lang="en-US" dirty="0" err="1" smtClean="0"/>
+              <a:rPr lang="en-US" dirty="0" err="1"/>
               <a:t>vecteur</a:t>
             </a:r>
             <a:r>
-              <a:rPr lang="en-US" dirty="0" smtClean="0"/>
+              <a:rPr lang="en-US" dirty="0"/>
               <a:t> à </a:t>
             </a:r>
             <a:r>
-              <a:rPr lang="en-US" dirty="0" err="1" smtClean="0"/>
+              <a:rPr lang="en-US" dirty="0" err="1"/>
               <a:t>partir</a:t>
             </a:r>
             <a:r>
-              <a:rPr lang="en-US" dirty="0" smtClean="0"/>
+              <a:rPr lang="en-US" dirty="0"/>
               <a:t> de </a:t>
             </a:r>
             <a:r>
-              <a:rPr lang="en-US" b="1" dirty="0" smtClean="0">
+              <a:rPr lang="en-US" b="1" dirty="0">
                 <a:solidFill>
                   <a:schemeClr val="accent2"/>
                 </a:solidFill>
@@ -9039,7 +8739,7 @@
               <a:buFontTx/>
               <a:buChar char="-"/>
             </a:pPr>
-            <a:endParaRPr lang="en-US" dirty="0" smtClean="0"/>
+            <a:endParaRPr lang="en-US" dirty="0"/>
           </a:p>
           <a:p>
             <a:pPr marL="285750" indent="-285750">
@@ -9047,49 +8747,49 @@
               <a:buChar char="-"/>
             </a:pPr>
             <a:r>
-              <a:rPr lang="en-US" dirty="0" err="1" smtClean="0"/>
+              <a:rPr lang="en-US" dirty="0" err="1"/>
               <a:t>Creer</a:t>
             </a:r>
             <a:r>
-              <a:rPr lang="en-US" dirty="0" smtClean="0"/>
+              <a:rPr lang="en-US" dirty="0"/>
               <a:t> un </a:t>
             </a:r>
             <a:r>
-              <a:rPr lang="en-US" dirty="0" err="1" smtClean="0"/>
+              <a:rPr lang="en-US" dirty="0" err="1"/>
               <a:t>histogramme</a:t>
             </a:r>
             <a:r>
-              <a:rPr lang="en-US" dirty="0" smtClean="0"/>
+              <a:rPr lang="en-US" dirty="0"/>
               <a:t> à </a:t>
             </a:r>
             <a:r>
-              <a:rPr lang="en-US" dirty="0" err="1" smtClean="0"/>
+              <a:rPr lang="en-US" dirty="0" err="1"/>
               <a:t>partir</a:t>
             </a:r>
             <a:r>
-              <a:rPr lang="en-US" dirty="0" smtClean="0"/>
+              <a:rPr lang="en-US" dirty="0"/>
               <a:t> du </a:t>
             </a:r>
             <a:r>
-              <a:rPr lang="en-US" dirty="0" err="1" smtClean="0"/>
+              <a:rPr lang="en-US" dirty="0" err="1"/>
               <a:t>vecteur</a:t>
             </a:r>
             <a:r>
-              <a:rPr lang="en-US" dirty="0" smtClean="0"/>
+              <a:rPr lang="en-US" dirty="0"/>
               <a:t> </a:t>
             </a:r>
             <a:r>
-              <a:rPr lang="en-US" dirty="0" err="1" smtClean="0"/>
+              <a:rPr lang="en-US" dirty="0" err="1"/>
               <a:t>créé</a:t>
             </a:r>
-            <a:endParaRPr lang="en-US" dirty="0" smtClean="0"/>
+            <a:endParaRPr lang="en-US" dirty="0"/>
           </a:p>
           <a:p>
             <a:pPr marL="285750" indent="-285750">
               <a:buFontTx/>
               <a:buChar char="-"/>
             </a:pPr>
-            <a:endParaRPr lang="en-US" dirty="0" smtClean="0"/>
+            <a:endParaRPr lang="en-US" dirty="0"/>
           </a:p>
           <a:p>
             <a:pPr marL="285750" indent="-285750">
@@ -9097,37 +8797,37 @@
               <a:buChar char="-"/>
             </a:pPr>
             <a:r>
-              <a:rPr lang="en-US" dirty="0" err="1" smtClean="0"/>
+              <a:rPr lang="en-US" dirty="0" err="1"/>
               <a:t>Rendre</a:t>
             </a:r>
             <a:r>
-              <a:rPr lang="en-US" dirty="0" smtClean="0"/>
+              <a:rPr lang="en-US" dirty="0"/>
               <a:t> </a:t>
             </a:r>
             <a:r>
-              <a:rPr lang="en-US" dirty="0" err="1" smtClean="0"/>
+              <a:rPr lang="en-US" dirty="0" err="1"/>
               <a:t>cette</a:t>
             </a:r>
             <a:r>
-              <a:rPr lang="en-US" dirty="0" smtClean="0"/>
+              <a:rPr lang="en-US" dirty="0"/>
               <a:t> figure </a:t>
             </a:r>
             <a:r>
-              <a:rPr lang="en-US" dirty="0" err="1" smtClean="0"/>
+              <a:rPr lang="en-US" dirty="0" err="1"/>
               <a:t>comme</a:t>
             </a:r>
             <a:r>
-              <a:rPr lang="en-US" dirty="0" smtClean="0"/>
+              <a:rPr lang="en-US" dirty="0"/>
               <a:t> </a:t>
             </a:r>
             <a:r>
-              <a:rPr lang="en-US" b="1" dirty="0" err="1" smtClean="0">
+              <a:rPr lang="en-US" b="1" dirty="0" err="1">
                 <a:solidFill>
                   <a:srgbClr val="00B050"/>
                 </a:solidFill>
                 <a:latin typeface="Lucida Console" panose="020B0609040504020204" pitchFamily="49" charset="0"/>
               </a:rPr>
-              <a:t>output$distributionplot</a:t>
+              <a:t>output$distrib</a:t>
             </a:r>
             <a:endParaRPr lang="en-US" b="1" dirty="0">
               <a:solidFill>
@@ -9183,7 +8883,7 @@
           <a:p>
             <a:pPr algn="ctr"/>
             <a:r>
-              <a:rPr lang="en-US" sz="2800" b="1" dirty="0" smtClean="0"/>
+              <a:rPr lang="en-US" sz="2800" b="1" dirty="0"/>
               <a:t>output</a:t>
             </a:r>
             <a:endParaRPr lang="en-US" sz="1050" b="1" dirty="0"/>
@@ -9199,7 +8899,7 @@
         <p:spPr>
           <a:xfrm>
             <a:off x="6297758" y="3669283"/>
-            <a:ext cx="3392275" cy="369332"/>
+            <a:ext cx="2137124" cy="369332"/>
           </a:xfrm>
           <a:prstGeom prst="rect">
             <a:avLst/>
@@ -9212,13 +8912,13 @@
           <a:lstStyle/>
           <a:p>
             <a:r>
-              <a:rPr lang="en-US" dirty="0" err="1" smtClean="0">
+              <a:rPr lang="en-US" dirty="0" err="1">
                 <a:solidFill>
                   <a:srgbClr val="00B050"/>
                 </a:solidFill>
                 <a:latin typeface="Lucida Console" panose="020B0609040504020204" pitchFamily="49" charset="0"/>
               </a:rPr>
-              <a:t>output$distributionplot</a:t>
+              <a:t>output$distrib</a:t>
             </a:r>
             <a:endParaRPr lang="en-US" dirty="0"/>
           </a:p>
@@ -9512,13 +9212,6 @@
   <p:clrMapOvr>
     <a:masterClrMapping/>
   </p:clrMapOvr>
-  <p:timing>
-    <p:tnLst>
-      <p:par>
-        <p:cTn id="1" dur="indefinite" restart="never" nodeType="tmRoot"/>
-      </p:par>
-    </p:tnLst>
-  </p:timing>
 </p:sld>
 </file>
 
@@ -9576,7 +9269,7 @@
           <a:p>
             <a:pPr algn="ctr"/>
             <a:r>
-              <a:rPr lang="en-US" sz="3600" dirty="0" smtClean="0">
+              <a:rPr lang="en-US" sz="3600" dirty="0">
                 <a:latin typeface="Lucida Console" panose="020B0609040504020204" pitchFamily="49" charset="0"/>
               </a:rPr>
               <a:t>input$</a:t>
@@ -9585,7 +9278,7 @@
           <a:p>
             <a:pPr algn="ctr"/>
             <a:r>
-              <a:rPr lang="en-US" sz="3600" dirty="0" err="1" smtClean="0">
+              <a:rPr lang="en-US" sz="3600" dirty="0" err="1">
                 <a:latin typeface="Lucida Console" panose="020B0609040504020204" pitchFamily="49" charset="0"/>
               </a:rPr>
               <a:t>nsample</a:t>
@@ -9697,7 +9390,7 @@
             <a:p>
               <a:pPr algn="ctr"/>
               <a:r>
-                <a:rPr lang="en-US" sz="3200" dirty="0" smtClean="0">
+                <a:rPr lang="en-US" sz="3200" dirty="0">
                   <a:solidFill>
                     <a:schemeClr val="bg1"/>
                   </a:solidFill>
@@ -9709,7 +9402,7 @@
             <a:p>
               <a:pPr algn="ctr"/>
               <a:r>
-                <a:rPr lang="en-US" sz="3200" dirty="0" err="1" smtClean="0">
+                <a:rPr lang="en-US" sz="3200" dirty="0" err="1">
                   <a:solidFill>
                     <a:schemeClr val="bg1"/>
                   </a:solidFill>
@@ -9779,10 +9472,9 @@
           <a:lstStyle/>
           <a:p>
             <a:r>
-              <a:rPr lang="en-US" dirty="0" smtClean="0"/>
+              <a:rPr lang="en-US" dirty="0"/>
               <a:t>App 1 – server logic</a:t>
             </a:r>
-            <a:endParaRPr lang="en-US" dirty="0"/>
           </a:p>
         </p:txBody>
       </p:sp>
@@ -9853,7 +9545,7 @@
           <a:p>
             <a:pPr algn="ctr"/>
             <a:r>
-              <a:rPr lang="en-US" sz="3200" dirty="0" smtClean="0">
+              <a:rPr lang="en-US" sz="3200" dirty="0">
                 <a:latin typeface="Lucida Console" panose="020B0609040504020204" pitchFamily="49" charset="0"/>
               </a:rPr>
               <a:t>input$</a:t>
@@ -9862,7 +9554,7 @@
           <a:p>
             <a:pPr algn="ctr"/>
             <a:r>
-              <a:rPr lang="en-US" sz="3200" dirty="0" err="1" smtClean="0">
+              <a:rPr lang="en-US" sz="3200" dirty="0" err="1">
                 <a:latin typeface="Lucida Console" panose="020B0609040504020204" pitchFamily="49" charset="0"/>
               </a:rPr>
               <a:t>nsample</a:t>
@@ -9974,7 +9666,7 @@
             <a:p>
               <a:pPr algn="ctr"/>
               <a:r>
-                <a:rPr lang="en-US" sz="2800" dirty="0" smtClean="0">
+                <a:rPr lang="en-US" sz="2800" dirty="0">
                   <a:solidFill>
                     <a:schemeClr val="bg1"/>
                   </a:solidFill>
@@ -9986,7 +9678,7 @@
             <a:p>
               <a:pPr algn="ctr"/>
               <a:r>
-                <a:rPr lang="en-US" sz="2800" dirty="0" err="1" smtClean="0">
+                <a:rPr lang="en-US" sz="2800" dirty="0" err="1">
                   <a:solidFill>
                     <a:schemeClr val="bg1"/>
                   </a:solidFill>
@@ -10077,7 +9769,7 @@
           <a:p>
             <a:pPr algn="ctr"/>
             <a:r>
-              <a:rPr lang="en-US" sz="3200" dirty="0" smtClean="0">
+              <a:rPr lang="en-US" sz="3200" dirty="0">
                 <a:latin typeface="Lucida Console" panose="020B0609040504020204" pitchFamily="49" charset="0"/>
               </a:rPr>
               <a:t>input$</a:t>
@@ -10086,14 +9778,11 @@
           <a:p>
             <a:pPr algn="ctr"/>
             <a:r>
-              <a:rPr lang="en-US" sz="3200" dirty="0" smtClean="0">
+              <a:rPr lang="en-US" sz="3200" dirty="0">
                 <a:latin typeface="Lucida Console" panose="020B0609040504020204" pitchFamily="49" charset="0"/>
               </a:rPr>
               <a:t>color</a:t>
             </a:r>
-            <a:endParaRPr lang="en-US" sz="3200" dirty="0">
-              <a:latin typeface="Lucida Console" panose="020B0609040504020204" pitchFamily="49" charset="0"/>
-            </a:endParaRPr>
           </a:p>
         </p:txBody>
       </p:sp>
@@ -10154,10 +9843,9 @@
           <a:lstStyle/>
           <a:p>
             <a:r>
-              <a:rPr lang="en-US" dirty="0" smtClean="0"/>
+              <a:rPr lang="en-US" dirty="0"/>
               <a:t>App 2 – server logic</a:t>
             </a:r>
-            <a:endParaRPr lang="en-US" dirty="0"/>
           </a:p>
         </p:txBody>
       </p:sp>
@@ -10228,7 +9916,7 @@
           <a:p>
             <a:pPr algn="ctr"/>
             <a:r>
-              <a:rPr lang="en-US" sz="3600" dirty="0" smtClean="0">
+              <a:rPr lang="en-US" sz="3600" dirty="0">
                 <a:latin typeface="Lucida Console" panose="020B0609040504020204" pitchFamily="49" charset="0"/>
               </a:rPr>
               <a:t>input$</a:t>
@@ -10237,7 +9925,7 @@
           <a:p>
             <a:pPr algn="ctr"/>
             <a:r>
-              <a:rPr lang="en-US" sz="3600" dirty="0" err="1" smtClean="0">
+              <a:rPr lang="en-US" sz="3600" dirty="0" err="1">
                 <a:latin typeface="Lucida Console" panose="020B0609040504020204" pitchFamily="49" charset="0"/>
               </a:rPr>
               <a:t>nsample</a:t>
@@ -10349,7 +10037,7 @@
             <a:p>
               <a:pPr algn="ctr"/>
               <a:r>
-                <a:rPr lang="en-US" sz="3200" dirty="0" smtClean="0">
+                <a:rPr lang="en-US" sz="3200" dirty="0">
                   <a:solidFill>
                     <a:schemeClr val="bg1"/>
                   </a:solidFill>
@@ -10361,7 +10049,7 @@
             <a:p>
               <a:pPr algn="ctr"/>
               <a:r>
-                <a:rPr lang="en-US" sz="3200" dirty="0" err="1" smtClean="0">
+                <a:rPr lang="en-US" sz="3200" dirty="0" err="1">
                   <a:solidFill>
                     <a:schemeClr val="bg1"/>
                   </a:solidFill>
@@ -10452,7 +10140,7 @@
           <a:p>
             <a:pPr algn="ctr"/>
             <a:r>
-              <a:rPr lang="en-US" sz="3600" dirty="0" smtClean="0">
+              <a:rPr lang="en-US" sz="3600" dirty="0">
                 <a:latin typeface="Lucida Console" panose="020B0609040504020204" pitchFamily="49" charset="0"/>
               </a:rPr>
               <a:t>input$</a:t>
@@ -10461,14 +10149,11 @@
           <a:p>
             <a:pPr algn="ctr"/>
             <a:r>
-              <a:rPr lang="en-US" sz="3600" dirty="0" smtClean="0">
+              <a:rPr lang="en-US" sz="3600" dirty="0">
                 <a:latin typeface="Lucida Console" panose="020B0609040504020204" pitchFamily="49" charset="0"/>
               </a:rPr>
               <a:t>color</a:t>
             </a:r>
-            <a:endParaRPr lang="en-US" sz="3600" dirty="0">
-              <a:latin typeface="Lucida Console" panose="020B0609040504020204" pitchFamily="49" charset="0"/>
-            </a:endParaRPr>
           </a:p>
         </p:txBody>
       </p:sp>
@@ -10573,7 +10258,7 @@
             <a:p>
               <a:pPr algn="ctr"/>
               <a:r>
-                <a:rPr lang="en-US" sz="3200" dirty="0" smtClean="0">
+                <a:rPr lang="en-US" sz="3200" dirty="0">
                   <a:solidFill>
                     <a:schemeClr val="bg1"/>
                   </a:solidFill>
@@ -10585,7 +10270,7 @@
             <a:p>
               <a:pPr algn="ctr"/>
               <a:r>
-                <a:rPr lang="en-US" sz="3200" dirty="0" err="1" smtClean="0">
+                <a:rPr lang="en-US" sz="3200" dirty="0" err="1">
                   <a:solidFill>
                     <a:schemeClr val="bg1"/>
                   </a:solidFill>
@@ -10645,7 +10330,7 @@
           <a:p>
             <a:pPr algn="ctr"/>
             <a:r>
-              <a:rPr lang="en-US" sz="2400" dirty="0" err="1" smtClean="0">
+              <a:rPr lang="en-US" sz="2400" dirty="0" err="1">
                 <a:solidFill>
                   <a:schemeClr val="bg1"/>
                 </a:solidFill>
@@ -10654,7 +10339,7 @@
               <a:t>re_values</a:t>
             </a:r>
             <a:r>
-              <a:rPr lang="en-US" sz="2400" dirty="0" smtClean="0">
+              <a:rPr lang="en-US" sz="2400" dirty="0">
                 <a:solidFill>
                   <a:schemeClr val="bg1"/>
                 </a:solidFill>
@@ -10662,12 +10347,6 @@
               </a:rPr>
               <a:t>()</a:t>
             </a:r>
-            <a:endParaRPr lang="en-US" sz="2400" dirty="0">
-              <a:solidFill>
-                <a:schemeClr val="bg1"/>
-              </a:solidFill>
-              <a:latin typeface="Lucida Console" panose="020B0609040504020204" pitchFamily="49" charset="0"/>
-            </a:endParaRPr>
           </a:p>
         </p:txBody>
       </p:sp>
@@ -10800,10 +10479,9 @@
           <a:lstStyle/>
           <a:p>
             <a:r>
-              <a:rPr lang="en-US" dirty="0" smtClean="0"/>
+              <a:rPr lang="en-US" dirty="0"/>
               <a:t>App 3 – server logic</a:t>
             </a:r>
-            <a:endParaRPr lang="en-US" dirty="0"/>
           </a:p>
         </p:txBody>
       </p:sp>
@@ -10831,13 +10509,8 @@
           <a:p>
             <a:r>
               <a:rPr lang="en-US" dirty="0"/>
-              <a:t>r</a:t>
-            </a:r>
-            <a:r>
-              <a:rPr lang="en-US" dirty="0" smtClean="0"/>
-              <a:t>eactive()</a:t>
-            </a:r>
-            <a:endParaRPr lang="en-US" dirty="0"/>
+              <a:t>reactive()</a:t>
+            </a:r>
           </a:p>
         </p:txBody>
       </p:sp>
@@ -10908,7 +10581,7 @@
           <a:p>
             <a:pPr algn="ctr"/>
             <a:r>
-              <a:rPr lang="en-US" sz="3600" dirty="0" smtClean="0">
+              <a:rPr lang="en-US" sz="3600" dirty="0">
                 <a:latin typeface="Lucida Console" panose="020B0609040504020204" pitchFamily="49" charset="0"/>
               </a:rPr>
               <a:t>input$</a:t>
@@ -10917,7 +10590,7 @@
           <a:p>
             <a:pPr algn="ctr"/>
             <a:r>
-              <a:rPr lang="en-US" sz="3600" dirty="0" err="1" smtClean="0">
+              <a:rPr lang="en-US" sz="3600" dirty="0" err="1">
                 <a:latin typeface="Lucida Console" panose="020B0609040504020204" pitchFamily="49" charset="0"/>
               </a:rPr>
               <a:t>nsample</a:t>
@@ -11001,7 +10674,7 @@
           <a:p>
             <a:pPr algn="ctr"/>
             <a:r>
-              <a:rPr lang="en-US" sz="3600" dirty="0" smtClean="0">
+              <a:rPr lang="en-US" sz="3600" dirty="0">
                 <a:latin typeface="Lucida Console" panose="020B0609040504020204" pitchFamily="49" charset="0"/>
               </a:rPr>
               <a:t>input$</a:t>
@@ -11010,14 +10683,11 @@
           <a:p>
             <a:pPr algn="ctr"/>
             <a:r>
-              <a:rPr lang="en-US" sz="3600" dirty="0" smtClean="0">
+              <a:rPr lang="en-US" sz="3600" dirty="0">
                 <a:latin typeface="Lucida Console" panose="020B0609040504020204" pitchFamily="49" charset="0"/>
               </a:rPr>
               <a:t>color</a:t>
             </a:r>
-            <a:endParaRPr lang="en-US" sz="3600" dirty="0">
-              <a:latin typeface="Lucida Console" panose="020B0609040504020204" pitchFamily="49" charset="0"/>
-            </a:endParaRPr>
           </a:p>
         </p:txBody>
       </p:sp>
@@ -11068,7 +10738,7 @@
           <a:p>
             <a:pPr algn="ctr"/>
             <a:r>
-              <a:rPr lang="en-US" sz="2000" dirty="0" err="1" smtClean="0">
+              <a:rPr lang="en-US" sz="2000" dirty="0" err="1">
                 <a:solidFill>
                   <a:schemeClr val="bg1"/>
                 </a:solidFill>
@@ -11077,7 +10747,7 @@
               <a:t>re_values</a:t>
             </a:r>
             <a:r>
-              <a:rPr lang="en-US" sz="2000" dirty="0" smtClean="0">
+              <a:rPr lang="en-US" sz="2000" dirty="0">
                 <a:solidFill>
                   <a:schemeClr val="bg1"/>
                 </a:solidFill>
@@ -11085,12 +10755,6 @@
               </a:rPr>
               <a:t>()</a:t>
             </a:r>
-            <a:endParaRPr lang="en-US" sz="2000" dirty="0">
-              <a:solidFill>
-                <a:schemeClr val="bg1"/>
-              </a:solidFill>
-              <a:latin typeface="Lucida Console" panose="020B0609040504020204" pitchFamily="49" charset="0"/>
-            </a:endParaRPr>
           </a:p>
         </p:txBody>
       </p:sp>
@@ -11223,10 +10887,9 @@
           <a:lstStyle/>
           <a:p>
             <a:r>
-              <a:rPr lang="en-US" dirty="0" smtClean="0"/>
+              <a:rPr lang="en-US" dirty="0"/>
               <a:t>App 4 – server logic</a:t>
             </a:r>
-            <a:endParaRPr lang="en-US" dirty="0"/>
           </a:p>
         </p:txBody>
       </p:sp>
@@ -11267,7 +10930,7 @@
           <a:p>
             <a:pPr algn="ctr"/>
             <a:r>
-              <a:rPr lang="en-US" sz="3600" dirty="0" smtClean="0">
+              <a:rPr lang="en-US" sz="3600" dirty="0">
                 <a:latin typeface="Lucida Console" panose="020B0609040504020204" pitchFamily="49" charset="0"/>
               </a:rPr>
               <a:t>input$</a:t>
@@ -11276,14 +10939,11 @@
           <a:p>
             <a:pPr algn="ctr"/>
             <a:r>
-              <a:rPr lang="en-US" sz="3600" dirty="0" smtClean="0">
+              <a:rPr lang="en-US" sz="3600" dirty="0">
                 <a:latin typeface="Lucida Console" panose="020B0609040504020204" pitchFamily="49" charset="0"/>
               </a:rPr>
               <a:t>go</a:t>
             </a:r>
-            <a:endParaRPr lang="en-US" sz="3600" dirty="0">
-              <a:latin typeface="Lucida Console" panose="020B0609040504020204" pitchFamily="49" charset="0"/>
-            </a:endParaRPr>
           </a:p>
         </p:txBody>
       </p:sp>
@@ -11424,7 +11084,7 @@
             <a:p>
               <a:pPr algn="ctr"/>
               <a:r>
-                <a:rPr lang="en-US" sz="3200" dirty="0" smtClean="0">
+                <a:rPr lang="en-US" sz="3200" dirty="0">
                   <a:solidFill>
                     <a:schemeClr val="bg1"/>
                   </a:solidFill>
@@ -11436,7 +11096,7 @@
             <a:p>
               <a:pPr algn="ctr"/>
               <a:r>
-                <a:rPr lang="en-US" sz="3200" dirty="0" err="1" smtClean="0">
+                <a:rPr lang="en-US" sz="3200" dirty="0" err="1">
                   <a:solidFill>
                     <a:schemeClr val="bg1"/>
                   </a:solidFill>
@@ -11555,7 +11215,7 @@
             <a:p>
               <a:pPr algn="ctr"/>
               <a:r>
-                <a:rPr lang="en-US" sz="3200" dirty="0" smtClean="0">
+                <a:rPr lang="en-US" sz="3200" dirty="0">
                   <a:solidFill>
                     <a:schemeClr val="bg1"/>
                   </a:solidFill>
@@ -11567,7 +11227,7 @@
             <a:p>
               <a:pPr algn="ctr"/>
               <a:r>
-                <a:rPr lang="en-US" sz="3200" dirty="0" err="1" smtClean="0">
+                <a:rPr lang="en-US" sz="3200" dirty="0" err="1">
                   <a:solidFill>
                     <a:schemeClr val="bg1"/>
                   </a:solidFill>
@@ -11608,14 +11268,13 @@
           <a:lstStyle/>
           <a:p>
             <a:r>
-              <a:rPr lang="en-US" dirty="0" err="1" smtClean="0"/>
+              <a:rPr lang="en-US" dirty="0" err="1"/>
               <a:t>eventReactive</a:t>
             </a:r>
             <a:r>
-              <a:rPr lang="en-US" dirty="0" smtClean="0"/>
+              <a:rPr lang="en-US" dirty="0"/>
               <a:t>()</a:t>
             </a:r>
-            <a:endParaRPr lang="en-US" dirty="0"/>
           </a:p>
         </p:txBody>
       </p:sp>
@@ -11686,7 +11345,7 @@
           <a:p>
             <a:pPr algn="ctr"/>
             <a:r>
-              <a:rPr lang="en-US" sz="3600" dirty="0" smtClean="0">
+              <a:rPr lang="en-US" sz="3600" dirty="0">
                 <a:latin typeface="Lucida Console" panose="020B0609040504020204" pitchFamily="49" charset="0"/>
               </a:rPr>
               <a:t>input$</a:t>
@@ -11695,7 +11354,7 @@
           <a:p>
             <a:pPr algn="ctr"/>
             <a:r>
-              <a:rPr lang="en-US" sz="3600" dirty="0" err="1" smtClean="0">
+              <a:rPr lang="en-US" sz="3600" dirty="0" err="1">
                 <a:latin typeface="Lucida Console" panose="020B0609040504020204" pitchFamily="49" charset="0"/>
               </a:rPr>
               <a:t>nsample</a:t>
@@ -11779,7 +11438,7 @@
           <a:p>
             <a:pPr algn="ctr"/>
             <a:r>
-              <a:rPr lang="en-US" sz="3600" dirty="0" smtClean="0">
+              <a:rPr lang="en-US" sz="3600" dirty="0">
                 <a:latin typeface="Lucida Console" panose="020B0609040504020204" pitchFamily="49" charset="0"/>
               </a:rPr>
               <a:t>input$</a:t>
@@ -11788,14 +11447,11 @@
           <a:p>
             <a:pPr algn="ctr"/>
             <a:r>
-              <a:rPr lang="en-US" sz="3600" dirty="0" smtClean="0">
+              <a:rPr lang="en-US" sz="3600" dirty="0">
                 <a:latin typeface="Lucida Console" panose="020B0609040504020204" pitchFamily="49" charset="0"/>
               </a:rPr>
               <a:t>color</a:t>
             </a:r>
-            <a:endParaRPr lang="en-US" sz="3600" dirty="0">
-              <a:latin typeface="Lucida Console" panose="020B0609040504020204" pitchFamily="49" charset="0"/>
-            </a:endParaRPr>
           </a:p>
         </p:txBody>
       </p:sp>
@@ -11846,7 +11502,7 @@
           <a:p>
             <a:pPr algn="ctr"/>
             <a:r>
-              <a:rPr lang="en-US" sz="2000" dirty="0" err="1" smtClean="0">
+              <a:rPr lang="en-US" sz="2000" dirty="0" err="1">
                 <a:solidFill>
                   <a:schemeClr val="bg1"/>
                 </a:solidFill>
@@ -11855,7 +11511,7 @@
               <a:t>re_values</a:t>
             </a:r>
             <a:r>
-              <a:rPr lang="en-US" sz="2000" dirty="0" smtClean="0">
+              <a:rPr lang="en-US" sz="2000" dirty="0">
                 <a:solidFill>
                   <a:schemeClr val="bg1"/>
                 </a:solidFill>
@@ -11863,12 +11519,6 @@
               </a:rPr>
               <a:t>()</a:t>
             </a:r>
-            <a:endParaRPr lang="en-US" sz="2000" dirty="0">
-              <a:solidFill>
-                <a:schemeClr val="bg1"/>
-              </a:solidFill>
-              <a:latin typeface="Lucida Console" panose="020B0609040504020204" pitchFamily="49" charset="0"/>
-            </a:endParaRPr>
           </a:p>
         </p:txBody>
       </p:sp>
@@ -11965,10 +11615,9 @@
           <a:lstStyle/>
           <a:p>
             <a:r>
-              <a:rPr lang="en-US" dirty="0" smtClean="0"/>
+              <a:rPr lang="en-US" dirty="0"/>
               <a:t>App 4 – server logic</a:t>
             </a:r>
-            <a:endParaRPr lang="en-US" dirty="0"/>
           </a:p>
         </p:txBody>
       </p:sp>
@@ -12009,7 +11658,7 @@
           <a:p>
             <a:pPr algn="ctr"/>
             <a:r>
-              <a:rPr lang="en-US" sz="3600" dirty="0" smtClean="0">
+              <a:rPr lang="en-US" sz="3600" dirty="0">
                 <a:latin typeface="Lucida Console" panose="020B0609040504020204" pitchFamily="49" charset="0"/>
               </a:rPr>
               <a:t>input$</a:t>
@@ -12018,14 +11667,11 @@
           <a:p>
             <a:pPr algn="ctr"/>
             <a:r>
-              <a:rPr lang="en-US" sz="3600" dirty="0" smtClean="0">
+              <a:rPr lang="en-US" sz="3600" dirty="0">
                 <a:latin typeface="Lucida Console" panose="020B0609040504020204" pitchFamily="49" charset="0"/>
               </a:rPr>
               <a:t>go</a:t>
             </a:r>
-            <a:endParaRPr lang="en-US" sz="3600" dirty="0">
-              <a:latin typeface="Lucida Console" panose="020B0609040504020204" pitchFamily="49" charset="0"/>
-            </a:endParaRPr>
           </a:p>
         </p:txBody>
       </p:sp>
@@ -12168,7 +11814,7 @@
             <a:p>
               <a:pPr algn="ctr"/>
               <a:r>
-                <a:rPr lang="en-US" sz="3200" dirty="0" smtClean="0">
+                <a:rPr lang="en-US" sz="3200" dirty="0">
                   <a:solidFill>
                     <a:schemeClr val="bg1"/>
                   </a:solidFill>
@@ -12180,7 +11826,7 @@
             <a:p>
               <a:pPr algn="ctr"/>
               <a:r>
-                <a:rPr lang="en-US" sz="3200" dirty="0" err="1" smtClean="0">
+                <a:rPr lang="en-US" sz="3200" dirty="0" err="1">
                   <a:solidFill>
                     <a:schemeClr val="bg1"/>
                   </a:solidFill>
@@ -12299,7 +11945,7 @@
             <a:p>
               <a:pPr algn="ctr"/>
               <a:r>
-                <a:rPr lang="en-US" sz="3200" dirty="0" smtClean="0">
+                <a:rPr lang="en-US" sz="3200" dirty="0">
                   <a:solidFill>
                     <a:schemeClr val="bg1"/>
                   </a:solidFill>
@@ -12311,7 +11957,7 @@
             <a:p>
               <a:pPr algn="ctr"/>
               <a:r>
-                <a:rPr lang="en-US" sz="3200" dirty="0" err="1" smtClean="0">
+                <a:rPr lang="en-US" sz="3200" dirty="0" err="1">
                   <a:solidFill>
                     <a:schemeClr val="bg1"/>
                   </a:solidFill>
@@ -12499,10 +12145,9 @@
           <a:lstStyle/>
           <a:p>
             <a:r>
-              <a:rPr lang="en-US" dirty="0" smtClean="0"/>
+              <a:rPr lang="en-US" dirty="0"/>
               <a:t>isolate()</a:t>
             </a:r>
-            <a:endParaRPr lang="en-US" dirty="0"/>
           </a:p>
         </p:txBody>
       </p:sp>
@@ -12529,14 +12174,13 @@
           <a:lstStyle/>
           <a:p>
             <a:r>
-              <a:rPr lang="en-US" dirty="0" err="1" smtClean="0"/>
+              <a:rPr lang="en-US" dirty="0" err="1"/>
               <a:t>eventReactive</a:t>
             </a:r>
             <a:r>
-              <a:rPr lang="en-US" dirty="0" smtClean="0"/>
+              <a:rPr lang="en-US" dirty="0"/>
               <a:t>()</a:t>
             </a:r>
-            <a:endParaRPr lang="en-US" dirty="0"/>
           </a:p>
         </p:txBody>
       </p:sp>

--- a/pptx/workflow2.pptx
+++ b/pptx/workflow2.pptx
@@ -4577,14 +4577,14 @@
           <p:nvPr>
             <p:extLst>
               <p:ext uri="{D42A27DB-BD31-4B8C-83A1-F6EECF244321}">
-                <p14:modId xmlns:p14="http://schemas.microsoft.com/office/powerpoint/2010/main" val="3607360276"/>
+                <p14:modId xmlns:p14="http://schemas.microsoft.com/office/powerpoint/2010/main" val="3172609586"/>
               </p:ext>
             </p:extLst>
           </p:nvPr>
         </p:nvGraphicFramePr>
         <p:xfrm>
           <a:off x="8129814" y="2775658"/>
-          <a:ext cx="3583216" cy="3359150"/>
+          <a:ext cx="3557361" cy="3359150"/>
         </p:xfrm>
         <a:graphic>
           <a:graphicData uri="http://schemas.openxmlformats.org/drawingml/2006/table">
@@ -4593,24 +4593,17 @@
                 <a:tableStyleId>{93296810-A885-4BE3-A3E7-6D5BEEA58F35}</a:tableStyleId>
               </a:tblPr>
               <a:tblGrid>
-                <a:gridCol w="1445986">
+                <a:gridCol w="2045610">
                   <a:extLst>
                     <a:ext uri="{9D8B030D-6E8A-4147-A177-3AD203B41FA5}">
                       <a16:colId xmlns:a16="http://schemas.microsoft.com/office/drawing/2014/main" val="2677332932"/>
                     </a:ext>
                   </a:extLst>
                 </a:gridCol>
-                <a:gridCol w="1068615">
+                <a:gridCol w="1511751">
                   <a:extLst>
                     <a:ext uri="{9D8B030D-6E8A-4147-A177-3AD203B41FA5}">
                       <a16:colId xmlns:a16="http://schemas.microsoft.com/office/drawing/2014/main" val="3135333050"/>
-                    </a:ext>
-                  </a:extLst>
-                </a:gridCol>
-                <a:gridCol w="1068615">
-                  <a:extLst>
-                    <a:ext uri="{9D8B030D-6E8A-4147-A177-3AD203B41FA5}">
-                      <a16:colId xmlns:a16="http://schemas.microsoft.com/office/drawing/2014/main" val="650925082"/>
                     </a:ext>
                   </a:extLst>
                 </a:gridCol>
@@ -4637,23 +4630,10 @@
                     <a:p>
                       <a:pPr algn="ctr"/>
                       <a:r>
-                        <a:rPr lang="en-US" dirty="0"/>
-                        <a:t>CMIN</a:t>
+                        <a:rPr lang="en-US" dirty="0" err="1"/>
+                        <a:t>Cresiduelle</a:t>
                       </a:r>
-                    </a:p>
-                  </a:txBody>
-                  <a:tcPr anchor="ctr"/>
-                </a:tc>
-                <a:tc>
-                  <a:txBody>
-                    <a:bodyPr/>
-                    <a:lstStyle/>
-                    <a:p>
-                      <a:pPr algn="ctr"/>
-                      <a:r>
-                        <a:rPr lang="en-US" dirty="0"/>
-                        <a:t>CMAX</a:t>
-                      </a:r>
+                      <a:endParaRPr lang="en-US" dirty="0"/>
                     </a:p>
                   </a:txBody>
                   <a:tcPr anchor="ctr"/>
@@ -4693,16 +4673,6 @@
                   </a:txBody>
                   <a:tcPr/>
                 </a:tc>
-                <a:tc>
-                  <a:txBody>
-                    <a:bodyPr/>
-                    <a:lstStyle/>
-                    <a:p>
-                      <a:endParaRPr lang="en-US" dirty="0"/>
-                    </a:p>
-                  </a:txBody>
-                  <a:tcPr/>
-                </a:tc>
                 <a:extLst>
                   <a:ext uri="{0D108BD9-81ED-4DB2-BD59-A6C34878D82A}">
                     <a16:rowId xmlns:a16="http://schemas.microsoft.com/office/drawing/2014/main" val="2819891166"/>
@@ -4719,16 +4689,6 @@
                         <a:rPr lang="en-US" dirty="0"/>
                         <a:t>10mg / 12h</a:t>
                       </a:r>
-                    </a:p>
-                  </a:txBody>
-                  <a:tcPr/>
-                </a:tc>
-                <a:tc>
-                  <a:txBody>
-                    <a:bodyPr/>
-                    <a:lstStyle/>
-                    <a:p>
-                      <a:endParaRPr lang="en-US" dirty="0"/>
                     </a:p>
                   </a:txBody>
                   <a:tcPr/>
@@ -4778,16 +4738,6 @@
                   </a:txBody>
                   <a:tcPr/>
                 </a:tc>
-                <a:tc>
-                  <a:txBody>
-                    <a:bodyPr/>
-                    <a:lstStyle/>
-                    <a:p>
-                      <a:endParaRPr lang="en-US" dirty="0"/>
-                    </a:p>
-                  </a:txBody>
-                  <a:tcPr/>
-                </a:tc>
                 <a:extLst>
                   <a:ext uri="{0D108BD9-81ED-4DB2-BD59-A6C34878D82A}">
                     <a16:rowId xmlns:a16="http://schemas.microsoft.com/office/drawing/2014/main" val="4234715598"/>
@@ -4804,16 +4754,6 @@
                         <a:rPr lang="en-US" dirty="0"/>
                         <a:t>20mg / 12h</a:t>
                       </a:r>
-                    </a:p>
-                  </a:txBody>
-                  <a:tcPr/>
-                </a:tc>
-                <a:tc>
-                  <a:txBody>
-                    <a:bodyPr/>
-                    <a:lstStyle/>
-                    <a:p>
-                      <a:endParaRPr lang="en-US" dirty="0"/>
                     </a:p>
                   </a:txBody>
                   <a:tcPr/>

--- a/pptx/workflow2.pptx
+++ b/pptx/workflow2.pptx
@@ -6,16 +6,17 @@
   </p:sldMasterIdLst>
   <p:sldIdLst>
     <p:sldId id="257" r:id="rId2"/>
-    <p:sldId id="258" r:id="rId3"/>
-    <p:sldId id="259" r:id="rId4"/>
-    <p:sldId id="270" r:id="rId5"/>
-    <p:sldId id="263" r:id="rId6"/>
-    <p:sldId id="264" r:id="rId7"/>
-    <p:sldId id="265" r:id="rId8"/>
-    <p:sldId id="267" r:id="rId9"/>
-    <p:sldId id="269" r:id="rId10"/>
-    <p:sldId id="260" r:id="rId11"/>
-    <p:sldId id="266" r:id="rId12"/>
+    <p:sldId id="272" r:id="rId3"/>
+    <p:sldId id="258" r:id="rId4"/>
+    <p:sldId id="259" r:id="rId5"/>
+    <p:sldId id="270" r:id="rId6"/>
+    <p:sldId id="263" r:id="rId7"/>
+    <p:sldId id="264" r:id="rId8"/>
+    <p:sldId id="265" r:id="rId9"/>
+    <p:sldId id="267" r:id="rId10"/>
+    <p:sldId id="269" r:id="rId11"/>
+    <p:sldId id="260" r:id="rId12"/>
+    <p:sldId id="266" r:id="rId13"/>
   </p:sldIdLst>
   <p:sldSz cx="12192000" cy="6858000"/>
   <p:notesSz cx="6858000" cy="9144000"/>
@@ -3651,6 +3652,912 @@
       </p:grpSpPr>
       <p:sp>
         <p:nvSpPr>
+          <p:cNvPr id="4" name="Pentagone 3"/>
+          <p:cNvSpPr/>
+          <p:nvPr/>
+        </p:nvSpPr>
+        <p:spPr>
+          <a:xfrm>
+            <a:off x="368300" y="3073400"/>
+            <a:ext cx="2705100" cy="1182870"/>
+          </a:xfrm>
+          <a:prstGeom prst="homePlate">
+            <a:avLst/>
+          </a:prstGeom>
+        </p:spPr>
+        <p:style>
+          <a:lnRef idx="2">
+            <a:schemeClr val="accent2">
+              <a:shade val="50000"/>
+            </a:schemeClr>
+          </a:lnRef>
+          <a:fillRef idx="1">
+            <a:schemeClr val="accent2"/>
+          </a:fillRef>
+          <a:effectRef idx="0">
+            <a:schemeClr val="accent2"/>
+          </a:effectRef>
+          <a:fontRef idx="minor">
+            <a:schemeClr val="lt1"/>
+          </a:fontRef>
+        </p:style>
+        <p:txBody>
+          <a:bodyPr rtlCol="0" anchor="ctr"/>
+          <a:lstStyle/>
+          <a:p>
+            <a:pPr algn="ctr"/>
+            <a:r>
+              <a:rPr lang="en-US" sz="3600" dirty="0">
+                <a:latin typeface="Lucida Console" panose="020B0609040504020204" pitchFamily="49" charset="0"/>
+              </a:rPr>
+              <a:t>input$</a:t>
+            </a:r>
+          </a:p>
+          <a:p>
+            <a:pPr algn="ctr"/>
+            <a:r>
+              <a:rPr lang="en-US" sz="3600" dirty="0" err="1">
+                <a:latin typeface="Lucida Console" panose="020B0609040504020204" pitchFamily="49" charset="0"/>
+              </a:rPr>
+              <a:t>nsample</a:t>
+            </a:r>
+            <a:endParaRPr lang="en-US" sz="3600" dirty="0">
+              <a:latin typeface="Lucida Console" panose="020B0609040504020204" pitchFamily="49" charset="0"/>
+            </a:endParaRPr>
+          </a:p>
+        </p:txBody>
+      </p:sp>
+      <p:cxnSp>
+        <p:nvCxnSpPr>
+          <p:cNvPr id="8" name="Connecteur droit avec flèche 7"/>
+          <p:cNvCxnSpPr/>
+          <p:nvPr/>
+        </p:nvCxnSpPr>
+        <p:spPr>
+          <a:xfrm>
+            <a:off x="3162925" y="3648492"/>
+            <a:ext cx="1352550" cy="0"/>
+          </a:xfrm>
+          <a:prstGeom prst="straightConnector1">
+            <a:avLst/>
+          </a:prstGeom>
+          <a:ln w="76200">
+            <a:solidFill>
+              <a:schemeClr val="tx1"/>
+            </a:solidFill>
+            <a:tailEnd type="triangle"/>
+          </a:ln>
+        </p:spPr>
+        <p:style>
+          <a:lnRef idx="1">
+            <a:schemeClr val="accent1"/>
+          </a:lnRef>
+          <a:fillRef idx="0">
+            <a:schemeClr val="accent1"/>
+          </a:fillRef>
+          <a:effectRef idx="0">
+            <a:schemeClr val="accent1"/>
+          </a:effectRef>
+          <a:fontRef idx="minor">
+            <a:schemeClr val="tx1"/>
+          </a:fontRef>
+        </p:style>
+      </p:cxnSp>
+      <p:sp>
+        <p:nvSpPr>
+          <p:cNvPr id="9" name="Pentagone 8"/>
+          <p:cNvSpPr/>
+          <p:nvPr/>
+        </p:nvSpPr>
+        <p:spPr>
+          <a:xfrm>
+            <a:off x="228600" y="5187950"/>
+            <a:ext cx="2705100" cy="1182870"/>
+          </a:xfrm>
+          <a:prstGeom prst="homePlate">
+            <a:avLst/>
+          </a:prstGeom>
+        </p:spPr>
+        <p:style>
+          <a:lnRef idx="2">
+            <a:schemeClr val="accent2">
+              <a:shade val="50000"/>
+            </a:schemeClr>
+          </a:lnRef>
+          <a:fillRef idx="1">
+            <a:schemeClr val="accent2"/>
+          </a:fillRef>
+          <a:effectRef idx="0">
+            <a:schemeClr val="accent2"/>
+          </a:effectRef>
+          <a:fontRef idx="minor">
+            <a:schemeClr val="lt1"/>
+          </a:fontRef>
+        </p:style>
+        <p:txBody>
+          <a:bodyPr rtlCol="0" anchor="ctr"/>
+          <a:lstStyle/>
+          <a:p>
+            <a:pPr algn="ctr"/>
+            <a:r>
+              <a:rPr lang="en-US" sz="3600" dirty="0">
+                <a:latin typeface="Lucida Console" panose="020B0609040504020204" pitchFamily="49" charset="0"/>
+              </a:rPr>
+              <a:t>input$</a:t>
+            </a:r>
+          </a:p>
+          <a:p>
+            <a:pPr algn="ctr"/>
+            <a:r>
+              <a:rPr lang="en-US" sz="3600" dirty="0">
+                <a:latin typeface="Lucida Console" panose="020B0609040504020204" pitchFamily="49" charset="0"/>
+              </a:rPr>
+              <a:t>color</a:t>
+            </a:r>
+          </a:p>
+        </p:txBody>
+      </p:sp>
+      <p:sp>
+        <p:nvSpPr>
+          <p:cNvPr id="15" name="Chevron 14"/>
+          <p:cNvSpPr/>
+          <p:nvPr/>
+        </p:nvSpPr>
+        <p:spPr>
+          <a:xfrm>
+            <a:off x="4286250" y="2869290"/>
+            <a:ext cx="3291174" cy="1266252"/>
+          </a:xfrm>
+          <a:prstGeom prst="chevron">
+            <a:avLst/>
+          </a:prstGeom>
+          <a:solidFill>
+            <a:schemeClr val="bg2">
+              <a:lumMod val="50000"/>
+            </a:schemeClr>
+          </a:solidFill>
+          <a:ln w="76200">
+            <a:solidFill>
+              <a:schemeClr val="accent2"/>
+            </a:solidFill>
+          </a:ln>
+        </p:spPr>
+        <p:style>
+          <a:lnRef idx="2">
+            <a:schemeClr val="dk1">
+              <a:shade val="50000"/>
+            </a:schemeClr>
+          </a:lnRef>
+          <a:fillRef idx="1">
+            <a:schemeClr val="dk1"/>
+          </a:fillRef>
+          <a:effectRef idx="0">
+            <a:schemeClr val="dk1"/>
+          </a:effectRef>
+          <a:fontRef idx="minor">
+            <a:schemeClr val="lt1"/>
+          </a:fontRef>
+        </p:style>
+        <p:txBody>
+          <a:bodyPr rtlCol="0" anchor="ctr"/>
+          <a:lstStyle/>
+          <a:p>
+            <a:pPr algn="ctr"/>
+            <a:r>
+              <a:rPr lang="en-US" sz="2000" dirty="0" err="1">
+                <a:solidFill>
+                  <a:schemeClr val="bg1"/>
+                </a:solidFill>
+                <a:latin typeface="Lucida Console" panose="020B0609040504020204" pitchFamily="49" charset="0"/>
+              </a:rPr>
+              <a:t>re_values</a:t>
+            </a:r>
+            <a:r>
+              <a:rPr lang="en-US" sz="2000" dirty="0">
+                <a:solidFill>
+                  <a:schemeClr val="bg1"/>
+                </a:solidFill>
+                <a:latin typeface="Lucida Console" panose="020B0609040504020204" pitchFamily="49" charset="0"/>
+              </a:rPr>
+              <a:t>()</a:t>
+            </a:r>
+          </a:p>
+        </p:txBody>
+      </p:sp>
+      <p:cxnSp>
+        <p:nvCxnSpPr>
+          <p:cNvPr id="17" name="Connecteur droit avec flèche 16"/>
+          <p:cNvCxnSpPr/>
+          <p:nvPr/>
+        </p:nvCxnSpPr>
+        <p:spPr>
+          <a:xfrm>
+            <a:off x="7645400" y="3498850"/>
+            <a:ext cx="1320800" cy="0"/>
+          </a:xfrm>
+          <a:prstGeom prst="straightConnector1">
+            <a:avLst/>
+          </a:prstGeom>
+          <a:ln w="76200">
+            <a:solidFill>
+              <a:schemeClr val="tx1"/>
+            </a:solidFill>
+            <a:tailEnd type="triangle"/>
+          </a:ln>
+        </p:spPr>
+        <p:style>
+          <a:lnRef idx="1">
+            <a:schemeClr val="accent1"/>
+          </a:lnRef>
+          <a:fillRef idx="0">
+            <a:schemeClr val="accent1"/>
+          </a:fillRef>
+          <a:effectRef idx="0">
+            <a:schemeClr val="accent1"/>
+          </a:effectRef>
+          <a:fontRef idx="minor">
+            <a:schemeClr val="tx1"/>
+          </a:fontRef>
+        </p:style>
+      </p:cxnSp>
+      <p:cxnSp>
+        <p:nvCxnSpPr>
+          <p:cNvPr id="24" name="Connecteur droit avec flèche 23"/>
+          <p:cNvCxnSpPr/>
+          <p:nvPr/>
+        </p:nvCxnSpPr>
+        <p:spPr>
+          <a:xfrm>
+            <a:off x="7645400" y="3498850"/>
+            <a:ext cx="1206500" cy="2114550"/>
+          </a:xfrm>
+          <a:prstGeom prst="straightConnector1">
+            <a:avLst/>
+          </a:prstGeom>
+          <a:ln w="76200">
+            <a:solidFill>
+              <a:schemeClr val="tx1"/>
+            </a:solidFill>
+            <a:tailEnd type="triangle"/>
+          </a:ln>
+        </p:spPr>
+        <p:style>
+          <a:lnRef idx="1">
+            <a:schemeClr val="accent1"/>
+          </a:lnRef>
+          <a:fillRef idx="0">
+            <a:schemeClr val="accent1"/>
+          </a:fillRef>
+          <a:effectRef idx="0">
+            <a:schemeClr val="accent1"/>
+          </a:effectRef>
+          <a:fontRef idx="minor">
+            <a:schemeClr val="tx1"/>
+          </a:fontRef>
+        </p:style>
+      </p:cxnSp>
+      <p:sp>
+        <p:nvSpPr>
+          <p:cNvPr id="28" name="Titre 9"/>
+          <p:cNvSpPr>
+            <a:spLocks noGrp="1"/>
+          </p:cNvSpPr>
+          <p:nvPr>
+            <p:ph type="title"/>
+          </p:nvPr>
+        </p:nvSpPr>
+        <p:spPr>
+          <a:xfrm>
+            <a:off x="838200" y="365125"/>
+            <a:ext cx="10515600" cy="1325563"/>
+          </a:xfrm>
+        </p:spPr>
+        <p:txBody>
+          <a:bodyPr/>
+          <a:lstStyle/>
+          <a:p>
+            <a:r>
+              <a:rPr lang="en-US" dirty="0"/>
+              <a:t>App 4 – server logic</a:t>
+            </a:r>
+          </a:p>
+        </p:txBody>
+      </p:sp>
+      <p:sp>
+        <p:nvSpPr>
+          <p:cNvPr id="16" name="Pentagone 15"/>
+          <p:cNvSpPr/>
+          <p:nvPr/>
+        </p:nvSpPr>
+        <p:spPr>
+          <a:xfrm>
+            <a:off x="368300" y="1563688"/>
+            <a:ext cx="2705100" cy="1182870"/>
+          </a:xfrm>
+          <a:prstGeom prst="homePlate">
+            <a:avLst/>
+          </a:prstGeom>
+        </p:spPr>
+        <p:style>
+          <a:lnRef idx="2">
+            <a:schemeClr val="accent2">
+              <a:shade val="50000"/>
+            </a:schemeClr>
+          </a:lnRef>
+          <a:fillRef idx="1">
+            <a:schemeClr val="accent2"/>
+          </a:fillRef>
+          <a:effectRef idx="0">
+            <a:schemeClr val="accent2"/>
+          </a:effectRef>
+          <a:fontRef idx="minor">
+            <a:schemeClr val="lt1"/>
+          </a:fontRef>
+        </p:style>
+        <p:txBody>
+          <a:bodyPr rtlCol="0" anchor="ctr"/>
+          <a:lstStyle/>
+          <a:p>
+            <a:pPr algn="ctr"/>
+            <a:r>
+              <a:rPr lang="en-US" sz="3600" dirty="0">
+                <a:latin typeface="Lucida Console" panose="020B0609040504020204" pitchFamily="49" charset="0"/>
+              </a:rPr>
+              <a:t>input$</a:t>
+            </a:r>
+          </a:p>
+          <a:p>
+            <a:pPr algn="ctr"/>
+            <a:r>
+              <a:rPr lang="en-US" sz="3600" dirty="0">
+                <a:latin typeface="Lucida Console" panose="020B0609040504020204" pitchFamily="49" charset="0"/>
+              </a:rPr>
+              <a:t>go</a:t>
+            </a:r>
+          </a:p>
+        </p:txBody>
+      </p:sp>
+      <p:cxnSp>
+        <p:nvCxnSpPr>
+          <p:cNvPr id="19" name="Connecteur droit avec flèche 18"/>
+          <p:cNvCxnSpPr>
+            <a:endCxn id="23" idx="0"/>
+          </p:cNvCxnSpPr>
+          <p:nvPr/>
+        </p:nvCxnSpPr>
+        <p:spPr>
+          <a:xfrm>
+            <a:off x="3162925" y="2154693"/>
+            <a:ext cx="1821977" cy="714597"/>
+          </a:xfrm>
+          <a:prstGeom prst="bentConnector2">
+            <a:avLst/>
+          </a:prstGeom>
+          <a:ln w="76200">
+            <a:solidFill>
+              <a:schemeClr val="tx1"/>
+            </a:solidFill>
+            <a:tailEnd type="triangle"/>
+          </a:ln>
+        </p:spPr>
+        <p:style>
+          <a:lnRef idx="1">
+            <a:schemeClr val="accent1"/>
+          </a:lnRef>
+          <a:fillRef idx="0">
+            <a:schemeClr val="accent1"/>
+          </a:fillRef>
+          <a:effectRef idx="0">
+            <a:schemeClr val="accent1"/>
+          </a:effectRef>
+          <a:fontRef idx="minor">
+            <a:schemeClr val="tx1"/>
+          </a:fontRef>
+        </p:style>
+      </p:cxnSp>
+      <p:grpSp>
+        <p:nvGrpSpPr>
+          <p:cNvPr id="26" name="Groupe 25"/>
+          <p:cNvGrpSpPr/>
+          <p:nvPr/>
+        </p:nvGrpSpPr>
+        <p:grpSpPr>
+          <a:xfrm>
+            <a:off x="8540750" y="2746558"/>
+            <a:ext cx="3493957" cy="1388984"/>
+            <a:chOff x="4622800" y="2552700"/>
+            <a:chExt cx="3263900" cy="850900"/>
+          </a:xfrm>
+        </p:grpSpPr>
+        <p:sp>
+          <p:nvSpPr>
+            <p:cNvPr id="27" name="Organigramme : Délai 26"/>
+            <p:cNvSpPr/>
+            <p:nvPr/>
+          </p:nvSpPr>
+          <p:spPr>
+            <a:xfrm>
+              <a:off x="6866120" y="2552700"/>
+              <a:ext cx="1020580" cy="850900"/>
+            </a:xfrm>
+            <a:prstGeom prst="flowChartDelay">
+              <a:avLst/>
+            </a:prstGeom>
+            <a:ln>
+              <a:solidFill>
+                <a:schemeClr val="accent6"/>
+              </a:solidFill>
+            </a:ln>
+          </p:spPr>
+          <p:style>
+            <a:lnRef idx="2">
+              <a:schemeClr val="accent6">
+                <a:shade val="50000"/>
+              </a:schemeClr>
+            </a:lnRef>
+            <a:fillRef idx="1">
+              <a:schemeClr val="accent6"/>
+            </a:fillRef>
+            <a:effectRef idx="0">
+              <a:schemeClr val="accent6"/>
+            </a:effectRef>
+            <a:fontRef idx="minor">
+              <a:schemeClr val="lt1"/>
+            </a:fontRef>
+          </p:style>
+          <p:txBody>
+            <a:bodyPr rtlCol="0" anchor="ctr"/>
+            <a:lstStyle/>
+            <a:p>
+              <a:pPr algn="ctr"/>
+              <a:endParaRPr lang="en-US" sz="2000"/>
+            </a:p>
+          </p:txBody>
+        </p:sp>
+        <p:sp>
+          <p:nvSpPr>
+            <p:cNvPr id="29" name="Chevron 28"/>
+            <p:cNvSpPr/>
+            <p:nvPr/>
+          </p:nvSpPr>
+          <p:spPr>
+            <a:xfrm>
+              <a:off x="4622800" y="2552700"/>
+              <a:ext cx="3200400" cy="850900"/>
+            </a:xfrm>
+            <a:prstGeom prst="chevron">
+              <a:avLst/>
+            </a:prstGeom>
+            <a:ln>
+              <a:solidFill>
+                <a:schemeClr val="accent6"/>
+              </a:solidFill>
+            </a:ln>
+          </p:spPr>
+          <p:style>
+            <a:lnRef idx="2">
+              <a:schemeClr val="accent6">
+                <a:shade val="50000"/>
+              </a:schemeClr>
+            </a:lnRef>
+            <a:fillRef idx="1">
+              <a:schemeClr val="accent6"/>
+            </a:fillRef>
+            <a:effectRef idx="0">
+              <a:schemeClr val="accent6"/>
+            </a:effectRef>
+            <a:fontRef idx="minor">
+              <a:schemeClr val="lt1"/>
+            </a:fontRef>
+          </p:style>
+          <p:txBody>
+            <a:bodyPr rtlCol="0" anchor="ctr"/>
+            <a:lstStyle/>
+            <a:p>
+              <a:pPr algn="ctr"/>
+              <a:r>
+                <a:rPr lang="en-US" sz="3200" dirty="0">
+                  <a:solidFill>
+                    <a:schemeClr val="bg1"/>
+                  </a:solidFill>
+                  <a:latin typeface="Lucida Console" panose="020B0609040504020204" pitchFamily="49" charset="0"/>
+                </a:rPr>
+                <a:t>output$</a:t>
+              </a:r>
+            </a:p>
+            <a:p>
+              <a:pPr algn="ctr"/>
+              <a:r>
+                <a:rPr lang="en-US" sz="3200" dirty="0" err="1">
+                  <a:solidFill>
+                    <a:schemeClr val="bg1"/>
+                  </a:solidFill>
+                  <a:latin typeface="Lucida Console" panose="020B0609040504020204" pitchFamily="49" charset="0"/>
+                </a:rPr>
+                <a:t>moyenne</a:t>
+              </a:r>
+              <a:endParaRPr lang="en-US" sz="3200" dirty="0">
+                <a:solidFill>
+                  <a:schemeClr val="bg1"/>
+                </a:solidFill>
+                <a:latin typeface="Lucida Console" panose="020B0609040504020204" pitchFamily="49" charset="0"/>
+              </a:endParaRPr>
+            </a:p>
+          </p:txBody>
+        </p:sp>
+      </p:grpSp>
+      <p:grpSp>
+        <p:nvGrpSpPr>
+          <p:cNvPr id="30" name="Groupe 29"/>
+          <p:cNvGrpSpPr/>
+          <p:nvPr/>
+        </p:nvGrpSpPr>
+        <p:grpSpPr>
+          <a:xfrm>
+            <a:off x="8540750" y="4861108"/>
+            <a:ext cx="3538407" cy="1388984"/>
+            <a:chOff x="4622800" y="2552700"/>
+            <a:chExt cx="3263900" cy="850900"/>
+          </a:xfrm>
+        </p:grpSpPr>
+        <p:sp>
+          <p:nvSpPr>
+            <p:cNvPr id="31" name="Organigramme : Délai 30"/>
+            <p:cNvSpPr/>
+            <p:nvPr/>
+          </p:nvSpPr>
+          <p:spPr>
+            <a:xfrm>
+              <a:off x="6994057" y="2552700"/>
+              <a:ext cx="892643" cy="850900"/>
+            </a:xfrm>
+            <a:prstGeom prst="flowChartDelay">
+              <a:avLst/>
+            </a:prstGeom>
+            <a:ln>
+              <a:solidFill>
+                <a:schemeClr val="accent6"/>
+              </a:solidFill>
+            </a:ln>
+          </p:spPr>
+          <p:style>
+            <a:lnRef idx="2">
+              <a:schemeClr val="accent6">
+                <a:shade val="50000"/>
+              </a:schemeClr>
+            </a:lnRef>
+            <a:fillRef idx="1">
+              <a:schemeClr val="accent6"/>
+            </a:fillRef>
+            <a:effectRef idx="0">
+              <a:schemeClr val="accent6"/>
+            </a:effectRef>
+            <a:fontRef idx="minor">
+              <a:schemeClr val="lt1"/>
+            </a:fontRef>
+          </p:style>
+          <p:txBody>
+            <a:bodyPr rtlCol="0" anchor="ctr"/>
+            <a:lstStyle/>
+            <a:p>
+              <a:pPr algn="ctr"/>
+              <a:endParaRPr lang="en-US" sz="2000"/>
+            </a:p>
+          </p:txBody>
+        </p:sp>
+        <p:sp>
+          <p:nvSpPr>
+            <p:cNvPr id="32" name="Chevron 31"/>
+            <p:cNvSpPr/>
+            <p:nvPr/>
+          </p:nvSpPr>
+          <p:spPr>
+            <a:xfrm>
+              <a:off x="4622800" y="2552700"/>
+              <a:ext cx="3200400" cy="850900"/>
+            </a:xfrm>
+            <a:prstGeom prst="chevron">
+              <a:avLst/>
+            </a:prstGeom>
+            <a:ln>
+              <a:solidFill>
+                <a:schemeClr val="accent6"/>
+              </a:solidFill>
+            </a:ln>
+          </p:spPr>
+          <p:style>
+            <a:lnRef idx="2">
+              <a:schemeClr val="accent6">
+                <a:shade val="50000"/>
+              </a:schemeClr>
+            </a:lnRef>
+            <a:fillRef idx="1">
+              <a:schemeClr val="accent6"/>
+            </a:fillRef>
+            <a:effectRef idx="0">
+              <a:schemeClr val="accent6"/>
+            </a:effectRef>
+            <a:fontRef idx="minor">
+              <a:schemeClr val="lt1"/>
+            </a:fontRef>
+          </p:style>
+          <p:txBody>
+            <a:bodyPr rtlCol="0" anchor="ctr"/>
+            <a:lstStyle/>
+            <a:p>
+              <a:pPr algn="ctr"/>
+              <a:r>
+                <a:rPr lang="en-US" sz="3200" dirty="0">
+                  <a:solidFill>
+                    <a:schemeClr val="bg1"/>
+                  </a:solidFill>
+                  <a:latin typeface="Lucida Console" panose="020B0609040504020204" pitchFamily="49" charset="0"/>
+                </a:rPr>
+                <a:t>output$</a:t>
+              </a:r>
+            </a:p>
+            <a:p>
+              <a:pPr algn="ctr"/>
+              <a:r>
+                <a:rPr lang="en-US" sz="3200" dirty="0" err="1">
+                  <a:solidFill>
+                    <a:schemeClr val="bg1"/>
+                  </a:solidFill>
+                  <a:latin typeface="Lucida Console" panose="020B0609040504020204" pitchFamily="49" charset="0"/>
+                </a:rPr>
+                <a:t>distrib</a:t>
+              </a:r>
+              <a:endParaRPr lang="en-US" sz="3200" dirty="0">
+                <a:solidFill>
+                  <a:schemeClr val="bg1"/>
+                </a:solidFill>
+                <a:latin typeface="Lucida Console" panose="020B0609040504020204" pitchFamily="49" charset="0"/>
+              </a:endParaRPr>
+            </a:p>
+          </p:txBody>
+        </p:sp>
+      </p:grpSp>
+      <p:cxnSp>
+        <p:nvCxnSpPr>
+          <p:cNvPr id="20" name="Connecteur droit avec flèche 19"/>
+          <p:cNvCxnSpPr/>
+          <p:nvPr/>
+        </p:nvCxnSpPr>
+        <p:spPr>
+          <a:xfrm flipV="1">
+            <a:off x="5867400" y="5748312"/>
+            <a:ext cx="2813050" cy="19050"/>
+          </a:xfrm>
+          <a:prstGeom prst="straightConnector1">
+            <a:avLst/>
+          </a:prstGeom>
+          <a:ln w="76200">
+            <a:solidFill>
+              <a:schemeClr val="tx1"/>
+            </a:solidFill>
+            <a:tailEnd type="triangle"/>
+          </a:ln>
+        </p:spPr>
+        <p:style>
+          <a:lnRef idx="1">
+            <a:schemeClr val="accent1"/>
+          </a:lnRef>
+          <a:fillRef idx="0">
+            <a:schemeClr val="accent1"/>
+          </a:fillRef>
+          <a:effectRef idx="0">
+            <a:schemeClr val="accent1"/>
+          </a:effectRef>
+          <a:fontRef idx="minor">
+            <a:schemeClr val="tx1"/>
+          </a:fontRef>
+        </p:style>
+      </p:cxnSp>
+      <p:cxnSp>
+        <p:nvCxnSpPr>
+          <p:cNvPr id="21" name="Connecteur droit avec flèche 20"/>
+          <p:cNvCxnSpPr/>
+          <p:nvPr/>
+        </p:nvCxnSpPr>
+        <p:spPr>
+          <a:xfrm flipV="1">
+            <a:off x="3073400" y="5767362"/>
+            <a:ext cx="2546350" cy="9526"/>
+          </a:xfrm>
+          <a:prstGeom prst="straightConnector1">
+            <a:avLst/>
+          </a:prstGeom>
+          <a:ln w="76200">
+            <a:solidFill>
+              <a:schemeClr val="tx1"/>
+            </a:solidFill>
+            <a:headEnd type="none" w="med" len="med"/>
+            <a:tailEnd type="none" w="med" len="med"/>
+          </a:ln>
+        </p:spPr>
+        <p:style>
+          <a:lnRef idx="1">
+            <a:schemeClr val="accent1"/>
+          </a:lnRef>
+          <a:fillRef idx="0">
+            <a:schemeClr val="accent1"/>
+          </a:fillRef>
+          <a:effectRef idx="0">
+            <a:schemeClr val="accent1"/>
+          </a:effectRef>
+          <a:fontRef idx="minor">
+            <a:schemeClr val="tx1"/>
+          </a:fontRef>
+        </p:style>
+      </p:cxnSp>
+      <p:cxnSp>
+        <p:nvCxnSpPr>
+          <p:cNvPr id="22" name="Connecteur droit avec flèche 21"/>
+          <p:cNvCxnSpPr/>
+          <p:nvPr/>
+        </p:nvCxnSpPr>
+        <p:spPr>
+          <a:xfrm flipV="1">
+            <a:off x="5416550" y="5484787"/>
+            <a:ext cx="406400" cy="527050"/>
+          </a:xfrm>
+          <a:prstGeom prst="straightConnector1">
+            <a:avLst/>
+          </a:prstGeom>
+          <a:ln w="76200">
+            <a:solidFill>
+              <a:schemeClr val="tx1"/>
+            </a:solidFill>
+            <a:headEnd type="none" w="med" len="med"/>
+            <a:tailEnd type="none" w="med" len="med"/>
+          </a:ln>
+        </p:spPr>
+        <p:style>
+          <a:lnRef idx="1">
+            <a:schemeClr val="accent1"/>
+          </a:lnRef>
+          <a:fillRef idx="0">
+            <a:schemeClr val="accent1"/>
+          </a:fillRef>
+          <a:effectRef idx="0">
+            <a:schemeClr val="accent1"/>
+          </a:effectRef>
+          <a:fontRef idx="minor">
+            <a:schemeClr val="tx1"/>
+          </a:fontRef>
+        </p:style>
+      </p:cxnSp>
+      <p:cxnSp>
+        <p:nvCxnSpPr>
+          <p:cNvPr id="25" name="Connecteur droit avec flèche 24"/>
+          <p:cNvCxnSpPr/>
+          <p:nvPr/>
+        </p:nvCxnSpPr>
+        <p:spPr>
+          <a:xfrm flipV="1">
+            <a:off x="5664200" y="5484787"/>
+            <a:ext cx="406400" cy="527050"/>
+          </a:xfrm>
+          <a:prstGeom prst="straightConnector1">
+            <a:avLst/>
+          </a:prstGeom>
+          <a:ln w="76200">
+            <a:solidFill>
+              <a:schemeClr val="tx1"/>
+            </a:solidFill>
+            <a:headEnd type="none" w="med" len="med"/>
+            <a:tailEnd type="none" w="med" len="med"/>
+          </a:ln>
+        </p:spPr>
+        <p:style>
+          <a:lnRef idx="1">
+            <a:schemeClr val="accent1"/>
+          </a:lnRef>
+          <a:fillRef idx="0">
+            <a:schemeClr val="accent1"/>
+          </a:fillRef>
+          <a:effectRef idx="0">
+            <a:schemeClr val="accent1"/>
+          </a:effectRef>
+          <a:fontRef idx="minor">
+            <a:schemeClr val="tx1"/>
+          </a:fontRef>
+        </p:style>
+      </p:cxnSp>
+      <p:sp>
+        <p:nvSpPr>
+          <p:cNvPr id="3" name="ZoneTexte 2"/>
+          <p:cNvSpPr txBox="1"/>
+          <p:nvPr/>
+        </p:nvSpPr>
+        <p:spPr>
+          <a:xfrm>
+            <a:off x="5149012" y="5993993"/>
+            <a:ext cx="941476" cy="369332"/>
+          </a:xfrm>
+          <a:prstGeom prst="rect">
+            <a:avLst/>
+          </a:prstGeom>
+          <a:noFill/>
+        </p:spPr>
+        <p:txBody>
+          <a:bodyPr wrap="none" rtlCol="0">
+            <a:spAutoFit/>
+          </a:bodyPr>
+          <a:lstStyle/>
+          <a:p>
+            <a:r>
+              <a:rPr lang="en-US" dirty="0"/>
+              <a:t>isolate()</a:t>
+            </a:r>
+          </a:p>
+        </p:txBody>
+      </p:sp>
+      <p:sp>
+        <p:nvSpPr>
+          <p:cNvPr id="33" name="ZoneTexte 32"/>
+          <p:cNvSpPr txBox="1"/>
+          <p:nvPr/>
+        </p:nvSpPr>
+        <p:spPr>
+          <a:xfrm>
+            <a:off x="5429165" y="2511991"/>
+            <a:ext cx="1646028" cy="369332"/>
+          </a:xfrm>
+          <a:prstGeom prst="rect">
+            <a:avLst/>
+          </a:prstGeom>
+          <a:noFill/>
+        </p:spPr>
+        <p:txBody>
+          <a:bodyPr wrap="none" rtlCol="0">
+            <a:spAutoFit/>
+          </a:bodyPr>
+          <a:lstStyle/>
+          <a:p>
+            <a:r>
+              <a:rPr lang="en-US" dirty="0" err="1"/>
+              <a:t>eventReactive</a:t>
+            </a:r>
+            <a:r>
+              <a:rPr lang="en-US" dirty="0"/>
+              <a:t>()</a:t>
+            </a:r>
+          </a:p>
+        </p:txBody>
+      </p:sp>
+    </p:spTree>
+    <p:extLst>
+      <p:ext uri="{BB962C8B-B14F-4D97-AF65-F5344CB8AC3E}">
+        <p14:creationId xmlns:p14="http://schemas.microsoft.com/office/powerpoint/2010/main" val="1493032203"/>
+      </p:ext>
+    </p:extLst>
+  </p:cSld>
+  <p:clrMapOvr>
+    <a:masterClrMapping/>
+  </p:clrMapOvr>
+</p:sld>
+</file>
+
+<file path=ppt/slides/slide11.xml><?xml version="1.0" encoding="utf-8"?>
+<p:sld xmlns:a="http://schemas.openxmlformats.org/drawingml/2006/main" xmlns:r="http://schemas.openxmlformats.org/officeDocument/2006/relationships" xmlns:p="http://schemas.openxmlformats.org/presentationml/2006/main">
+  <p:cSld>
+    <p:spTree>
+      <p:nvGrpSpPr>
+        <p:cNvPr id="1" name=""/>
+        <p:cNvGrpSpPr/>
+        <p:nvPr/>
+      </p:nvGrpSpPr>
+      <p:grpSpPr>
+        <a:xfrm>
+          <a:off x="0" y="0"/>
+          <a:ext cx="0" cy="0"/>
+          <a:chOff x="0" y="0"/>
+          <a:chExt cx="0" cy="0"/>
+        </a:xfrm>
+      </p:grpSpPr>
+      <p:sp>
+        <p:nvSpPr>
           <p:cNvPr id="4" name="Rectangle 3"/>
           <p:cNvSpPr/>
           <p:nvPr/>
@@ -4908,7 +5815,7 @@
 </p:sld>
 </file>
 
-<file path=ppt/slides/slide11.xml><?xml version="1.0" encoding="utf-8"?>
+<file path=ppt/slides/slide12.xml><?xml version="1.0" encoding="utf-8"?>
 <p:sld xmlns:a="http://schemas.openxmlformats.org/drawingml/2006/main" xmlns:r="http://schemas.openxmlformats.org/officeDocument/2006/relationships" xmlns:p="http://schemas.openxmlformats.org/presentationml/2006/main">
   <p:cSld>
     <p:spTree>
@@ -6888,6 +7795,906 @@
 </file>
 
 <file path=ppt/slides/slide2.xml><?xml version="1.0" encoding="utf-8"?>
+<p:sld xmlns:a="http://schemas.openxmlformats.org/drawingml/2006/main" xmlns:r="http://schemas.openxmlformats.org/officeDocument/2006/relationships" xmlns:p="http://schemas.openxmlformats.org/presentationml/2006/main">
+  <p:cSld>
+    <p:spTree>
+      <p:nvGrpSpPr>
+        <p:cNvPr id="1" name=""/>
+        <p:cNvGrpSpPr/>
+        <p:nvPr/>
+      </p:nvGrpSpPr>
+      <p:grpSpPr>
+        <a:xfrm>
+          <a:off x="0" y="0"/>
+          <a:ext cx="0" cy="0"/>
+          <a:chOff x="0" y="0"/>
+          <a:chExt cx="0" cy="0"/>
+        </a:xfrm>
+      </p:grpSpPr>
+      <p:sp>
+        <p:nvSpPr>
+          <p:cNvPr id="4" name="Rectangle 3"/>
+          <p:cNvSpPr/>
+          <p:nvPr/>
+        </p:nvSpPr>
+        <p:spPr>
+          <a:xfrm>
+            <a:off x="4533362" y="1619251"/>
+            <a:ext cx="1996226" cy="2180017"/>
+          </a:xfrm>
+          <a:prstGeom prst="rect">
+            <a:avLst/>
+          </a:prstGeom>
+        </p:spPr>
+        <p:style>
+          <a:lnRef idx="2">
+            <a:schemeClr val="accent1">
+              <a:shade val="50000"/>
+            </a:schemeClr>
+          </a:lnRef>
+          <a:fillRef idx="1">
+            <a:schemeClr val="accent1"/>
+          </a:fillRef>
+          <a:effectRef idx="0">
+            <a:schemeClr val="accent1"/>
+          </a:effectRef>
+          <a:fontRef idx="minor">
+            <a:schemeClr val="lt1"/>
+          </a:fontRef>
+        </p:style>
+        <p:txBody>
+          <a:bodyPr rtlCol="0" anchor="ctr"/>
+          <a:lstStyle/>
+          <a:p>
+            <a:pPr algn="ctr"/>
+            <a:r>
+              <a:rPr lang="en-US" sz="3600" dirty="0"/>
+              <a:t>CENTRAL</a:t>
+            </a:r>
+          </a:p>
+        </p:txBody>
+      </p:sp>
+      <p:sp>
+        <p:nvSpPr>
+          <p:cNvPr id="5" name="Rectangle 4"/>
+          <p:cNvSpPr/>
+          <p:nvPr/>
+        </p:nvSpPr>
+        <p:spPr>
+          <a:xfrm>
+            <a:off x="7866844" y="1619250"/>
+            <a:ext cx="1996226" cy="2180017"/>
+          </a:xfrm>
+          <a:prstGeom prst="rect">
+            <a:avLst/>
+          </a:prstGeom>
+        </p:spPr>
+        <p:style>
+          <a:lnRef idx="2">
+            <a:schemeClr val="accent1">
+              <a:shade val="50000"/>
+            </a:schemeClr>
+          </a:lnRef>
+          <a:fillRef idx="1">
+            <a:schemeClr val="accent1"/>
+          </a:fillRef>
+          <a:effectRef idx="0">
+            <a:schemeClr val="accent1"/>
+          </a:effectRef>
+          <a:fontRef idx="minor">
+            <a:schemeClr val="lt1"/>
+          </a:fontRef>
+        </p:style>
+        <p:txBody>
+          <a:bodyPr rtlCol="0" anchor="ctr"/>
+          <a:lstStyle/>
+          <a:p>
+            <a:pPr algn="ctr"/>
+            <a:r>
+              <a:rPr lang="en-US" sz="3600" dirty="0"/>
+              <a:t>PERIPH</a:t>
+            </a:r>
+          </a:p>
+        </p:txBody>
+      </p:sp>
+      <p:sp>
+        <p:nvSpPr>
+          <p:cNvPr id="6" name="Rectangle 5"/>
+          <p:cNvSpPr/>
+          <p:nvPr/>
+        </p:nvSpPr>
+        <p:spPr>
+          <a:xfrm>
+            <a:off x="1219197" y="1619250"/>
+            <a:ext cx="1996226" cy="2180017"/>
+          </a:xfrm>
+          <a:prstGeom prst="rect">
+            <a:avLst/>
+          </a:prstGeom>
+        </p:spPr>
+        <p:style>
+          <a:lnRef idx="2">
+            <a:schemeClr val="accent1">
+              <a:shade val="50000"/>
+            </a:schemeClr>
+          </a:lnRef>
+          <a:fillRef idx="1">
+            <a:schemeClr val="accent1"/>
+          </a:fillRef>
+          <a:effectRef idx="0">
+            <a:schemeClr val="accent1"/>
+          </a:effectRef>
+          <a:fontRef idx="minor">
+            <a:schemeClr val="lt1"/>
+          </a:fontRef>
+        </p:style>
+        <p:txBody>
+          <a:bodyPr rtlCol="0" anchor="ctr"/>
+          <a:lstStyle/>
+          <a:p>
+            <a:pPr algn="ctr"/>
+            <a:r>
+              <a:rPr lang="en-US" sz="3600" dirty="0"/>
+              <a:t>DEPOT</a:t>
+            </a:r>
+          </a:p>
+        </p:txBody>
+      </p:sp>
+      <p:sp>
+        <p:nvSpPr>
+          <p:cNvPr id="7" name="Flèche vers le bas 6"/>
+          <p:cNvSpPr/>
+          <p:nvPr/>
+        </p:nvSpPr>
+        <p:spPr>
+          <a:xfrm rot="16200000">
+            <a:off x="3682696" y="2311125"/>
+            <a:ext cx="387266" cy="970550"/>
+          </a:xfrm>
+          <a:prstGeom prst="downArrow">
+            <a:avLst/>
+          </a:prstGeom>
+        </p:spPr>
+        <p:style>
+          <a:lnRef idx="2">
+            <a:schemeClr val="accent1">
+              <a:shade val="50000"/>
+            </a:schemeClr>
+          </a:lnRef>
+          <a:fillRef idx="1">
+            <a:schemeClr val="accent1"/>
+          </a:fillRef>
+          <a:effectRef idx="0">
+            <a:schemeClr val="accent1"/>
+          </a:effectRef>
+          <a:fontRef idx="minor">
+            <a:schemeClr val="lt1"/>
+          </a:fontRef>
+        </p:style>
+        <p:txBody>
+          <a:bodyPr rtlCol="0" anchor="ctr"/>
+          <a:lstStyle/>
+          <a:p>
+            <a:pPr algn="ctr"/>
+            <a:endParaRPr lang="en-US"/>
+          </a:p>
+        </p:txBody>
+      </p:sp>
+      <p:sp>
+        <p:nvSpPr>
+          <p:cNvPr id="9" name="Double flèche verticale 8"/>
+          <p:cNvSpPr/>
+          <p:nvPr/>
+        </p:nvSpPr>
+        <p:spPr>
+          <a:xfrm rot="16200000">
+            <a:off x="6935275" y="2199168"/>
+            <a:ext cx="525882" cy="1194462"/>
+          </a:xfrm>
+          <a:prstGeom prst="upDownArrow">
+            <a:avLst/>
+          </a:prstGeom>
+        </p:spPr>
+        <p:style>
+          <a:lnRef idx="2">
+            <a:schemeClr val="accent1">
+              <a:shade val="50000"/>
+            </a:schemeClr>
+          </a:lnRef>
+          <a:fillRef idx="1">
+            <a:schemeClr val="accent1"/>
+          </a:fillRef>
+          <a:effectRef idx="0">
+            <a:schemeClr val="accent1"/>
+          </a:effectRef>
+          <a:fontRef idx="minor">
+            <a:schemeClr val="lt1"/>
+          </a:fontRef>
+        </p:style>
+        <p:txBody>
+          <a:bodyPr rtlCol="0" anchor="ctr"/>
+          <a:lstStyle/>
+          <a:p>
+            <a:pPr algn="ctr"/>
+            <a:endParaRPr lang="en-US"/>
+          </a:p>
+        </p:txBody>
+      </p:sp>
+      <p:sp>
+        <p:nvSpPr>
+          <p:cNvPr id="10" name="Flèche vers le bas 9"/>
+          <p:cNvSpPr/>
+          <p:nvPr/>
+        </p:nvSpPr>
+        <p:spPr>
+          <a:xfrm>
+            <a:off x="5337842" y="3966079"/>
+            <a:ext cx="387266" cy="970550"/>
+          </a:xfrm>
+          <a:prstGeom prst="downArrow">
+            <a:avLst/>
+          </a:prstGeom>
+        </p:spPr>
+        <p:style>
+          <a:lnRef idx="2">
+            <a:schemeClr val="accent1">
+              <a:shade val="50000"/>
+            </a:schemeClr>
+          </a:lnRef>
+          <a:fillRef idx="1">
+            <a:schemeClr val="accent1"/>
+          </a:fillRef>
+          <a:effectRef idx="0">
+            <a:schemeClr val="accent1"/>
+          </a:effectRef>
+          <a:fontRef idx="minor">
+            <a:schemeClr val="lt1"/>
+          </a:fontRef>
+        </p:style>
+        <p:txBody>
+          <a:bodyPr rtlCol="0" anchor="ctr"/>
+          <a:lstStyle/>
+          <a:p>
+            <a:pPr algn="ctr"/>
+            <a:endParaRPr lang="en-US"/>
+          </a:p>
+        </p:txBody>
+      </p:sp>
+      <p:grpSp>
+        <p:nvGrpSpPr>
+          <p:cNvPr id="22" name="Groupe 21"/>
+          <p:cNvGrpSpPr/>
+          <p:nvPr/>
+        </p:nvGrpSpPr>
+        <p:grpSpPr>
+          <a:xfrm>
+            <a:off x="3385132" y="2005155"/>
+            <a:ext cx="6404516" cy="2653169"/>
+            <a:chOff x="3385132" y="2005155"/>
+            <a:chExt cx="6404516" cy="2653169"/>
+          </a:xfrm>
+        </p:grpSpPr>
+        <p:sp>
+          <p:nvSpPr>
+            <p:cNvPr id="11" name="ZoneTexte 10"/>
+            <p:cNvSpPr txBox="1"/>
+            <p:nvPr/>
+          </p:nvSpPr>
+          <p:spPr>
+            <a:xfrm>
+              <a:off x="3554761" y="2005155"/>
+              <a:ext cx="599844" cy="523220"/>
+            </a:xfrm>
+            <a:prstGeom prst="rect">
+              <a:avLst/>
+            </a:prstGeom>
+            <a:noFill/>
+          </p:spPr>
+          <p:txBody>
+            <a:bodyPr wrap="none" rtlCol="0">
+              <a:spAutoFit/>
+            </a:bodyPr>
+            <a:lstStyle/>
+            <a:p>
+              <a:r>
+                <a:rPr lang="en-US" sz="2800" b="1" dirty="0"/>
+                <a:t>KA</a:t>
+              </a:r>
+            </a:p>
+          </p:txBody>
+        </p:sp>
+        <p:sp>
+          <p:nvSpPr>
+            <p:cNvPr id="12" name="ZoneTexte 11"/>
+            <p:cNvSpPr txBox="1"/>
+            <p:nvPr/>
+          </p:nvSpPr>
+          <p:spPr>
+            <a:xfrm>
+              <a:off x="3385132" y="2990033"/>
+              <a:ext cx="997837" cy="523220"/>
+            </a:xfrm>
+            <a:prstGeom prst="rect">
+              <a:avLst/>
+            </a:prstGeom>
+            <a:noFill/>
+          </p:spPr>
+          <p:txBody>
+            <a:bodyPr wrap="none" rtlCol="0">
+              <a:spAutoFit/>
+            </a:bodyPr>
+            <a:lstStyle/>
+            <a:p>
+              <a:r>
+                <a:rPr lang="en-US" sz="2800" b="1" dirty="0"/>
+                <a:t>ALAG</a:t>
+              </a:r>
+            </a:p>
+          </p:txBody>
+        </p:sp>
+        <mc:AlternateContent xmlns:mc="http://schemas.openxmlformats.org/markup-compatibility/2006" xmlns:a14="http://schemas.microsoft.com/office/drawing/2010/main">
+          <mc:Choice Requires="a14">
+            <p:sp>
+              <p:nvSpPr>
+                <p:cNvPr id="13" name="ZoneTexte 12"/>
+                <p:cNvSpPr txBox="1"/>
+                <p:nvPr/>
+              </p:nvSpPr>
+              <p:spPr>
+                <a:xfrm>
+                  <a:off x="5683012" y="4135104"/>
+                  <a:ext cx="1180131" cy="523220"/>
+                </a:xfrm>
+                <a:prstGeom prst="rect">
+                  <a:avLst/>
+                </a:prstGeom>
+                <a:noFill/>
+              </p:spPr>
+              <p:txBody>
+                <a:bodyPr wrap="none" rtlCol="0">
+                  <a:spAutoFit/>
+                </a:bodyPr>
+                <a:lstStyle/>
+                <a:p>
+                  <a:r>
+                    <a:rPr lang="en-US" sz="2800" b="1" dirty="0"/>
+                    <a:t>CL </a:t>
+                  </a:r>
+                  <a14:m>
+                    <m:oMath xmlns:m="http://schemas.openxmlformats.org/officeDocument/2006/math">
+                      <m:r>
+                        <a:rPr lang="en-US" sz="2000" b="1" i="1" dirty="0" smtClean="0">
+                          <a:latin typeface="Cambria Math" panose="02040503050406030204" pitchFamily="18" charset="0"/>
+                        </a:rPr>
+                        <m:t>~</m:t>
+                      </m:r>
+                    </m:oMath>
+                  </a14:m>
+                  <a:r>
+                    <a:rPr lang="en-US" sz="2000" b="1" dirty="0"/>
+                    <a:t>SEX</a:t>
+                  </a:r>
+                  <a:endParaRPr lang="en-US" sz="2800" b="1" dirty="0"/>
+                </a:p>
+              </p:txBody>
+            </p:sp>
+          </mc:Choice>
+          <mc:Fallback xmlns="">
+            <p:sp>
+              <p:nvSpPr>
+                <p:cNvPr id="13" name="ZoneTexte 12"/>
+                <p:cNvSpPr txBox="1">
+                  <a:spLocks noRot="1" noChangeAspect="1" noMove="1" noResize="1" noEditPoints="1" noAdjustHandles="1" noChangeArrowheads="1" noChangeShapeType="1" noTextEdit="1"/>
+                </p:cNvSpPr>
+                <p:nvPr/>
+              </p:nvSpPr>
+              <p:spPr>
+                <a:xfrm>
+                  <a:off x="5683012" y="4135104"/>
+                  <a:ext cx="1180131" cy="523220"/>
+                </a:xfrm>
+                <a:prstGeom prst="rect">
+                  <a:avLst/>
+                </a:prstGeom>
+                <a:blipFill>
+                  <a:blip r:embed="rId2"/>
+                  <a:stretch>
+                    <a:fillRect l="-10309" t="-10465" r="-4639" b="-32558"/>
+                  </a:stretch>
+                </a:blipFill>
+              </p:spPr>
+              <p:txBody>
+                <a:bodyPr/>
+                <a:lstStyle/>
+                <a:p>
+                  <a:r>
+                    <a:rPr lang="en-US">
+                      <a:noFill/>
+                    </a:rPr>
+                    <a:t> </a:t>
+                  </a:r>
+                </a:p>
+              </p:txBody>
+            </p:sp>
+          </mc:Fallback>
+        </mc:AlternateContent>
+        <mc:AlternateContent xmlns:mc="http://schemas.openxmlformats.org/markup-compatibility/2006" xmlns:a14="http://schemas.microsoft.com/office/drawing/2010/main">
+          <mc:Choice Requires="a14">
+            <p:sp>
+              <p:nvSpPr>
+                <p:cNvPr id="14" name="ZoneTexte 13"/>
+                <p:cNvSpPr txBox="1"/>
+                <p:nvPr/>
+              </p:nvSpPr>
+              <p:spPr>
+                <a:xfrm>
+                  <a:off x="5313109" y="3268313"/>
+                  <a:ext cx="1218667" cy="523220"/>
+                </a:xfrm>
+                <a:prstGeom prst="rect">
+                  <a:avLst/>
+                </a:prstGeom>
+                <a:noFill/>
+              </p:spPr>
+              <p:txBody>
+                <a:bodyPr wrap="none" rtlCol="0">
+                  <a:spAutoFit/>
+                </a:bodyPr>
+                <a:lstStyle/>
+                <a:p>
+                  <a:r>
+                    <a:rPr lang="en-US" sz="2800" b="1" dirty="0"/>
+                    <a:t>VC </a:t>
+                  </a:r>
+                  <a14:m>
+                    <m:oMath xmlns:m="http://schemas.openxmlformats.org/officeDocument/2006/math">
+                      <m:r>
+                        <a:rPr lang="en-US" sz="2000" b="1" i="1" dirty="0" smtClean="0">
+                          <a:latin typeface="Cambria Math" panose="02040503050406030204" pitchFamily="18" charset="0"/>
+                        </a:rPr>
+                        <m:t>~</m:t>
+                      </m:r>
+                    </m:oMath>
+                  </a14:m>
+                  <a:r>
+                    <a:rPr lang="en-US" sz="2000" b="1" dirty="0"/>
+                    <a:t>BW</a:t>
+                  </a:r>
+                </a:p>
+              </p:txBody>
+            </p:sp>
+          </mc:Choice>
+          <mc:Fallback xmlns="">
+            <p:sp>
+              <p:nvSpPr>
+                <p:cNvPr id="14" name="ZoneTexte 13"/>
+                <p:cNvSpPr txBox="1">
+                  <a:spLocks noRot="1" noChangeAspect="1" noMove="1" noResize="1" noEditPoints="1" noAdjustHandles="1" noChangeArrowheads="1" noChangeShapeType="1" noTextEdit="1"/>
+                </p:cNvSpPr>
+                <p:nvPr/>
+              </p:nvSpPr>
+              <p:spPr>
+                <a:xfrm>
+                  <a:off x="5313109" y="3268313"/>
+                  <a:ext cx="1218667" cy="523220"/>
+                </a:xfrm>
+                <a:prstGeom prst="rect">
+                  <a:avLst/>
+                </a:prstGeom>
+                <a:blipFill>
+                  <a:blip r:embed="rId3"/>
+                  <a:stretch>
+                    <a:fillRect l="-10553" t="-10465" r="-5025" b="-32558"/>
+                  </a:stretch>
+                </a:blipFill>
+              </p:spPr>
+              <p:txBody>
+                <a:bodyPr/>
+                <a:lstStyle/>
+                <a:p>
+                  <a:r>
+                    <a:rPr lang="en-US">
+                      <a:noFill/>
+                    </a:rPr>
+                    <a:t> </a:t>
+                  </a:r>
+                </a:p>
+              </p:txBody>
+            </p:sp>
+          </mc:Fallback>
+        </mc:AlternateContent>
+        <p:sp>
+          <p:nvSpPr>
+            <p:cNvPr id="15" name="ZoneTexte 14"/>
+            <p:cNvSpPr txBox="1"/>
+            <p:nvPr/>
+          </p:nvSpPr>
+          <p:spPr>
+            <a:xfrm>
+              <a:off x="9202628" y="3245736"/>
+              <a:ext cx="587020" cy="523220"/>
+            </a:xfrm>
+            <a:prstGeom prst="rect">
+              <a:avLst/>
+            </a:prstGeom>
+            <a:noFill/>
+          </p:spPr>
+          <p:txBody>
+            <a:bodyPr wrap="none" rtlCol="0">
+              <a:spAutoFit/>
+            </a:bodyPr>
+            <a:lstStyle/>
+            <a:p>
+              <a:r>
+                <a:rPr lang="en-US" sz="2800" b="1" dirty="0"/>
+                <a:t>VP</a:t>
+              </a:r>
+            </a:p>
+          </p:txBody>
+        </p:sp>
+        <p:sp>
+          <p:nvSpPr>
+            <p:cNvPr id="16" name="ZoneTexte 15"/>
+            <p:cNvSpPr txBox="1"/>
+            <p:nvPr/>
+          </p:nvSpPr>
+          <p:spPr>
+            <a:xfrm>
+              <a:off x="6982452" y="2079544"/>
+              <a:ext cx="431528" cy="523220"/>
+            </a:xfrm>
+            <a:prstGeom prst="rect">
+              <a:avLst/>
+            </a:prstGeom>
+            <a:noFill/>
+          </p:spPr>
+          <p:txBody>
+            <a:bodyPr wrap="none" rtlCol="0">
+              <a:spAutoFit/>
+            </a:bodyPr>
+            <a:lstStyle/>
+            <a:p>
+              <a:r>
+                <a:rPr lang="en-US" sz="2800" b="1" dirty="0"/>
+                <a:t>Q</a:t>
+              </a:r>
+            </a:p>
+          </p:txBody>
+        </p:sp>
+      </p:grpSp>
+      <p:grpSp>
+        <p:nvGrpSpPr>
+          <p:cNvPr id="21" name="Groupe 20"/>
+          <p:cNvGrpSpPr/>
+          <p:nvPr/>
+        </p:nvGrpSpPr>
+        <p:grpSpPr>
+          <a:xfrm>
+            <a:off x="3470011" y="1885950"/>
+            <a:ext cx="6338229" cy="2867025"/>
+            <a:chOff x="3470011" y="1885950"/>
+            <a:chExt cx="6338229" cy="2867025"/>
+          </a:xfrm>
+        </p:grpSpPr>
+        <p:sp>
+          <p:nvSpPr>
+            <p:cNvPr id="17" name="Ellipse 16"/>
+            <p:cNvSpPr/>
+            <p:nvPr/>
+          </p:nvSpPr>
+          <p:spPr>
+            <a:xfrm>
+              <a:off x="3470011" y="1885950"/>
+              <a:ext cx="806714" cy="766158"/>
+            </a:xfrm>
+            <a:prstGeom prst="ellipse">
+              <a:avLst/>
+            </a:prstGeom>
+            <a:noFill/>
+            <a:ln w="38100">
+              <a:solidFill>
+                <a:srgbClr val="FF0000"/>
+              </a:solidFill>
+            </a:ln>
+          </p:spPr>
+          <p:style>
+            <a:lnRef idx="2">
+              <a:schemeClr val="accent1">
+                <a:shade val="50000"/>
+              </a:schemeClr>
+            </a:lnRef>
+            <a:fillRef idx="1">
+              <a:schemeClr val="accent1"/>
+            </a:fillRef>
+            <a:effectRef idx="0">
+              <a:schemeClr val="accent1"/>
+            </a:effectRef>
+            <a:fontRef idx="minor">
+              <a:schemeClr val="lt1"/>
+            </a:fontRef>
+          </p:style>
+          <p:txBody>
+            <a:bodyPr rtlCol="0" anchor="ctr"/>
+            <a:lstStyle/>
+            <a:p>
+              <a:pPr algn="ctr"/>
+              <a:endParaRPr lang="en-US"/>
+            </a:p>
+          </p:txBody>
+        </p:sp>
+        <p:sp>
+          <p:nvSpPr>
+            <p:cNvPr id="18" name="Ellipse 17"/>
+            <p:cNvSpPr/>
+            <p:nvPr/>
+          </p:nvSpPr>
+          <p:spPr>
+            <a:xfrm>
+              <a:off x="5666815" y="4127369"/>
+              <a:ext cx="619685" cy="625606"/>
+            </a:xfrm>
+            <a:prstGeom prst="ellipse">
+              <a:avLst/>
+            </a:prstGeom>
+            <a:noFill/>
+            <a:ln w="38100">
+              <a:solidFill>
+                <a:srgbClr val="FF0000"/>
+              </a:solidFill>
+            </a:ln>
+          </p:spPr>
+          <p:style>
+            <a:lnRef idx="2">
+              <a:schemeClr val="accent1">
+                <a:shade val="50000"/>
+              </a:schemeClr>
+            </a:lnRef>
+            <a:fillRef idx="1">
+              <a:schemeClr val="accent1"/>
+            </a:fillRef>
+            <a:effectRef idx="0">
+              <a:schemeClr val="accent1"/>
+            </a:effectRef>
+            <a:fontRef idx="minor">
+              <a:schemeClr val="lt1"/>
+            </a:fontRef>
+          </p:style>
+          <p:txBody>
+            <a:bodyPr rtlCol="0" anchor="ctr"/>
+            <a:lstStyle/>
+            <a:p>
+              <a:pPr algn="ctr"/>
+              <a:endParaRPr lang="en-US"/>
+            </a:p>
+          </p:txBody>
+        </p:sp>
+        <p:sp>
+          <p:nvSpPr>
+            <p:cNvPr id="19" name="Ellipse 18"/>
+            <p:cNvSpPr/>
+            <p:nvPr/>
+          </p:nvSpPr>
+          <p:spPr>
+            <a:xfrm>
+              <a:off x="5306414" y="3219519"/>
+              <a:ext cx="619685" cy="625606"/>
+            </a:xfrm>
+            <a:prstGeom prst="ellipse">
+              <a:avLst/>
+            </a:prstGeom>
+            <a:noFill/>
+            <a:ln w="38100">
+              <a:solidFill>
+                <a:srgbClr val="FF0000"/>
+              </a:solidFill>
+            </a:ln>
+          </p:spPr>
+          <p:style>
+            <a:lnRef idx="2">
+              <a:schemeClr val="accent1">
+                <a:shade val="50000"/>
+              </a:schemeClr>
+            </a:lnRef>
+            <a:fillRef idx="1">
+              <a:schemeClr val="accent1"/>
+            </a:fillRef>
+            <a:effectRef idx="0">
+              <a:schemeClr val="accent1"/>
+            </a:effectRef>
+            <a:fontRef idx="minor">
+              <a:schemeClr val="lt1"/>
+            </a:fontRef>
+          </p:style>
+          <p:txBody>
+            <a:bodyPr rtlCol="0" anchor="ctr"/>
+            <a:lstStyle/>
+            <a:p>
+              <a:pPr algn="ctr"/>
+              <a:endParaRPr lang="en-US"/>
+            </a:p>
+          </p:txBody>
+        </p:sp>
+        <p:sp>
+          <p:nvSpPr>
+            <p:cNvPr id="20" name="Ellipse 19"/>
+            <p:cNvSpPr/>
+            <p:nvPr/>
+          </p:nvSpPr>
+          <p:spPr>
+            <a:xfrm>
+              <a:off x="9188555" y="3173661"/>
+              <a:ext cx="619685" cy="625606"/>
+            </a:xfrm>
+            <a:prstGeom prst="ellipse">
+              <a:avLst/>
+            </a:prstGeom>
+            <a:noFill/>
+            <a:ln w="38100">
+              <a:solidFill>
+                <a:srgbClr val="FF0000"/>
+              </a:solidFill>
+            </a:ln>
+          </p:spPr>
+          <p:style>
+            <a:lnRef idx="2">
+              <a:schemeClr val="accent1">
+                <a:shade val="50000"/>
+              </a:schemeClr>
+            </a:lnRef>
+            <a:fillRef idx="1">
+              <a:schemeClr val="accent1"/>
+            </a:fillRef>
+            <a:effectRef idx="0">
+              <a:schemeClr val="accent1"/>
+            </a:effectRef>
+            <a:fontRef idx="minor">
+              <a:schemeClr val="lt1"/>
+            </a:fontRef>
+          </p:style>
+          <p:txBody>
+            <a:bodyPr rtlCol="0" anchor="ctr"/>
+            <a:lstStyle/>
+            <a:p>
+              <a:pPr algn="ctr"/>
+              <a:endParaRPr lang="en-US"/>
+            </a:p>
+          </p:txBody>
+        </p:sp>
+      </p:grpSp>
+    </p:spTree>
+    <p:extLst>
+      <p:ext uri="{BB962C8B-B14F-4D97-AF65-F5344CB8AC3E}">
+        <p14:creationId xmlns:p14="http://schemas.microsoft.com/office/powerpoint/2010/main" val="1164559006"/>
+      </p:ext>
+    </p:extLst>
+  </p:cSld>
+  <p:clrMapOvr>
+    <a:masterClrMapping/>
+  </p:clrMapOvr>
+  <p:timing>
+    <p:tnLst>
+      <p:par>
+        <p:cTn id="1" dur="indefinite" restart="never" nodeType="tmRoot">
+          <p:childTnLst>
+            <p:seq concurrent="1" nextAc="seek">
+              <p:cTn id="2" dur="indefinite" nodeType="mainSeq">
+                <p:childTnLst>
+                  <p:par>
+                    <p:cTn id="3" fill="hold">
+                      <p:stCondLst>
+                        <p:cond delay="indefinite"/>
+                      </p:stCondLst>
+                      <p:childTnLst>
+                        <p:par>
+                          <p:cTn id="4" fill="hold">
+                            <p:stCondLst>
+                              <p:cond delay="0"/>
+                            </p:stCondLst>
+                            <p:childTnLst>
+                              <p:par>
+                                <p:cTn id="5" presetID="1" presetClass="entr" presetSubtype="0" fill="hold" nodeType="clickEffect">
+                                  <p:stCondLst>
+                                    <p:cond delay="0"/>
+                                  </p:stCondLst>
+                                  <p:childTnLst>
+                                    <p:set>
+                                      <p:cBhvr>
+                                        <p:cTn id="6" dur="1" fill="hold">
+                                          <p:stCondLst>
+                                            <p:cond delay="0"/>
+                                          </p:stCondLst>
+                                        </p:cTn>
+                                        <p:tgtEl>
+                                          <p:spTgt spid="22"/>
+                                        </p:tgtEl>
+                                        <p:attrNameLst>
+                                          <p:attrName>style.visibility</p:attrName>
+                                        </p:attrNameLst>
+                                      </p:cBhvr>
+                                      <p:to>
+                                        <p:strVal val="visible"/>
+                                      </p:to>
+                                    </p:set>
+                                  </p:childTnLst>
+                                </p:cTn>
+                              </p:par>
+                            </p:childTnLst>
+                          </p:cTn>
+                        </p:par>
+                      </p:childTnLst>
+                    </p:cTn>
+                  </p:par>
+                  <p:par>
+                    <p:cTn id="7" fill="hold">
+                      <p:stCondLst>
+                        <p:cond delay="indefinite"/>
+                      </p:stCondLst>
+                      <p:childTnLst>
+                        <p:par>
+                          <p:cTn id="8" fill="hold">
+                            <p:stCondLst>
+                              <p:cond delay="0"/>
+                            </p:stCondLst>
+                            <p:childTnLst>
+                              <p:par>
+                                <p:cTn id="9" presetID="1" presetClass="entr" presetSubtype="0" fill="hold" nodeType="clickEffect">
+                                  <p:stCondLst>
+                                    <p:cond delay="0"/>
+                                  </p:stCondLst>
+                                  <p:childTnLst>
+                                    <p:set>
+                                      <p:cBhvr>
+                                        <p:cTn id="10" dur="1" fill="hold">
+                                          <p:stCondLst>
+                                            <p:cond delay="0"/>
+                                          </p:stCondLst>
+                                        </p:cTn>
+                                        <p:tgtEl>
+                                          <p:spTgt spid="21"/>
+                                        </p:tgtEl>
+                                        <p:attrNameLst>
+                                          <p:attrName>style.visibility</p:attrName>
+                                        </p:attrNameLst>
+                                      </p:cBhvr>
+                                      <p:to>
+                                        <p:strVal val="visible"/>
+                                      </p:to>
+                                    </p:set>
+                                  </p:childTnLst>
+                                </p:cTn>
+                              </p:par>
+                            </p:childTnLst>
+                          </p:cTn>
+                        </p:par>
+                      </p:childTnLst>
+                    </p:cTn>
+                  </p:par>
+                </p:childTnLst>
+              </p:cTn>
+              <p:prevCondLst>
+                <p:cond evt="onPrev" delay="0">
+                  <p:tgtEl>
+                    <p:sldTgt/>
+                  </p:tgtEl>
+                </p:cond>
+              </p:prevCondLst>
+              <p:nextCondLst>
+                <p:cond evt="onNext" delay="0">
+                  <p:tgtEl>
+                    <p:sldTgt/>
+                  </p:tgtEl>
+                </p:cond>
+              </p:nextCondLst>
+            </p:seq>
+          </p:childTnLst>
+        </p:cTn>
+      </p:par>
+    </p:tnLst>
+  </p:timing>
+</p:sld>
+</file>
+
+<file path=ppt/slides/slide3.xml><?xml version="1.0" encoding="utf-8"?>
 <p:sld xmlns:a="http://schemas.openxmlformats.org/drawingml/2006/main" xmlns:r="http://schemas.openxmlformats.org/officeDocument/2006/relationships" xmlns:p="http://schemas.openxmlformats.org/presentationml/2006/main">
   <p:cSld>
     <p:spTree>
@@ -7698,7 +9505,7 @@
 </p:sld>
 </file>
 
-<file path=ppt/slides/slide3.xml><?xml version="1.0" encoding="utf-8"?>
+<file path=ppt/slides/slide4.xml><?xml version="1.0" encoding="utf-8"?>
 <p:sld xmlns:a="http://schemas.openxmlformats.org/drawingml/2006/main" xmlns:r="http://schemas.openxmlformats.org/officeDocument/2006/relationships" xmlns:p="http://schemas.openxmlformats.org/presentationml/2006/main">
   <p:cSld>
     <p:spTree>
@@ -8313,7 +10120,7 @@
 </p:sld>
 </file>
 
-<file path=ppt/slides/slide4.xml><?xml version="1.0" encoding="utf-8"?>
+<file path=ppt/slides/slide5.xml><?xml version="1.0" encoding="utf-8"?>
 <p:sld xmlns:a="http://schemas.openxmlformats.org/drawingml/2006/main" xmlns:r="http://schemas.openxmlformats.org/officeDocument/2006/relationships" xmlns:p="http://schemas.openxmlformats.org/presentationml/2006/main">
   <p:cSld>
     <p:spTree>
@@ -9155,7 +10962,7 @@
 </p:sld>
 </file>
 
-<file path=ppt/slides/slide5.xml><?xml version="1.0" encoding="utf-8"?>
+<file path=ppt/slides/slide6.xml><?xml version="1.0" encoding="utf-8"?>
 <p:sld xmlns:a="http://schemas.openxmlformats.org/drawingml/2006/main" xmlns:r="http://schemas.openxmlformats.org/officeDocument/2006/relationships" xmlns:p="http://schemas.openxmlformats.org/presentationml/2006/main">
   <p:cSld>
     <p:spTree>
@@ -9431,7 +11238,7 @@
 </p:sld>
 </file>
 
-<file path=ppt/slides/slide6.xml><?xml version="1.0" encoding="utf-8"?>
+<file path=ppt/slides/slide7.xml><?xml version="1.0" encoding="utf-8"?>
 <p:sld xmlns:a="http://schemas.openxmlformats.org/drawingml/2006/main" xmlns:r="http://schemas.openxmlformats.org/officeDocument/2006/relationships" xmlns:p="http://schemas.openxmlformats.org/presentationml/2006/main">
   <p:cSld>
     <p:spTree>
@@ -9802,7 +11609,7 @@
 </p:sld>
 </file>
 
-<file path=ppt/slides/slide7.xml><?xml version="1.0" encoding="utf-8"?>
+<file path=ppt/slides/slide8.xml><?xml version="1.0" encoding="utf-8"?>
 <p:sld xmlns:a="http://schemas.openxmlformats.org/drawingml/2006/main" xmlns:r="http://schemas.openxmlformats.org/officeDocument/2006/relationships" xmlns:p="http://schemas.openxmlformats.org/presentationml/2006/main">
   <p:cSld>
     <p:spTree>
@@ -10467,7 +12274,7 @@
 </p:sld>
 </file>
 
-<file path=ppt/slides/slide8.xml><?xml version="1.0" encoding="utf-8"?>
+<file path=ppt/slides/slide9.xml><?xml version="1.0" encoding="utf-8"?>
 <p:sld xmlns:a="http://schemas.openxmlformats.org/drawingml/2006/main" xmlns:r="http://schemas.openxmlformats.org/officeDocument/2006/relationships" xmlns:p="http://schemas.openxmlformats.org/presentationml/2006/main">
   <p:cSld>
     <p:spTree>
@@ -11222,912 +13029,6 @@
     <p:extLst>
       <p:ext uri="{BB962C8B-B14F-4D97-AF65-F5344CB8AC3E}">
         <p14:creationId xmlns:p14="http://schemas.microsoft.com/office/powerpoint/2010/main" val="3581112690"/>
-      </p:ext>
-    </p:extLst>
-  </p:cSld>
-  <p:clrMapOvr>
-    <a:masterClrMapping/>
-  </p:clrMapOvr>
-</p:sld>
-</file>
-
-<file path=ppt/slides/slide9.xml><?xml version="1.0" encoding="utf-8"?>
-<p:sld xmlns:a="http://schemas.openxmlformats.org/drawingml/2006/main" xmlns:r="http://schemas.openxmlformats.org/officeDocument/2006/relationships" xmlns:p="http://schemas.openxmlformats.org/presentationml/2006/main">
-  <p:cSld>
-    <p:spTree>
-      <p:nvGrpSpPr>
-        <p:cNvPr id="1" name=""/>
-        <p:cNvGrpSpPr/>
-        <p:nvPr/>
-      </p:nvGrpSpPr>
-      <p:grpSpPr>
-        <a:xfrm>
-          <a:off x="0" y="0"/>
-          <a:ext cx="0" cy="0"/>
-          <a:chOff x="0" y="0"/>
-          <a:chExt cx="0" cy="0"/>
-        </a:xfrm>
-      </p:grpSpPr>
-      <p:sp>
-        <p:nvSpPr>
-          <p:cNvPr id="4" name="Pentagone 3"/>
-          <p:cNvSpPr/>
-          <p:nvPr/>
-        </p:nvSpPr>
-        <p:spPr>
-          <a:xfrm>
-            <a:off x="368300" y="3073400"/>
-            <a:ext cx="2705100" cy="1182870"/>
-          </a:xfrm>
-          <a:prstGeom prst="homePlate">
-            <a:avLst/>
-          </a:prstGeom>
-        </p:spPr>
-        <p:style>
-          <a:lnRef idx="2">
-            <a:schemeClr val="accent2">
-              <a:shade val="50000"/>
-            </a:schemeClr>
-          </a:lnRef>
-          <a:fillRef idx="1">
-            <a:schemeClr val="accent2"/>
-          </a:fillRef>
-          <a:effectRef idx="0">
-            <a:schemeClr val="accent2"/>
-          </a:effectRef>
-          <a:fontRef idx="minor">
-            <a:schemeClr val="lt1"/>
-          </a:fontRef>
-        </p:style>
-        <p:txBody>
-          <a:bodyPr rtlCol="0" anchor="ctr"/>
-          <a:lstStyle/>
-          <a:p>
-            <a:pPr algn="ctr"/>
-            <a:r>
-              <a:rPr lang="en-US" sz="3600" dirty="0">
-                <a:latin typeface="Lucida Console" panose="020B0609040504020204" pitchFamily="49" charset="0"/>
-              </a:rPr>
-              <a:t>input$</a:t>
-            </a:r>
-          </a:p>
-          <a:p>
-            <a:pPr algn="ctr"/>
-            <a:r>
-              <a:rPr lang="en-US" sz="3600" dirty="0" err="1">
-                <a:latin typeface="Lucida Console" panose="020B0609040504020204" pitchFamily="49" charset="0"/>
-              </a:rPr>
-              <a:t>nsample</a:t>
-            </a:r>
-            <a:endParaRPr lang="en-US" sz="3600" dirty="0">
-              <a:latin typeface="Lucida Console" panose="020B0609040504020204" pitchFamily="49" charset="0"/>
-            </a:endParaRPr>
-          </a:p>
-        </p:txBody>
-      </p:sp>
-      <p:cxnSp>
-        <p:nvCxnSpPr>
-          <p:cNvPr id="8" name="Connecteur droit avec flèche 7"/>
-          <p:cNvCxnSpPr/>
-          <p:nvPr/>
-        </p:nvCxnSpPr>
-        <p:spPr>
-          <a:xfrm>
-            <a:off x="3162925" y="3648492"/>
-            <a:ext cx="1352550" cy="0"/>
-          </a:xfrm>
-          <a:prstGeom prst="straightConnector1">
-            <a:avLst/>
-          </a:prstGeom>
-          <a:ln w="76200">
-            <a:solidFill>
-              <a:schemeClr val="tx1"/>
-            </a:solidFill>
-            <a:tailEnd type="triangle"/>
-          </a:ln>
-        </p:spPr>
-        <p:style>
-          <a:lnRef idx="1">
-            <a:schemeClr val="accent1"/>
-          </a:lnRef>
-          <a:fillRef idx="0">
-            <a:schemeClr val="accent1"/>
-          </a:fillRef>
-          <a:effectRef idx="0">
-            <a:schemeClr val="accent1"/>
-          </a:effectRef>
-          <a:fontRef idx="minor">
-            <a:schemeClr val="tx1"/>
-          </a:fontRef>
-        </p:style>
-      </p:cxnSp>
-      <p:sp>
-        <p:nvSpPr>
-          <p:cNvPr id="9" name="Pentagone 8"/>
-          <p:cNvSpPr/>
-          <p:nvPr/>
-        </p:nvSpPr>
-        <p:spPr>
-          <a:xfrm>
-            <a:off x="228600" y="5187950"/>
-            <a:ext cx="2705100" cy="1182870"/>
-          </a:xfrm>
-          <a:prstGeom prst="homePlate">
-            <a:avLst/>
-          </a:prstGeom>
-        </p:spPr>
-        <p:style>
-          <a:lnRef idx="2">
-            <a:schemeClr val="accent2">
-              <a:shade val="50000"/>
-            </a:schemeClr>
-          </a:lnRef>
-          <a:fillRef idx="1">
-            <a:schemeClr val="accent2"/>
-          </a:fillRef>
-          <a:effectRef idx="0">
-            <a:schemeClr val="accent2"/>
-          </a:effectRef>
-          <a:fontRef idx="minor">
-            <a:schemeClr val="lt1"/>
-          </a:fontRef>
-        </p:style>
-        <p:txBody>
-          <a:bodyPr rtlCol="0" anchor="ctr"/>
-          <a:lstStyle/>
-          <a:p>
-            <a:pPr algn="ctr"/>
-            <a:r>
-              <a:rPr lang="en-US" sz="3600" dirty="0">
-                <a:latin typeface="Lucida Console" panose="020B0609040504020204" pitchFamily="49" charset="0"/>
-              </a:rPr>
-              <a:t>input$</a:t>
-            </a:r>
-          </a:p>
-          <a:p>
-            <a:pPr algn="ctr"/>
-            <a:r>
-              <a:rPr lang="en-US" sz="3600" dirty="0">
-                <a:latin typeface="Lucida Console" panose="020B0609040504020204" pitchFamily="49" charset="0"/>
-              </a:rPr>
-              <a:t>color</a:t>
-            </a:r>
-          </a:p>
-        </p:txBody>
-      </p:sp>
-      <p:sp>
-        <p:nvSpPr>
-          <p:cNvPr id="15" name="Chevron 14"/>
-          <p:cNvSpPr/>
-          <p:nvPr/>
-        </p:nvSpPr>
-        <p:spPr>
-          <a:xfrm>
-            <a:off x="4286250" y="2869290"/>
-            <a:ext cx="3291174" cy="1266252"/>
-          </a:xfrm>
-          <a:prstGeom prst="chevron">
-            <a:avLst/>
-          </a:prstGeom>
-          <a:solidFill>
-            <a:schemeClr val="bg2">
-              <a:lumMod val="50000"/>
-            </a:schemeClr>
-          </a:solidFill>
-          <a:ln w="76200">
-            <a:solidFill>
-              <a:schemeClr val="accent2"/>
-            </a:solidFill>
-          </a:ln>
-        </p:spPr>
-        <p:style>
-          <a:lnRef idx="2">
-            <a:schemeClr val="dk1">
-              <a:shade val="50000"/>
-            </a:schemeClr>
-          </a:lnRef>
-          <a:fillRef idx="1">
-            <a:schemeClr val="dk1"/>
-          </a:fillRef>
-          <a:effectRef idx="0">
-            <a:schemeClr val="dk1"/>
-          </a:effectRef>
-          <a:fontRef idx="minor">
-            <a:schemeClr val="lt1"/>
-          </a:fontRef>
-        </p:style>
-        <p:txBody>
-          <a:bodyPr rtlCol="0" anchor="ctr"/>
-          <a:lstStyle/>
-          <a:p>
-            <a:pPr algn="ctr"/>
-            <a:r>
-              <a:rPr lang="en-US" sz="2000" dirty="0" err="1">
-                <a:solidFill>
-                  <a:schemeClr val="bg1"/>
-                </a:solidFill>
-                <a:latin typeface="Lucida Console" panose="020B0609040504020204" pitchFamily="49" charset="0"/>
-              </a:rPr>
-              <a:t>re_values</a:t>
-            </a:r>
-            <a:r>
-              <a:rPr lang="en-US" sz="2000" dirty="0">
-                <a:solidFill>
-                  <a:schemeClr val="bg1"/>
-                </a:solidFill>
-                <a:latin typeface="Lucida Console" panose="020B0609040504020204" pitchFamily="49" charset="0"/>
-              </a:rPr>
-              <a:t>()</a:t>
-            </a:r>
-          </a:p>
-        </p:txBody>
-      </p:sp>
-      <p:cxnSp>
-        <p:nvCxnSpPr>
-          <p:cNvPr id="17" name="Connecteur droit avec flèche 16"/>
-          <p:cNvCxnSpPr/>
-          <p:nvPr/>
-        </p:nvCxnSpPr>
-        <p:spPr>
-          <a:xfrm>
-            <a:off x="7645400" y="3498850"/>
-            <a:ext cx="1320800" cy="0"/>
-          </a:xfrm>
-          <a:prstGeom prst="straightConnector1">
-            <a:avLst/>
-          </a:prstGeom>
-          <a:ln w="76200">
-            <a:solidFill>
-              <a:schemeClr val="tx1"/>
-            </a:solidFill>
-            <a:tailEnd type="triangle"/>
-          </a:ln>
-        </p:spPr>
-        <p:style>
-          <a:lnRef idx="1">
-            <a:schemeClr val="accent1"/>
-          </a:lnRef>
-          <a:fillRef idx="0">
-            <a:schemeClr val="accent1"/>
-          </a:fillRef>
-          <a:effectRef idx="0">
-            <a:schemeClr val="accent1"/>
-          </a:effectRef>
-          <a:fontRef idx="minor">
-            <a:schemeClr val="tx1"/>
-          </a:fontRef>
-        </p:style>
-      </p:cxnSp>
-      <p:cxnSp>
-        <p:nvCxnSpPr>
-          <p:cNvPr id="24" name="Connecteur droit avec flèche 23"/>
-          <p:cNvCxnSpPr/>
-          <p:nvPr/>
-        </p:nvCxnSpPr>
-        <p:spPr>
-          <a:xfrm>
-            <a:off x="7645400" y="3498850"/>
-            <a:ext cx="1206500" cy="2114550"/>
-          </a:xfrm>
-          <a:prstGeom prst="straightConnector1">
-            <a:avLst/>
-          </a:prstGeom>
-          <a:ln w="76200">
-            <a:solidFill>
-              <a:schemeClr val="tx1"/>
-            </a:solidFill>
-            <a:tailEnd type="triangle"/>
-          </a:ln>
-        </p:spPr>
-        <p:style>
-          <a:lnRef idx="1">
-            <a:schemeClr val="accent1"/>
-          </a:lnRef>
-          <a:fillRef idx="0">
-            <a:schemeClr val="accent1"/>
-          </a:fillRef>
-          <a:effectRef idx="0">
-            <a:schemeClr val="accent1"/>
-          </a:effectRef>
-          <a:fontRef idx="minor">
-            <a:schemeClr val="tx1"/>
-          </a:fontRef>
-        </p:style>
-      </p:cxnSp>
-      <p:sp>
-        <p:nvSpPr>
-          <p:cNvPr id="28" name="Titre 9"/>
-          <p:cNvSpPr>
-            <a:spLocks noGrp="1"/>
-          </p:cNvSpPr>
-          <p:nvPr>
-            <p:ph type="title"/>
-          </p:nvPr>
-        </p:nvSpPr>
-        <p:spPr>
-          <a:xfrm>
-            <a:off x="838200" y="365125"/>
-            <a:ext cx="10515600" cy="1325563"/>
-          </a:xfrm>
-        </p:spPr>
-        <p:txBody>
-          <a:bodyPr/>
-          <a:lstStyle/>
-          <a:p>
-            <a:r>
-              <a:rPr lang="en-US" dirty="0"/>
-              <a:t>App 4 – server logic</a:t>
-            </a:r>
-          </a:p>
-        </p:txBody>
-      </p:sp>
-      <p:sp>
-        <p:nvSpPr>
-          <p:cNvPr id="16" name="Pentagone 15"/>
-          <p:cNvSpPr/>
-          <p:nvPr/>
-        </p:nvSpPr>
-        <p:spPr>
-          <a:xfrm>
-            <a:off x="368300" y="1563688"/>
-            <a:ext cx="2705100" cy="1182870"/>
-          </a:xfrm>
-          <a:prstGeom prst="homePlate">
-            <a:avLst/>
-          </a:prstGeom>
-        </p:spPr>
-        <p:style>
-          <a:lnRef idx="2">
-            <a:schemeClr val="accent2">
-              <a:shade val="50000"/>
-            </a:schemeClr>
-          </a:lnRef>
-          <a:fillRef idx="1">
-            <a:schemeClr val="accent2"/>
-          </a:fillRef>
-          <a:effectRef idx="0">
-            <a:schemeClr val="accent2"/>
-          </a:effectRef>
-          <a:fontRef idx="minor">
-            <a:schemeClr val="lt1"/>
-          </a:fontRef>
-        </p:style>
-        <p:txBody>
-          <a:bodyPr rtlCol="0" anchor="ctr"/>
-          <a:lstStyle/>
-          <a:p>
-            <a:pPr algn="ctr"/>
-            <a:r>
-              <a:rPr lang="en-US" sz="3600" dirty="0">
-                <a:latin typeface="Lucida Console" panose="020B0609040504020204" pitchFamily="49" charset="0"/>
-              </a:rPr>
-              <a:t>input$</a:t>
-            </a:r>
-          </a:p>
-          <a:p>
-            <a:pPr algn="ctr"/>
-            <a:r>
-              <a:rPr lang="en-US" sz="3600" dirty="0">
-                <a:latin typeface="Lucida Console" panose="020B0609040504020204" pitchFamily="49" charset="0"/>
-              </a:rPr>
-              <a:t>go</a:t>
-            </a:r>
-          </a:p>
-        </p:txBody>
-      </p:sp>
-      <p:cxnSp>
-        <p:nvCxnSpPr>
-          <p:cNvPr id="19" name="Connecteur droit avec flèche 18"/>
-          <p:cNvCxnSpPr>
-            <a:endCxn id="23" idx="0"/>
-          </p:cNvCxnSpPr>
-          <p:nvPr/>
-        </p:nvCxnSpPr>
-        <p:spPr>
-          <a:xfrm>
-            <a:off x="3162925" y="2154693"/>
-            <a:ext cx="1821977" cy="714597"/>
-          </a:xfrm>
-          <a:prstGeom prst="bentConnector2">
-            <a:avLst/>
-          </a:prstGeom>
-          <a:ln w="76200">
-            <a:solidFill>
-              <a:schemeClr val="tx1"/>
-            </a:solidFill>
-            <a:tailEnd type="triangle"/>
-          </a:ln>
-        </p:spPr>
-        <p:style>
-          <a:lnRef idx="1">
-            <a:schemeClr val="accent1"/>
-          </a:lnRef>
-          <a:fillRef idx="0">
-            <a:schemeClr val="accent1"/>
-          </a:fillRef>
-          <a:effectRef idx="0">
-            <a:schemeClr val="accent1"/>
-          </a:effectRef>
-          <a:fontRef idx="minor">
-            <a:schemeClr val="tx1"/>
-          </a:fontRef>
-        </p:style>
-      </p:cxnSp>
-      <p:grpSp>
-        <p:nvGrpSpPr>
-          <p:cNvPr id="26" name="Groupe 25"/>
-          <p:cNvGrpSpPr/>
-          <p:nvPr/>
-        </p:nvGrpSpPr>
-        <p:grpSpPr>
-          <a:xfrm>
-            <a:off x="8540750" y="2746558"/>
-            <a:ext cx="3493957" cy="1388984"/>
-            <a:chOff x="4622800" y="2552700"/>
-            <a:chExt cx="3263900" cy="850900"/>
-          </a:xfrm>
-        </p:grpSpPr>
-        <p:sp>
-          <p:nvSpPr>
-            <p:cNvPr id="27" name="Organigramme : Délai 26"/>
-            <p:cNvSpPr/>
-            <p:nvPr/>
-          </p:nvSpPr>
-          <p:spPr>
-            <a:xfrm>
-              <a:off x="6866120" y="2552700"/>
-              <a:ext cx="1020580" cy="850900"/>
-            </a:xfrm>
-            <a:prstGeom prst="flowChartDelay">
-              <a:avLst/>
-            </a:prstGeom>
-            <a:ln>
-              <a:solidFill>
-                <a:schemeClr val="accent6"/>
-              </a:solidFill>
-            </a:ln>
-          </p:spPr>
-          <p:style>
-            <a:lnRef idx="2">
-              <a:schemeClr val="accent6">
-                <a:shade val="50000"/>
-              </a:schemeClr>
-            </a:lnRef>
-            <a:fillRef idx="1">
-              <a:schemeClr val="accent6"/>
-            </a:fillRef>
-            <a:effectRef idx="0">
-              <a:schemeClr val="accent6"/>
-            </a:effectRef>
-            <a:fontRef idx="minor">
-              <a:schemeClr val="lt1"/>
-            </a:fontRef>
-          </p:style>
-          <p:txBody>
-            <a:bodyPr rtlCol="0" anchor="ctr"/>
-            <a:lstStyle/>
-            <a:p>
-              <a:pPr algn="ctr"/>
-              <a:endParaRPr lang="en-US" sz="2000"/>
-            </a:p>
-          </p:txBody>
-        </p:sp>
-        <p:sp>
-          <p:nvSpPr>
-            <p:cNvPr id="29" name="Chevron 28"/>
-            <p:cNvSpPr/>
-            <p:nvPr/>
-          </p:nvSpPr>
-          <p:spPr>
-            <a:xfrm>
-              <a:off x="4622800" y="2552700"/>
-              <a:ext cx="3200400" cy="850900"/>
-            </a:xfrm>
-            <a:prstGeom prst="chevron">
-              <a:avLst/>
-            </a:prstGeom>
-            <a:ln>
-              <a:solidFill>
-                <a:schemeClr val="accent6"/>
-              </a:solidFill>
-            </a:ln>
-          </p:spPr>
-          <p:style>
-            <a:lnRef idx="2">
-              <a:schemeClr val="accent6">
-                <a:shade val="50000"/>
-              </a:schemeClr>
-            </a:lnRef>
-            <a:fillRef idx="1">
-              <a:schemeClr val="accent6"/>
-            </a:fillRef>
-            <a:effectRef idx="0">
-              <a:schemeClr val="accent6"/>
-            </a:effectRef>
-            <a:fontRef idx="minor">
-              <a:schemeClr val="lt1"/>
-            </a:fontRef>
-          </p:style>
-          <p:txBody>
-            <a:bodyPr rtlCol="0" anchor="ctr"/>
-            <a:lstStyle/>
-            <a:p>
-              <a:pPr algn="ctr"/>
-              <a:r>
-                <a:rPr lang="en-US" sz="3200" dirty="0">
-                  <a:solidFill>
-                    <a:schemeClr val="bg1"/>
-                  </a:solidFill>
-                  <a:latin typeface="Lucida Console" panose="020B0609040504020204" pitchFamily="49" charset="0"/>
-                </a:rPr>
-                <a:t>output$</a:t>
-              </a:r>
-            </a:p>
-            <a:p>
-              <a:pPr algn="ctr"/>
-              <a:r>
-                <a:rPr lang="en-US" sz="3200" dirty="0" err="1">
-                  <a:solidFill>
-                    <a:schemeClr val="bg1"/>
-                  </a:solidFill>
-                  <a:latin typeface="Lucida Console" panose="020B0609040504020204" pitchFamily="49" charset="0"/>
-                </a:rPr>
-                <a:t>moyenne</a:t>
-              </a:r>
-              <a:endParaRPr lang="en-US" sz="3200" dirty="0">
-                <a:solidFill>
-                  <a:schemeClr val="bg1"/>
-                </a:solidFill>
-                <a:latin typeface="Lucida Console" panose="020B0609040504020204" pitchFamily="49" charset="0"/>
-              </a:endParaRPr>
-            </a:p>
-          </p:txBody>
-        </p:sp>
-      </p:grpSp>
-      <p:grpSp>
-        <p:nvGrpSpPr>
-          <p:cNvPr id="30" name="Groupe 29"/>
-          <p:cNvGrpSpPr/>
-          <p:nvPr/>
-        </p:nvGrpSpPr>
-        <p:grpSpPr>
-          <a:xfrm>
-            <a:off x="8540750" y="4861108"/>
-            <a:ext cx="3538407" cy="1388984"/>
-            <a:chOff x="4622800" y="2552700"/>
-            <a:chExt cx="3263900" cy="850900"/>
-          </a:xfrm>
-        </p:grpSpPr>
-        <p:sp>
-          <p:nvSpPr>
-            <p:cNvPr id="31" name="Organigramme : Délai 30"/>
-            <p:cNvSpPr/>
-            <p:nvPr/>
-          </p:nvSpPr>
-          <p:spPr>
-            <a:xfrm>
-              <a:off x="6994057" y="2552700"/>
-              <a:ext cx="892643" cy="850900"/>
-            </a:xfrm>
-            <a:prstGeom prst="flowChartDelay">
-              <a:avLst/>
-            </a:prstGeom>
-            <a:ln>
-              <a:solidFill>
-                <a:schemeClr val="accent6"/>
-              </a:solidFill>
-            </a:ln>
-          </p:spPr>
-          <p:style>
-            <a:lnRef idx="2">
-              <a:schemeClr val="accent6">
-                <a:shade val="50000"/>
-              </a:schemeClr>
-            </a:lnRef>
-            <a:fillRef idx="1">
-              <a:schemeClr val="accent6"/>
-            </a:fillRef>
-            <a:effectRef idx="0">
-              <a:schemeClr val="accent6"/>
-            </a:effectRef>
-            <a:fontRef idx="minor">
-              <a:schemeClr val="lt1"/>
-            </a:fontRef>
-          </p:style>
-          <p:txBody>
-            <a:bodyPr rtlCol="0" anchor="ctr"/>
-            <a:lstStyle/>
-            <a:p>
-              <a:pPr algn="ctr"/>
-              <a:endParaRPr lang="en-US" sz="2000"/>
-            </a:p>
-          </p:txBody>
-        </p:sp>
-        <p:sp>
-          <p:nvSpPr>
-            <p:cNvPr id="32" name="Chevron 31"/>
-            <p:cNvSpPr/>
-            <p:nvPr/>
-          </p:nvSpPr>
-          <p:spPr>
-            <a:xfrm>
-              <a:off x="4622800" y="2552700"/>
-              <a:ext cx="3200400" cy="850900"/>
-            </a:xfrm>
-            <a:prstGeom prst="chevron">
-              <a:avLst/>
-            </a:prstGeom>
-            <a:ln>
-              <a:solidFill>
-                <a:schemeClr val="accent6"/>
-              </a:solidFill>
-            </a:ln>
-          </p:spPr>
-          <p:style>
-            <a:lnRef idx="2">
-              <a:schemeClr val="accent6">
-                <a:shade val="50000"/>
-              </a:schemeClr>
-            </a:lnRef>
-            <a:fillRef idx="1">
-              <a:schemeClr val="accent6"/>
-            </a:fillRef>
-            <a:effectRef idx="0">
-              <a:schemeClr val="accent6"/>
-            </a:effectRef>
-            <a:fontRef idx="minor">
-              <a:schemeClr val="lt1"/>
-            </a:fontRef>
-          </p:style>
-          <p:txBody>
-            <a:bodyPr rtlCol="0" anchor="ctr"/>
-            <a:lstStyle/>
-            <a:p>
-              <a:pPr algn="ctr"/>
-              <a:r>
-                <a:rPr lang="en-US" sz="3200" dirty="0">
-                  <a:solidFill>
-                    <a:schemeClr val="bg1"/>
-                  </a:solidFill>
-                  <a:latin typeface="Lucida Console" panose="020B0609040504020204" pitchFamily="49" charset="0"/>
-                </a:rPr>
-                <a:t>output$</a:t>
-              </a:r>
-            </a:p>
-            <a:p>
-              <a:pPr algn="ctr"/>
-              <a:r>
-                <a:rPr lang="en-US" sz="3200" dirty="0" err="1">
-                  <a:solidFill>
-                    <a:schemeClr val="bg1"/>
-                  </a:solidFill>
-                  <a:latin typeface="Lucida Console" panose="020B0609040504020204" pitchFamily="49" charset="0"/>
-                </a:rPr>
-                <a:t>distrib</a:t>
-              </a:r>
-              <a:endParaRPr lang="en-US" sz="3200" dirty="0">
-                <a:solidFill>
-                  <a:schemeClr val="bg1"/>
-                </a:solidFill>
-                <a:latin typeface="Lucida Console" panose="020B0609040504020204" pitchFamily="49" charset="0"/>
-              </a:endParaRPr>
-            </a:p>
-          </p:txBody>
-        </p:sp>
-      </p:grpSp>
-      <p:cxnSp>
-        <p:nvCxnSpPr>
-          <p:cNvPr id="20" name="Connecteur droit avec flèche 19"/>
-          <p:cNvCxnSpPr/>
-          <p:nvPr/>
-        </p:nvCxnSpPr>
-        <p:spPr>
-          <a:xfrm flipV="1">
-            <a:off x="5867400" y="5748312"/>
-            <a:ext cx="2813050" cy="19050"/>
-          </a:xfrm>
-          <a:prstGeom prst="straightConnector1">
-            <a:avLst/>
-          </a:prstGeom>
-          <a:ln w="76200">
-            <a:solidFill>
-              <a:schemeClr val="tx1"/>
-            </a:solidFill>
-            <a:tailEnd type="triangle"/>
-          </a:ln>
-        </p:spPr>
-        <p:style>
-          <a:lnRef idx="1">
-            <a:schemeClr val="accent1"/>
-          </a:lnRef>
-          <a:fillRef idx="0">
-            <a:schemeClr val="accent1"/>
-          </a:fillRef>
-          <a:effectRef idx="0">
-            <a:schemeClr val="accent1"/>
-          </a:effectRef>
-          <a:fontRef idx="minor">
-            <a:schemeClr val="tx1"/>
-          </a:fontRef>
-        </p:style>
-      </p:cxnSp>
-      <p:cxnSp>
-        <p:nvCxnSpPr>
-          <p:cNvPr id="21" name="Connecteur droit avec flèche 20"/>
-          <p:cNvCxnSpPr/>
-          <p:nvPr/>
-        </p:nvCxnSpPr>
-        <p:spPr>
-          <a:xfrm flipV="1">
-            <a:off x="3073400" y="5767362"/>
-            <a:ext cx="2546350" cy="9526"/>
-          </a:xfrm>
-          <a:prstGeom prst="straightConnector1">
-            <a:avLst/>
-          </a:prstGeom>
-          <a:ln w="76200">
-            <a:solidFill>
-              <a:schemeClr val="tx1"/>
-            </a:solidFill>
-            <a:headEnd type="none" w="med" len="med"/>
-            <a:tailEnd type="none" w="med" len="med"/>
-          </a:ln>
-        </p:spPr>
-        <p:style>
-          <a:lnRef idx="1">
-            <a:schemeClr val="accent1"/>
-          </a:lnRef>
-          <a:fillRef idx="0">
-            <a:schemeClr val="accent1"/>
-          </a:fillRef>
-          <a:effectRef idx="0">
-            <a:schemeClr val="accent1"/>
-          </a:effectRef>
-          <a:fontRef idx="minor">
-            <a:schemeClr val="tx1"/>
-          </a:fontRef>
-        </p:style>
-      </p:cxnSp>
-      <p:cxnSp>
-        <p:nvCxnSpPr>
-          <p:cNvPr id="22" name="Connecteur droit avec flèche 21"/>
-          <p:cNvCxnSpPr/>
-          <p:nvPr/>
-        </p:nvCxnSpPr>
-        <p:spPr>
-          <a:xfrm flipV="1">
-            <a:off x="5416550" y="5484787"/>
-            <a:ext cx="406400" cy="527050"/>
-          </a:xfrm>
-          <a:prstGeom prst="straightConnector1">
-            <a:avLst/>
-          </a:prstGeom>
-          <a:ln w="76200">
-            <a:solidFill>
-              <a:schemeClr val="tx1"/>
-            </a:solidFill>
-            <a:headEnd type="none" w="med" len="med"/>
-            <a:tailEnd type="none" w="med" len="med"/>
-          </a:ln>
-        </p:spPr>
-        <p:style>
-          <a:lnRef idx="1">
-            <a:schemeClr val="accent1"/>
-          </a:lnRef>
-          <a:fillRef idx="0">
-            <a:schemeClr val="accent1"/>
-          </a:fillRef>
-          <a:effectRef idx="0">
-            <a:schemeClr val="accent1"/>
-          </a:effectRef>
-          <a:fontRef idx="minor">
-            <a:schemeClr val="tx1"/>
-          </a:fontRef>
-        </p:style>
-      </p:cxnSp>
-      <p:cxnSp>
-        <p:nvCxnSpPr>
-          <p:cNvPr id="25" name="Connecteur droit avec flèche 24"/>
-          <p:cNvCxnSpPr/>
-          <p:nvPr/>
-        </p:nvCxnSpPr>
-        <p:spPr>
-          <a:xfrm flipV="1">
-            <a:off x="5664200" y="5484787"/>
-            <a:ext cx="406400" cy="527050"/>
-          </a:xfrm>
-          <a:prstGeom prst="straightConnector1">
-            <a:avLst/>
-          </a:prstGeom>
-          <a:ln w="76200">
-            <a:solidFill>
-              <a:schemeClr val="tx1"/>
-            </a:solidFill>
-            <a:headEnd type="none" w="med" len="med"/>
-            <a:tailEnd type="none" w="med" len="med"/>
-          </a:ln>
-        </p:spPr>
-        <p:style>
-          <a:lnRef idx="1">
-            <a:schemeClr val="accent1"/>
-          </a:lnRef>
-          <a:fillRef idx="0">
-            <a:schemeClr val="accent1"/>
-          </a:fillRef>
-          <a:effectRef idx="0">
-            <a:schemeClr val="accent1"/>
-          </a:effectRef>
-          <a:fontRef idx="minor">
-            <a:schemeClr val="tx1"/>
-          </a:fontRef>
-        </p:style>
-      </p:cxnSp>
-      <p:sp>
-        <p:nvSpPr>
-          <p:cNvPr id="3" name="ZoneTexte 2"/>
-          <p:cNvSpPr txBox="1"/>
-          <p:nvPr/>
-        </p:nvSpPr>
-        <p:spPr>
-          <a:xfrm>
-            <a:off x="5149012" y="5993993"/>
-            <a:ext cx="941476" cy="369332"/>
-          </a:xfrm>
-          <a:prstGeom prst="rect">
-            <a:avLst/>
-          </a:prstGeom>
-          <a:noFill/>
-        </p:spPr>
-        <p:txBody>
-          <a:bodyPr wrap="none" rtlCol="0">
-            <a:spAutoFit/>
-          </a:bodyPr>
-          <a:lstStyle/>
-          <a:p>
-            <a:r>
-              <a:rPr lang="en-US" dirty="0"/>
-              <a:t>isolate()</a:t>
-            </a:r>
-          </a:p>
-        </p:txBody>
-      </p:sp>
-      <p:sp>
-        <p:nvSpPr>
-          <p:cNvPr id="33" name="ZoneTexte 32"/>
-          <p:cNvSpPr txBox="1"/>
-          <p:nvPr/>
-        </p:nvSpPr>
-        <p:spPr>
-          <a:xfrm>
-            <a:off x="5429165" y="2511991"/>
-            <a:ext cx="1646028" cy="369332"/>
-          </a:xfrm>
-          <a:prstGeom prst="rect">
-            <a:avLst/>
-          </a:prstGeom>
-          <a:noFill/>
-        </p:spPr>
-        <p:txBody>
-          <a:bodyPr wrap="none" rtlCol="0">
-            <a:spAutoFit/>
-          </a:bodyPr>
-          <a:lstStyle/>
-          <a:p>
-            <a:r>
-              <a:rPr lang="en-US" dirty="0" err="1"/>
-              <a:t>eventReactive</a:t>
-            </a:r>
-            <a:r>
-              <a:rPr lang="en-US" dirty="0"/>
-              <a:t>()</a:t>
-            </a:r>
-          </a:p>
-        </p:txBody>
-      </p:sp>
-    </p:spTree>
-    <p:extLst>
-      <p:ext uri="{BB962C8B-B14F-4D97-AF65-F5344CB8AC3E}">
-        <p14:creationId xmlns:p14="http://schemas.microsoft.com/office/powerpoint/2010/main" val="1493032203"/>
       </p:ext>
     </p:extLst>
   </p:cSld>
